--- a/data/pptx/007_dr_nejednakosti_i_stratifikacija.pptx
+++ b/data/pptx/007_dr_nejednakosti_i_stratifikacija.pptx
@@ -11,32 +11,32 @@
     <p:handoutMasterId r:id="rId29"/>
   </p:handoutMasterIdLst>
   <p:sldIdLst>
-    <p:sldId id="319" r:id="rId2"/>
-    <p:sldId id="320" r:id="rId3"/>
-    <p:sldId id="381" r:id="rId4"/>
-    <p:sldId id="382" r:id="rId5"/>
-    <p:sldId id="383" r:id="rId6"/>
-    <p:sldId id="384" r:id="rId7"/>
-    <p:sldId id="385" r:id="rId8"/>
-    <p:sldId id="386" r:id="rId9"/>
-    <p:sldId id="387" r:id="rId10"/>
-    <p:sldId id="388" r:id="rId11"/>
-    <p:sldId id="389" r:id="rId12"/>
-    <p:sldId id="390" r:id="rId13"/>
-    <p:sldId id="391" r:id="rId14"/>
-    <p:sldId id="392" r:id="rId15"/>
-    <p:sldId id="393" r:id="rId16"/>
-    <p:sldId id="394" r:id="rId17"/>
-    <p:sldId id="395" r:id="rId18"/>
-    <p:sldId id="396" r:id="rId19"/>
-    <p:sldId id="397" r:id="rId20"/>
-    <p:sldId id="398" r:id="rId21"/>
-    <p:sldId id="399" r:id="rId22"/>
-    <p:sldId id="400" r:id="rId23"/>
-    <p:sldId id="401" r:id="rId24"/>
-    <p:sldId id="402" r:id="rId25"/>
-    <p:sldId id="403" r:id="rId26"/>
-    <p:sldId id="422" r:id="rId27"/>
+    <p:sldId id="256" r:id="rId2"/>
+    <p:sldId id="257" r:id="rId3"/>
+    <p:sldId id="258" r:id="rId4"/>
+    <p:sldId id="259" r:id="rId5"/>
+    <p:sldId id="260" r:id="rId6"/>
+    <p:sldId id="261" r:id="rId7"/>
+    <p:sldId id="262" r:id="rId8"/>
+    <p:sldId id="263" r:id="rId9"/>
+    <p:sldId id="264" r:id="rId10"/>
+    <p:sldId id="265" r:id="rId11"/>
+    <p:sldId id="266" r:id="rId12"/>
+    <p:sldId id="267" r:id="rId13"/>
+    <p:sldId id="268" r:id="rId14"/>
+    <p:sldId id="269" r:id="rId15"/>
+    <p:sldId id="270" r:id="rId16"/>
+    <p:sldId id="271" r:id="rId17"/>
+    <p:sldId id="272" r:id="rId18"/>
+    <p:sldId id="273" r:id="rId19"/>
+    <p:sldId id="274" r:id="rId20"/>
+    <p:sldId id="275" r:id="rId21"/>
+    <p:sldId id="276" r:id="rId22"/>
+    <p:sldId id="277" r:id="rId23"/>
+    <p:sldId id="278" r:id="rId24"/>
+    <p:sldId id="279" r:id="rId25"/>
+    <p:sldId id="280" r:id="rId26"/>
+    <p:sldId id="281" r:id="rId27"/>
   </p:sldIdLst>
   <p:sldSz cx="9144000" cy="6858000" type="screen4x3"/>
   <p:notesSz cx="6858000" cy="9144000"/>
@@ -221,7 +221,7 @@
             <a:fld id="{0DE5D643-D875-49BA-AC11-2E81D3EFA866}" type="datetimeFigureOut">
               <a:rPr lang="sr-Latn-CS" smtClean="0"/>
               <a:pPr/>
-              <a:t>10.3.2018.</a:t>
+              <a:t>18.2.2019.</a:t>
             </a:fld>
             <a:endParaRPr lang="hr-HR" dirty="0"/>
           </a:p>
@@ -388,7 +388,7 @@
             <a:fld id="{6CCAC008-3BA1-4F57-A152-90474F7AC888}" type="datetimeFigureOut">
               <a:rPr lang="sr-Latn-CS" smtClean="0"/>
               <a:pPr/>
-              <a:t>10.3.2018.</a:t>
+              <a:t>18.2.2019.</a:t>
             </a:fld>
             <a:endParaRPr lang="hr-HR" dirty="0"/>
           </a:p>
@@ -833,7 +833,7 @@
             <a:fld id="{7CB97365-EBCA-4027-87D5-99FC1D4DF0BB}" type="datetimeFigureOut">
               <a:rPr lang="en-US" smtClean="0"/>
               <a:pPr/>
-              <a:t>3/10/2018</a:t>
+              <a:t>2/18/2019</a:t>
             </a:fld>
             <a:endParaRPr lang="en-US"/>
           </a:p>
@@ -1012,7 +1012,7 @@
             <a:fld id="{7CB97365-EBCA-4027-87D5-99FC1D4DF0BB}" type="datetimeFigureOut">
               <a:rPr lang="en-US" smtClean="0"/>
               <a:pPr/>
-              <a:t>3/10/2018</a:t>
+              <a:t>2/18/2019</a:t>
             </a:fld>
             <a:endParaRPr lang="en-US"/>
           </a:p>
@@ -1201,7 +1201,7 @@
             <a:fld id="{7CB97365-EBCA-4027-87D5-99FC1D4DF0BB}" type="datetimeFigureOut">
               <a:rPr lang="en-US" smtClean="0"/>
               <a:pPr/>
-              <a:t>3/10/2018</a:t>
+              <a:t>2/18/2019</a:t>
             </a:fld>
             <a:endParaRPr lang="en-US"/>
           </a:p>
@@ -1475,7 +1475,7 @@
             <a:fld id="{7CB97365-EBCA-4027-87D5-99FC1D4DF0BB}" type="datetimeFigureOut">
               <a:rPr lang="en-US" smtClean="0"/>
               <a:pPr/>
-              <a:t>3/10/2018</a:t>
+              <a:t>2/18/2019</a:t>
             </a:fld>
             <a:endParaRPr lang="en-US"/>
           </a:p>
@@ -1761,7 +1761,7 @@
             <a:fld id="{7CB97365-EBCA-4027-87D5-99FC1D4DF0BB}" type="datetimeFigureOut">
               <a:rPr lang="en-US" smtClean="0"/>
               <a:pPr/>
-              <a:t>3/10/2018</a:t>
+              <a:t>2/18/2019</a:t>
             </a:fld>
             <a:endParaRPr lang="en-US"/>
           </a:p>
@@ -2113,7 +2113,7 @@
             <a:fld id="{7CB97365-EBCA-4027-87D5-99FC1D4DF0BB}" type="datetimeFigureOut">
               <a:rPr lang="en-US" smtClean="0"/>
               <a:pPr/>
-              <a:t>3/10/2018</a:t>
+              <a:t>2/18/2019</a:t>
             </a:fld>
             <a:endParaRPr lang="en-US"/>
           </a:p>
@@ -2536,7 +2536,7 @@
             <a:fld id="{7CB97365-EBCA-4027-87D5-99FC1D4DF0BB}" type="datetimeFigureOut">
               <a:rPr lang="en-US" smtClean="0"/>
               <a:pPr/>
-              <a:t>3/10/2018</a:t>
+              <a:t>2/18/2019</a:t>
             </a:fld>
             <a:endParaRPr lang="en-US"/>
           </a:p>
@@ -2663,7 +2663,7 @@
             <a:fld id="{7CB97365-EBCA-4027-87D5-99FC1D4DF0BB}" type="datetimeFigureOut">
               <a:rPr lang="en-US" smtClean="0"/>
               <a:pPr/>
-              <a:t>3/10/2018</a:t>
+              <a:t>2/18/2019</a:t>
             </a:fld>
             <a:endParaRPr lang="en-US"/>
           </a:p>
@@ -2767,7 +2767,7 @@
             <a:fld id="{7CB97365-EBCA-4027-87D5-99FC1D4DF0BB}" type="datetimeFigureOut">
               <a:rPr lang="en-US" smtClean="0"/>
               <a:pPr/>
-              <a:t>3/10/2018</a:t>
+              <a:t>2/18/2019</a:t>
             </a:fld>
             <a:endParaRPr lang="en-US"/>
           </a:p>
@@ -3039,7 +3039,7 @@
             <a:fld id="{7CB97365-EBCA-4027-87D5-99FC1D4DF0BB}" type="datetimeFigureOut">
               <a:rPr lang="en-US" smtClean="0"/>
               <a:pPr/>
-              <a:t>3/10/2018</a:t>
+              <a:t>2/18/2019</a:t>
             </a:fld>
             <a:endParaRPr lang="en-US"/>
           </a:p>
@@ -3305,7 +3305,7 @@
             <a:fld id="{7CB97365-EBCA-4027-87D5-99FC1D4DF0BB}" type="datetimeFigureOut">
               <a:rPr lang="en-US" smtClean="0"/>
               <a:pPr/>
-              <a:t>3/10/2018</a:t>
+              <a:t>2/18/2019</a:t>
             </a:fld>
             <a:endParaRPr lang="en-US"/>
           </a:p>
@@ -3548,7 +3548,7 @@
             <a:fld id="{7CB97365-EBCA-4027-87D5-99FC1D4DF0BB}" type="datetimeFigureOut">
               <a:rPr lang="en-US" smtClean="0"/>
               <a:pPr/>
-              <a:t>3/10/2018</a:t>
+              <a:t>2/18/2019</a:t>
             </a:fld>
             <a:endParaRPr lang="en-US">
               <a:solidFill>
@@ -4104,7 +4104,7 @@
 </file>
 
 <file path=ppt/slides/slide1.xml><?xml version="1.0" encoding="utf-8"?>
-<p:sld xmlns:a="http://schemas.openxmlformats.org/drawingml/2006/main" xmlns:r="http://schemas.openxmlformats.org/officeDocument/2006/relationships" xmlns:p="http://schemas.openxmlformats.org/presentationml/2006/main" showMasterSp="0">
+<p:sld xmlns:a="http://schemas.openxmlformats.org/drawingml/2006/main" xmlns:r="http://schemas.openxmlformats.org/officeDocument/2006/relationships" xmlns:p="http://schemas.openxmlformats.org/presentationml/2006/main">
   <p:cSld>
     <p:spTree>
       <p:nvGrpSpPr>
@@ -4165,8 +4165,8 @@
         </p:nvSpPr>
         <p:spPr>
           <a:xfrm>
-            <a:off x="0" y="5395972"/>
-            <a:ext cx="9144000" cy="1465136"/>
+            <a:off x="0" y="5301207"/>
+            <a:ext cx="9144000" cy="1559901"/>
           </a:xfrm>
           <a:prstGeom prst="rect">
             <a:avLst/>
@@ -4228,7 +4228,7 @@
         </p:nvSpPr>
         <p:spPr>
           <a:xfrm>
-            <a:off x="0" y="5717892"/>
+            <a:off x="0" y="5598852"/>
             <a:ext cx="9144000" cy="1142984"/>
           </a:xfrm>
           <a:prstGeom prst="rect">
@@ -4349,17 +4349,22 @@
         </p:txBody>
       </p:sp>
     </p:spTree>
+    <p:extLst>
+      <p:ext uri="{BB962C8B-B14F-4D97-AF65-F5344CB8AC3E}">
+        <p14:creationId xmlns:p14="http://schemas.microsoft.com/office/powerpoint/2010/main" val="489929859"/>
+      </p:ext>
+    </p:extLst>
   </p:cSld>
   <p:clrMapOvr>
     <a:masterClrMapping/>
   </p:clrMapOvr>
-  <mc:AlternateContent xmlns:mc="http://schemas.openxmlformats.org/markup-compatibility/2006">
-    <mc:Choice xmlns:p14="http://schemas.microsoft.com/office/powerpoint/2010/main" Requires="p14">
+  <mc:AlternateContent xmlns:mc="http://schemas.openxmlformats.org/markup-compatibility/2006" xmlns:p14="http://schemas.microsoft.com/office/powerpoint/2010/main">
+    <mc:Choice Requires="p14">
       <p:transition>
         <p14:reveal/>
       </p:transition>
     </mc:Choice>
-    <mc:Fallback>
+    <mc:Fallback xmlns="">
       <p:transition>
         <p:fade/>
       </p:transition>
@@ -5160,10 +5165,10 @@
                 <a:ea typeface="WenQuanYi Micro Hei" charset="0"/>
                 <a:cs typeface="Calibri" pitchFamily="34" charset="0"/>
               </a:rPr>
-              <a:t>razlika je u ulogama koje obavljaju</a:t>
-            </a:r>
-            <a:r>
-              <a:rPr lang="en-US" sz="2400" dirty="0">
+              <a:t>razlika je u ulogama koje </a:t>
+            </a:r>
+            <a:r>
+              <a:rPr lang="hr-HR" sz="2400" u="sng" dirty="0" smtClean="0">
                 <a:solidFill>
                   <a:srgbClr val="FFFFFF"/>
                 </a:solidFill>
@@ -5171,8 +5176,38 @@
                 <a:ea typeface="WenQuanYi Micro Hei" charset="0"/>
                 <a:cs typeface="Calibri" pitchFamily="34" charset="0"/>
               </a:rPr>
+              <a:t>pojedinci </a:t>
+            </a:r>
+            <a:r>
+              <a:rPr lang="en-US" sz="2400" u="sng" dirty="0" smtClean="0">
+                <a:solidFill>
+                  <a:srgbClr val="FFFFFF"/>
+                </a:solidFill>
+                <a:latin typeface="Calibri" pitchFamily="34" charset="0"/>
+                <a:ea typeface="WenQuanYi Micro Hei" charset="0"/>
+                <a:cs typeface="Calibri" pitchFamily="34" charset="0"/>
+              </a:rPr>
+              <a:t>obavljaju</a:t>
+            </a:r>
+            <a:r>
+              <a:rPr lang="en-US" sz="2400" dirty="0" smtClean="0">
+                <a:solidFill>
+                  <a:srgbClr val="FFFFFF"/>
+                </a:solidFill>
+                <a:latin typeface="Calibri" pitchFamily="34" charset="0"/>
+                <a:ea typeface="WenQuanYi Micro Hei" charset="0"/>
+                <a:cs typeface="Calibri" pitchFamily="34" charset="0"/>
+              </a:rPr>
               <a:t> </a:t>
             </a:r>
+            <a:endParaRPr lang="en-US" sz="2400" dirty="0">
+              <a:solidFill>
+                <a:srgbClr val="FFFFFF"/>
+              </a:solidFill>
+              <a:latin typeface="Calibri" pitchFamily="34" charset="0"/>
+              <a:ea typeface="WenQuanYi Micro Hei" charset="0"/>
+              <a:cs typeface="Calibri" pitchFamily="34" charset="0"/>
+            </a:endParaRPr>
           </a:p>
           <a:p>
             <a:pPr marL="900000" lvl="2" indent="-288000">
@@ -5999,18 +6034,72 @@
           </a:p>
         </p:txBody>
       </p:sp>
+      <p:sp>
+        <p:nvSpPr>
+          <p:cNvPr id="6" name="TextBox 5"/>
+          <p:cNvSpPr txBox="1"/>
+          <p:nvPr/>
+        </p:nvSpPr>
+        <p:spPr>
+          <a:xfrm>
+            <a:off x="8138597" y="0"/>
+            <a:ext cx="1005403" cy="338554"/>
+          </a:xfrm>
+          <a:prstGeom prst="rect">
+            <a:avLst/>
+          </a:prstGeom>
+          <a:noFill/>
+        </p:spPr>
+        <p:txBody>
+          <a:bodyPr wrap="none" rtlCol="0">
+            <a:spAutoFit/>
+          </a:bodyPr>
+          <a:lstStyle/>
+          <a:p>
+            <a:pPr algn="r"/>
+            <a:r>
+              <a:rPr lang="hr-HR" sz="1600" dirty="0" smtClean="0">
+                <a:solidFill>
+                  <a:schemeClr val="bg1">
+                    <a:lumMod val="65000"/>
+                    <a:lumOff val="35000"/>
+                  </a:schemeClr>
+                </a:solidFill>
+                <a:latin typeface="Calibri" panose="020F0502020204030204" pitchFamily="34" charset="0"/>
+                <a:cs typeface="Calibri" panose="020F0502020204030204" pitchFamily="34" charset="0"/>
+              </a:rPr>
+              <a:t>136 – 137</a:t>
+            </a:r>
+            <a:endParaRPr lang="hr-HR" sz="1600" dirty="0">
+              <a:solidFill>
+                <a:schemeClr val="bg1">
+                  <a:lumMod val="65000"/>
+                  <a:lumOff val="35000"/>
+                </a:schemeClr>
+              </a:solidFill>
+              <a:latin typeface="Calibri" panose="020F0502020204030204" pitchFamily="34" charset="0"/>
+              <a:cs typeface="Calibri" panose="020F0502020204030204" pitchFamily="34" charset="0"/>
+            </a:endParaRPr>
+          </a:p>
+        </p:txBody>
+      </p:sp>
     </p:spTree>
+    <p:extLst>
+      <p:ext uri="{BB962C8B-B14F-4D97-AF65-F5344CB8AC3E}">
+        <p14:creationId xmlns:p14="http://schemas.microsoft.com/office/powerpoint/2010/main" val="4145107186"/>
+      </p:ext>
+    </p:extLst>
   </p:cSld>
   <p:clrMapOvr>
     <a:masterClrMapping/>
   </p:clrMapOvr>
-  <mc:AlternateContent xmlns:mc="http://schemas.openxmlformats.org/markup-compatibility/2006">
-    <mc:Choice xmlns:p14="http://schemas.microsoft.com/office/powerpoint/2010/main" Requires="p14">
+  <mc:AlternateContent xmlns:mc="http://schemas.openxmlformats.org/markup-compatibility/2006" xmlns:p14="http://schemas.microsoft.com/office/powerpoint/2010/main">
+    <mc:Choice Requires="p14">
       <p:transition>
         <p14:reveal/>
       </p:transition>
     </mc:Choice>
-    <mc:Fallback>
+    <mc:Fallback xmlns="">
       <p:transition>
         <p:fade/>
       </p:transition>
@@ -7371,18 +7460,72 @@
           </a:p>
         </p:txBody>
       </p:sp>
+      <p:sp>
+        <p:nvSpPr>
+          <p:cNvPr id="5" name="TextBox 4"/>
+          <p:cNvSpPr txBox="1"/>
+          <p:nvPr/>
+        </p:nvSpPr>
+        <p:spPr>
+          <a:xfrm>
+            <a:off x="8138597" y="0"/>
+            <a:ext cx="1005403" cy="338554"/>
+          </a:xfrm>
+          <a:prstGeom prst="rect">
+            <a:avLst/>
+          </a:prstGeom>
+          <a:noFill/>
+        </p:spPr>
+        <p:txBody>
+          <a:bodyPr wrap="none" rtlCol="0">
+            <a:spAutoFit/>
+          </a:bodyPr>
+          <a:lstStyle/>
+          <a:p>
+            <a:pPr algn="r"/>
+            <a:r>
+              <a:rPr lang="hr-HR" sz="1600" dirty="0" smtClean="0">
+                <a:solidFill>
+                  <a:schemeClr val="bg1">
+                    <a:lumMod val="65000"/>
+                    <a:lumOff val="35000"/>
+                  </a:schemeClr>
+                </a:solidFill>
+                <a:latin typeface="Calibri" panose="020F0502020204030204" pitchFamily="34" charset="0"/>
+                <a:cs typeface="Calibri" panose="020F0502020204030204" pitchFamily="34" charset="0"/>
+              </a:rPr>
+              <a:t>136 – 137</a:t>
+            </a:r>
+            <a:endParaRPr lang="hr-HR" sz="1600" dirty="0">
+              <a:solidFill>
+                <a:schemeClr val="bg1">
+                  <a:lumMod val="65000"/>
+                  <a:lumOff val="35000"/>
+                </a:schemeClr>
+              </a:solidFill>
+              <a:latin typeface="Calibri" panose="020F0502020204030204" pitchFamily="34" charset="0"/>
+              <a:cs typeface="Calibri" panose="020F0502020204030204" pitchFamily="34" charset="0"/>
+            </a:endParaRPr>
+          </a:p>
+        </p:txBody>
+      </p:sp>
     </p:spTree>
+    <p:extLst>
+      <p:ext uri="{BB962C8B-B14F-4D97-AF65-F5344CB8AC3E}">
+        <p14:creationId xmlns:p14="http://schemas.microsoft.com/office/powerpoint/2010/main" val="1062737985"/>
+      </p:ext>
+    </p:extLst>
   </p:cSld>
   <p:clrMapOvr>
     <a:masterClrMapping/>
   </p:clrMapOvr>
-  <mc:AlternateContent xmlns:mc="http://schemas.openxmlformats.org/markup-compatibility/2006">
-    <mc:Choice xmlns:p14="http://schemas.microsoft.com/office/powerpoint/2010/main" Requires="p14">
+  <mc:AlternateContent xmlns:mc="http://schemas.openxmlformats.org/markup-compatibility/2006" xmlns:p14="http://schemas.microsoft.com/office/powerpoint/2010/main">
+    <mc:Choice Requires="p14">
       <p:transition>
         <p14:reveal/>
       </p:transition>
     </mc:Choice>
-    <mc:Fallback>
+    <mc:Fallback xmlns="">
       <p:transition>
         <p:fade/>
       </p:transition>
@@ -7871,14 +8014,14 @@
           <p:nvPr>
             <p:extLst>
               <p:ext uri="{D42A27DB-BD31-4B8C-83A1-F6EECF244321}">
-                <p14:modId xmlns:p14="http://schemas.microsoft.com/office/powerpoint/2010/main" val="16243226"/>
+                <p14:modId xmlns:p14="http://schemas.microsoft.com/office/powerpoint/2010/main" val="40452000"/>
               </p:ext>
             </p:extLst>
           </p:nvPr>
         </p:nvGraphicFramePr>
         <p:xfrm>
           <a:off x="917575" y="1554163"/>
-          <a:ext cx="7680325" cy="4076700"/>
+          <a:ext cx="7680325" cy="4187065"/>
         </p:xfrm>
         <a:graphic>
           <a:graphicData uri="http://schemas.openxmlformats.org/drawingml/2006/table">
@@ -7985,10 +8128,7 @@
                       <a:noFill/>
                     </a:lnBlToTr>
                     <a:solidFill>
-                      <a:schemeClr val="bg1">
-                        <a:lumMod val="75000"/>
-                        <a:lumOff val="25000"/>
-                      </a:schemeClr>
+                      <a:srgbClr val="002060"/>
                     </a:solidFill>
                   </a:tcPr>
                 </a:tc>
@@ -8087,10 +8227,7 @@
                       <a:noFill/>
                     </a:lnBlToTr>
                     <a:solidFill>
-                      <a:schemeClr val="bg1">
-                        <a:lumMod val="75000"/>
-                        <a:lumOff val="25000"/>
-                      </a:schemeClr>
+                      <a:srgbClr val="002060"/>
                     </a:solidFill>
                   </a:tcPr>
                 </a:tc>
@@ -8189,10 +8326,7 @@
                       <a:noFill/>
                     </a:lnBlToTr>
                     <a:solidFill>
-                      <a:schemeClr val="bg1">
-                        <a:lumMod val="75000"/>
-                        <a:lumOff val="25000"/>
-                      </a:schemeClr>
+                      <a:srgbClr val="002060"/>
                     </a:solidFill>
                   </a:tcPr>
                 </a:tc>
@@ -8233,7 +8367,7 @@
                         </a:tabLst>
                       </a:pPr>
                       <a:r>
-                        <a:rPr kumimoji="0" lang="en-US" sz="1800" b="1" i="0" u="none" strike="noStrike" cap="none" normalizeH="0" baseline="0" smtClean="0">
+                        <a:rPr kumimoji="0" lang="en-US" sz="2400" b="1" i="0" u="none" strike="noStrike" cap="none" normalizeH="0" baseline="0" dirty="0" smtClean="0">
                           <a:ln>
                             <a:noFill/>
                           </a:ln>
@@ -8245,7 +8379,7 @@
                           <a:ea typeface="WenQuanYi Micro Hei" charset="0"/>
                           <a:cs typeface="Calibri" pitchFamily="34" charset="0"/>
                         </a:rPr>
-                        <a:t>kaste</a:t>
+                        <a:t>KASTE</a:t>
                       </a:r>
                     </a:p>
                   </a:txBody>
@@ -8526,7 +8660,7 @@
                         </a:tabLst>
                       </a:pPr>
                       <a:r>
-                        <a:rPr kumimoji="0" lang="en-US" sz="1800" b="1" i="0" u="none" strike="noStrike" cap="none" normalizeH="0" baseline="0" smtClean="0">
+                        <a:rPr kumimoji="0" lang="en-US" sz="2400" b="1" i="0" u="none" strike="noStrike" cap="none" normalizeH="0" baseline="0" dirty="0" smtClean="0">
                           <a:ln>
                             <a:noFill/>
                           </a:ln>
@@ -8538,7 +8672,7 @@
                           <a:ea typeface="WenQuanYi Micro Hei" charset="0"/>
                           <a:cs typeface="Calibri" pitchFamily="34" charset="0"/>
                         </a:rPr>
-                        <a:t>feudalizam</a:t>
+                        <a:t>FEUDALIZAM</a:t>
                       </a:r>
                     </a:p>
                   </a:txBody>
@@ -8819,7 +8953,7 @@
                         </a:tabLst>
                       </a:pPr>
                       <a:r>
-                        <a:rPr kumimoji="0" lang="en-US" sz="1800" b="1" i="0" u="none" strike="noStrike" cap="none" normalizeH="0" baseline="0" smtClean="0">
+                        <a:rPr kumimoji="0" lang="en-US" sz="2400" b="1" i="0" u="none" strike="noStrike" cap="none" normalizeH="0" baseline="0" dirty="0" smtClean="0">
                           <a:ln>
                             <a:noFill/>
                           </a:ln>
@@ -8831,7 +8965,7 @@
                           <a:ea typeface="WenQuanYi Micro Hei" charset="0"/>
                           <a:cs typeface="Calibri" pitchFamily="34" charset="0"/>
                         </a:rPr>
-                        <a:t>bušmani</a:t>
+                        <a:t>BUŠMANI</a:t>
                       </a:r>
                     </a:p>
                   </a:txBody>
@@ -9112,7 +9246,7 @@
                         </a:tabLst>
                       </a:pPr>
                       <a:r>
-                        <a:rPr kumimoji="0" lang="en-US" sz="1800" b="1" i="0" u="none" strike="noStrike" cap="none" normalizeH="0" baseline="0" smtClean="0">
+                        <a:rPr kumimoji="0" lang="en-US" sz="2400" b="1" i="0" u="none" strike="noStrike" cap="none" normalizeH="0" baseline="0" dirty="0" smtClean="0">
                           <a:ln>
                             <a:noFill/>
                           </a:ln>
@@ -9124,7 +9258,7 @@
                           <a:ea typeface="WenQuanYi Micro Hei" charset="0"/>
                           <a:cs typeface="Calibri" pitchFamily="34" charset="0"/>
                         </a:rPr>
-                        <a:t>aboriđini</a:t>
+                        <a:t>ABORIĐINI</a:t>
                       </a:r>
                     </a:p>
                   </a:txBody>
@@ -9405,7 +9539,7 @@
                         </a:tabLst>
                       </a:pPr>
                       <a:r>
-                        <a:rPr kumimoji="0" lang="en-US" sz="1800" b="1" i="0" u="none" strike="noStrike" cap="none" normalizeH="0" baseline="0" smtClean="0">
+                        <a:rPr kumimoji="0" lang="en-US" sz="2400" b="1" i="0" u="none" strike="noStrike" cap="none" normalizeH="0" baseline="0" dirty="0" smtClean="0">
                           <a:ln>
                             <a:noFill/>
                           </a:ln>
@@ -9417,7 +9551,7 @@
                           <a:ea typeface="WenQuanYi Micro Hei" charset="0"/>
                           <a:cs typeface="Calibri" pitchFamily="34" charset="0"/>
                         </a:rPr>
-                        <a:t>Moderna društva</a:t>
+                        <a:t>MODERNA DRUŠTVA</a:t>
                       </a:r>
                     </a:p>
                   </a:txBody>
@@ -10106,18 +10240,72 @@
           </a:p>
         </p:txBody>
       </p:sp>
+      <p:sp>
+        <p:nvSpPr>
+          <p:cNvPr id="14" name="TextBox 13"/>
+          <p:cNvSpPr txBox="1"/>
+          <p:nvPr/>
+        </p:nvSpPr>
+        <p:spPr>
+          <a:xfrm>
+            <a:off x="8138597" y="0"/>
+            <a:ext cx="1005403" cy="338554"/>
+          </a:xfrm>
+          <a:prstGeom prst="rect">
+            <a:avLst/>
+          </a:prstGeom>
+          <a:noFill/>
+        </p:spPr>
+        <p:txBody>
+          <a:bodyPr wrap="none" rtlCol="0">
+            <a:spAutoFit/>
+          </a:bodyPr>
+          <a:lstStyle/>
+          <a:p>
+            <a:pPr algn="r"/>
+            <a:r>
+              <a:rPr lang="hr-HR" sz="1600" dirty="0" smtClean="0">
+                <a:solidFill>
+                  <a:schemeClr val="bg1">
+                    <a:lumMod val="65000"/>
+                    <a:lumOff val="35000"/>
+                  </a:schemeClr>
+                </a:solidFill>
+                <a:latin typeface="Calibri" panose="020F0502020204030204" pitchFamily="34" charset="0"/>
+                <a:cs typeface="Calibri" panose="020F0502020204030204" pitchFamily="34" charset="0"/>
+              </a:rPr>
+              <a:t>136 – 137</a:t>
+            </a:r>
+            <a:endParaRPr lang="hr-HR" sz="1600" dirty="0">
+              <a:solidFill>
+                <a:schemeClr val="bg1">
+                  <a:lumMod val="65000"/>
+                  <a:lumOff val="35000"/>
+                </a:schemeClr>
+              </a:solidFill>
+              <a:latin typeface="Calibri" panose="020F0502020204030204" pitchFamily="34" charset="0"/>
+              <a:cs typeface="Calibri" panose="020F0502020204030204" pitchFamily="34" charset="0"/>
+            </a:endParaRPr>
+          </a:p>
+        </p:txBody>
+      </p:sp>
     </p:spTree>
+    <p:extLst>
+      <p:ext uri="{BB962C8B-B14F-4D97-AF65-F5344CB8AC3E}">
+        <p14:creationId xmlns:p14="http://schemas.microsoft.com/office/powerpoint/2010/main" val="413981998"/>
+      </p:ext>
+    </p:extLst>
   </p:cSld>
   <p:clrMapOvr>
     <a:masterClrMapping/>
   </p:clrMapOvr>
-  <mc:AlternateContent xmlns:mc="http://schemas.openxmlformats.org/markup-compatibility/2006">
-    <mc:Choice xmlns:p14="http://schemas.microsoft.com/office/powerpoint/2010/main" Requires="p14">
+  <mc:AlternateContent xmlns:mc="http://schemas.openxmlformats.org/markup-compatibility/2006" xmlns:p14="http://schemas.microsoft.com/office/powerpoint/2010/main">
+    <mc:Choice Requires="p14">
       <p:transition>
         <p14:reveal/>
       </p:transition>
     </mc:Choice>
-    <mc:Fallback>
+    <mc:Fallback xmlns="">
       <p:transition>
         <p:fade/>
       </p:transition>
@@ -10361,17 +10549,10 @@
               </a:tabLst>
             </a:pPr>
             <a:r>
-              <a:rPr lang="en-US" sz="2200" b="1">
+              <a:rPr lang="en-US" sz="2400" b="1">
                 <a:solidFill>
                   <a:srgbClr val="FFFFFF"/>
                 </a:solidFill>
-                <a:effectLst>
-                  <a:outerShdw blurRad="38100" dist="38100" dir="2700000" algn="tl">
-                    <a:srgbClr val="000000">
-                      <a:alpha val="43137"/>
-                    </a:srgbClr>
-                  </a:outerShdw>
-                </a:effectLst>
                 <a:latin typeface="Calibri" pitchFamily="34" charset="0"/>
                 <a:ea typeface="WenQuanYi Micro Hei" charset="0"/>
                 <a:cs typeface="Calibri" pitchFamily="34" charset="0"/>
@@ -10404,9 +10585,7 @@
             </a:schemeClr>
           </a:solidFill>
           <a:ln w="28575">
-            <a:solidFill>
-              <a:srgbClr val="FFFFFF"/>
-            </a:solidFill>
+            <a:noFill/>
             <a:round/>
             <a:headEnd/>
             <a:tailEnd/>
@@ -10427,17 +10606,10 @@
               </a:tabLst>
             </a:pPr>
             <a:r>
-              <a:rPr lang="en-US" sz="2200" b="1">
+              <a:rPr lang="en-US" sz="2400" b="1">
                 <a:solidFill>
                   <a:srgbClr val="FFFFFF"/>
                 </a:solidFill>
-                <a:effectLst>
-                  <a:outerShdw blurRad="38100" dist="38100" dir="2700000" algn="tl">
-                    <a:srgbClr val="000000">
-                      <a:alpha val="43137"/>
-                    </a:srgbClr>
-                  </a:outerShdw>
-                </a:effectLst>
                 <a:latin typeface="Calibri" pitchFamily="34" charset="0"/>
                 <a:ea typeface="WenQuanYi Micro Hei" charset="0"/>
                 <a:cs typeface="Calibri" pitchFamily="34" charset="0"/>
@@ -10467,9 +10639,7 @@
             <a:srgbClr val="C00000"/>
           </a:solidFill>
           <a:ln w="28575">
-            <a:solidFill>
-              <a:srgbClr val="FFFFFF"/>
-            </a:solidFill>
+            <a:noFill/>
             <a:round/>
             <a:headEnd/>
             <a:tailEnd/>
@@ -10490,17 +10660,10 @@
               </a:tabLst>
             </a:pPr>
             <a:r>
-              <a:rPr lang="en-US" sz="2200" b="1" dirty="0">
+              <a:rPr lang="en-US" sz="2400" b="1" dirty="0">
                 <a:solidFill>
                   <a:srgbClr val="FFFFFF"/>
                 </a:solidFill>
-                <a:effectLst>
-                  <a:outerShdw blurRad="38100" dist="38100" dir="2700000" algn="tl">
-                    <a:srgbClr val="000000">
-                      <a:alpha val="43137"/>
-                    </a:srgbClr>
-                  </a:outerShdw>
-                </a:effectLst>
                 <a:latin typeface="Calibri" pitchFamily="34" charset="0"/>
                 <a:ea typeface="WenQuanYi Micro Hei" charset="0"/>
                 <a:cs typeface="Calibri" pitchFamily="34" charset="0"/>
@@ -10980,9 +11143,7 @@
             <a:srgbClr val="002060"/>
           </a:solidFill>
           <a:ln w="28575">
-            <a:solidFill>
-              <a:srgbClr val="FFFFFF"/>
-            </a:solidFill>
+            <a:noFill/>
             <a:round/>
             <a:headEnd/>
             <a:tailEnd/>
@@ -11003,17 +11164,10 @@
               </a:tabLst>
             </a:pPr>
             <a:r>
-              <a:rPr lang="en-US" sz="2200" b="1">
+              <a:rPr lang="en-US" sz="2400" b="1">
                 <a:solidFill>
                   <a:srgbClr val="FFFFFF"/>
                 </a:solidFill>
-                <a:effectLst>
-                  <a:outerShdw blurRad="38100" dist="38100" dir="2700000" algn="tl">
-                    <a:srgbClr val="000000">
-                      <a:alpha val="43137"/>
-                    </a:srgbClr>
-                  </a:outerShdw>
-                </a:effectLst>
                 <a:latin typeface="Calibri" pitchFamily="34" charset="0"/>
                 <a:ea typeface="WenQuanYi Micro Hei" charset="0"/>
                 <a:cs typeface="Calibri" pitchFamily="34" charset="0"/>
@@ -11273,18 +11427,72 @@
           <a:effectLst/>
         </p:spPr>
       </p:pic>
+      <p:sp>
+        <p:nvSpPr>
+          <p:cNvPr id="22" name="TextBox 21"/>
+          <p:cNvSpPr txBox="1"/>
+          <p:nvPr/>
+        </p:nvSpPr>
+        <p:spPr>
+          <a:xfrm>
+            <a:off x="8138597" y="0"/>
+            <a:ext cx="1005403" cy="338554"/>
+          </a:xfrm>
+          <a:prstGeom prst="rect">
+            <a:avLst/>
+          </a:prstGeom>
+          <a:noFill/>
+        </p:spPr>
+        <p:txBody>
+          <a:bodyPr wrap="none" rtlCol="0">
+            <a:spAutoFit/>
+          </a:bodyPr>
+          <a:lstStyle/>
+          <a:p>
+            <a:pPr algn="r"/>
+            <a:r>
+              <a:rPr lang="hr-HR" sz="1600" dirty="0" smtClean="0">
+                <a:solidFill>
+                  <a:schemeClr val="bg1">
+                    <a:lumMod val="65000"/>
+                    <a:lumOff val="35000"/>
+                  </a:schemeClr>
+                </a:solidFill>
+                <a:latin typeface="Calibri" panose="020F0502020204030204" pitchFamily="34" charset="0"/>
+                <a:cs typeface="Calibri" panose="020F0502020204030204" pitchFamily="34" charset="0"/>
+              </a:rPr>
+              <a:t>137 – 138</a:t>
+            </a:r>
+            <a:endParaRPr lang="hr-HR" sz="1600" dirty="0">
+              <a:solidFill>
+                <a:schemeClr val="bg1">
+                  <a:lumMod val="65000"/>
+                  <a:lumOff val="35000"/>
+                </a:schemeClr>
+              </a:solidFill>
+              <a:latin typeface="Calibri" panose="020F0502020204030204" pitchFamily="34" charset="0"/>
+              <a:cs typeface="Calibri" panose="020F0502020204030204" pitchFamily="34" charset="0"/>
+            </a:endParaRPr>
+          </a:p>
+        </p:txBody>
+      </p:sp>
     </p:spTree>
+    <p:extLst>
+      <p:ext uri="{BB962C8B-B14F-4D97-AF65-F5344CB8AC3E}">
+        <p14:creationId xmlns:p14="http://schemas.microsoft.com/office/powerpoint/2010/main" val="2185211514"/>
+      </p:ext>
+    </p:extLst>
   </p:cSld>
   <p:clrMapOvr>
     <a:masterClrMapping/>
   </p:clrMapOvr>
-  <mc:AlternateContent xmlns:mc="http://schemas.openxmlformats.org/markup-compatibility/2006">
-    <mc:Choice xmlns:p14="http://schemas.microsoft.com/office/powerpoint/2010/main" Requires="p14">
+  <mc:AlternateContent xmlns:mc="http://schemas.openxmlformats.org/markup-compatibility/2006" xmlns:p14="http://schemas.microsoft.com/office/powerpoint/2010/main">
+    <mc:Choice Requires="p14">
       <p:transition>
         <p14:reveal/>
       </p:transition>
     </mc:Choice>
-    <mc:Fallback>
+    <mc:Fallback xmlns="">
       <p:transition>
         <p:fade/>
       </p:transition>
@@ -12889,18 +13097,72 @@
           </a:p>
         </p:txBody>
       </p:sp>
+      <p:sp>
+        <p:nvSpPr>
+          <p:cNvPr id="4" name="TextBox 3"/>
+          <p:cNvSpPr txBox="1"/>
+          <p:nvPr/>
+        </p:nvSpPr>
+        <p:spPr>
+          <a:xfrm>
+            <a:off x="8646749" y="0"/>
+            <a:ext cx="497251" cy="338554"/>
+          </a:xfrm>
+          <a:prstGeom prst="rect">
+            <a:avLst/>
+          </a:prstGeom>
+          <a:noFill/>
+        </p:spPr>
+        <p:txBody>
+          <a:bodyPr wrap="none" rtlCol="0">
+            <a:spAutoFit/>
+          </a:bodyPr>
+          <a:lstStyle/>
+          <a:p>
+            <a:pPr algn="r"/>
+            <a:r>
+              <a:rPr lang="hr-HR" sz="1600" dirty="0" smtClean="0">
+                <a:solidFill>
+                  <a:schemeClr val="bg1">
+                    <a:lumMod val="65000"/>
+                    <a:lumOff val="35000"/>
+                  </a:schemeClr>
+                </a:solidFill>
+                <a:latin typeface="Calibri" panose="020F0502020204030204" pitchFamily="34" charset="0"/>
+                <a:cs typeface="Calibri" panose="020F0502020204030204" pitchFamily="34" charset="0"/>
+              </a:rPr>
+              <a:t>138</a:t>
+            </a:r>
+            <a:endParaRPr lang="hr-HR" sz="1600" dirty="0">
+              <a:solidFill>
+                <a:schemeClr val="bg1">
+                  <a:lumMod val="65000"/>
+                  <a:lumOff val="35000"/>
+                </a:schemeClr>
+              </a:solidFill>
+              <a:latin typeface="Calibri" panose="020F0502020204030204" pitchFamily="34" charset="0"/>
+              <a:cs typeface="Calibri" panose="020F0502020204030204" pitchFamily="34" charset="0"/>
+            </a:endParaRPr>
+          </a:p>
+        </p:txBody>
+      </p:sp>
     </p:spTree>
+    <p:extLst>
+      <p:ext uri="{BB962C8B-B14F-4D97-AF65-F5344CB8AC3E}">
+        <p14:creationId xmlns:p14="http://schemas.microsoft.com/office/powerpoint/2010/main" val="3003441586"/>
+      </p:ext>
+    </p:extLst>
   </p:cSld>
   <p:clrMapOvr>
     <a:masterClrMapping/>
   </p:clrMapOvr>
-  <mc:AlternateContent xmlns:mc="http://schemas.openxmlformats.org/markup-compatibility/2006">
-    <mc:Choice xmlns:p14="http://schemas.microsoft.com/office/powerpoint/2010/main" Requires="p14">
+  <mc:AlternateContent xmlns:mc="http://schemas.openxmlformats.org/markup-compatibility/2006" xmlns:p14="http://schemas.microsoft.com/office/powerpoint/2010/main">
+    <mc:Choice Requires="p14">
       <p:transition>
         <p14:reveal/>
       </p:transition>
     </mc:Choice>
-    <mc:Fallback>
+    <mc:Fallback xmlns="">
       <p:transition>
         <p:fade/>
       </p:transition>
@@ -13235,9 +13497,7 @@
             <a:srgbClr val="002060"/>
           </a:solidFill>
           <a:ln w="19050">
-            <a:solidFill>
-              <a:srgbClr val="FFFFFF"/>
-            </a:solidFill>
+            <a:noFill/>
             <a:round/>
             <a:headEnd/>
             <a:tailEnd/>
@@ -13301,9 +13561,7 @@
             <a:srgbClr val="002060"/>
           </a:solidFill>
           <a:ln w="19050">
-            <a:solidFill>
-              <a:srgbClr val="FFFFFF"/>
-            </a:solidFill>
+            <a:noFill/>
             <a:round/>
             <a:headEnd/>
             <a:tailEnd/>
@@ -13367,9 +13625,7 @@
             <a:srgbClr val="002060"/>
           </a:solidFill>
           <a:ln w="19050">
-            <a:solidFill>
-              <a:srgbClr val="FFFFFF"/>
-            </a:solidFill>
+            <a:noFill/>
             <a:round/>
             <a:headEnd/>
             <a:tailEnd/>
@@ -13433,9 +13689,7 @@
             <a:srgbClr val="002060"/>
           </a:solidFill>
           <a:ln w="19050">
-            <a:solidFill>
-              <a:srgbClr val="FFFFFF"/>
-            </a:solidFill>
+            <a:noFill/>
             <a:round/>
             <a:headEnd/>
             <a:tailEnd/>
@@ -13575,9 +13829,7 @@
             <a:srgbClr val="C00000"/>
           </a:solidFill>
           <a:ln w="19050">
-            <a:solidFill>
-              <a:srgbClr val="FFFFFF"/>
-            </a:solidFill>
+            <a:noFill/>
             <a:round/>
             <a:headEnd/>
             <a:tailEnd/>
@@ -13640,9 +13892,7 @@
             <a:srgbClr val="C00000"/>
           </a:solidFill>
           <a:ln w="19050">
-            <a:solidFill>
-              <a:srgbClr val="FFFFFF"/>
-            </a:solidFill>
+            <a:noFill/>
             <a:round/>
             <a:headEnd/>
             <a:tailEnd/>
@@ -13751,18 +14001,72 @@
           </a:p>
         </p:txBody>
       </p:sp>
+      <p:sp>
+        <p:nvSpPr>
+          <p:cNvPr id="15" name="TextBox 14"/>
+          <p:cNvSpPr txBox="1"/>
+          <p:nvPr/>
+        </p:nvSpPr>
+        <p:spPr>
+          <a:xfrm>
+            <a:off x="8138597" y="0"/>
+            <a:ext cx="1005403" cy="338554"/>
+          </a:xfrm>
+          <a:prstGeom prst="rect">
+            <a:avLst/>
+          </a:prstGeom>
+          <a:noFill/>
+        </p:spPr>
+        <p:txBody>
+          <a:bodyPr wrap="none" rtlCol="0">
+            <a:spAutoFit/>
+          </a:bodyPr>
+          <a:lstStyle/>
+          <a:p>
+            <a:pPr algn="r"/>
+            <a:r>
+              <a:rPr lang="hr-HR" sz="1600" dirty="0" smtClean="0">
+                <a:solidFill>
+                  <a:schemeClr val="bg1">
+                    <a:lumMod val="65000"/>
+                    <a:lumOff val="35000"/>
+                  </a:schemeClr>
+                </a:solidFill>
+                <a:latin typeface="Calibri" panose="020F0502020204030204" pitchFamily="34" charset="0"/>
+                <a:cs typeface="Calibri" panose="020F0502020204030204" pitchFamily="34" charset="0"/>
+              </a:rPr>
+              <a:t>138 – 143</a:t>
+            </a:r>
+            <a:endParaRPr lang="hr-HR" sz="1600" dirty="0">
+              <a:solidFill>
+                <a:schemeClr val="bg1">
+                  <a:lumMod val="65000"/>
+                  <a:lumOff val="35000"/>
+                </a:schemeClr>
+              </a:solidFill>
+              <a:latin typeface="Calibri" panose="020F0502020204030204" pitchFamily="34" charset="0"/>
+              <a:cs typeface="Calibri" panose="020F0502020204030204" pitchFamily="34" charset="0"/>
+            </a:endParaRPr>
+          </a:p>
+        </p:txBody>
+      </p:sp>
     </p:spTree>
+    <p:extLst>
+      <p:ext uri="{BB962C8B-B14F-4D97-AF65-F5344CB8AC3E}">
+        <p14:creationId xmlns:p14="http://schemas.microsoft.com/office/powerpoint/2010/main" val="3371541313"/>
+      </p:ext>
+    </p:extLst>
   </p:cSld>
   <p:clrMapOvr>
     <a:masterClrMapping/>
   </p:clrMapOvr>
-  <mc:AlternateContent xmlns:mc="http://schemas.openxmlformats.org/markup-compatibility/2006">
-    <mc:Choice xmlns:p14="http://schemas.microsoft.com/office/powerpoint/2010/main" Requires="p14">
+  <mc:AlternateContent xmlns:mc="http://schemas.openxmlformats.org/markup-compatibility/2006" xmlns:p14="http://schemas.microsoft.com/office/powerpoint/2010/main">
+    <mc:Choice Requires="p14">
       <p:transition>
         <p14:reveal/>
       </p:transition>
     </mc:Choice>
-    <mc:Fallback>
+    <mc:Fallback xmlns="">
       <p:transition>
         <p:fade/>
       </p:transition>
@@ -15269,18 +15573,72 @@
           </a:fontRef>
         </p:style>
       </p:cxnSp>
+      <p:sp>
+        <p:nvSpPr>
+          <p:cNvPr id="6" name="TextBox 5"/>
+          <p:cNvSpPr txBox="1"/>
+          <p:nvPr/>
+        </p:nvSpPr>
+        <p:spPr>
+          <a:xfrm>
+            <a:off x="8138597" y="0"/>
+            <a:ext cx="1005403" cy="338554"/>
+          </a:xfrm>
+          <a:prstGeom prst="rect">
+            <a:avLst/>
+          </a:prstGeom>
+          <a:noFill/>
+        </p:spPr>
+        <p:txBody>
+          <a:bodyPr wrap="none" rtlCol="0">
+            <a:spAutoFit/>
+          </a:bodyPr>
+          <a:lstStyle/>
+          <a:p>
+            <a:pPr algn="r"/>
+            <a:r>
+              <a:rPr lang="hr-HR" sz="1600" dirty="0" smtClean="0">
+                <a:solidFill>
+                  <a:schemeClr val="bg1">
+                    <a:lumMod val="65000"/>
+                    <a:lumOff val="35000"/>
+                  </a:schemeClr>
+                </a:solidFill>
+                <a:latin typeface="Calibri" panose="020F0502020204030204" pitchFamily="34" charset="0"/>
+                <a:cs typeface="Calibri" panose="020F0502020204030204" pitchFamily="34" charset="0"/>
+              </a:rPr>
+              <a:t>138 – 139</a:t>
+            </a:r>
+            <a:endParaRPr lang="hr-HR" sz="1600" dirty="0">
+              <a:solidFill>
+                <a:schemeClr val="bg1">
+                  <a:lumMod val="65000"/>
+                  <a:lumOff val="35000"/>
+                </a:schemeClr>
+              </a:solidFill>
+              <a:latin typeface="Calibri" panose="020F0502020204030204" pitchFamily="34" charset="0"/>
+              <a:cs typeface="Calibri" panose="020F0502020204030204" pitchFamily="34" charset="0"/>
+            </a:endParaRPr>
+          </a:p>
+        </p:txBody>
+      </p:sp>
     </p:spTree>
+    <p:extLst>
+      <p:ext uri="{BB962C8B-B14F-4D97-AF65-F5344CB8AC3E}">
+        <p14:creationId xmlns:p14="http://schemas.microsoft.com/office/powerpoint/2010/main" val="3633184113"/>
+      </p:ext>
+    </p:extLst>
   </p:cSld>
   <p:clrMapOvr>
     <a:masterClrMapping/>
   </p:clrMapOvr>
-  <mc:AlternateContent xmlns:mc="http://schemas.openxmlformats.org/markup-compatibility/2006">
-    <mc:Choice xmlns:p14="http://schemas.microsoft.com/office/powerpoint/2010/main" Requires="p14">
+  <mc:AlternateContent xmlns:mc="http://schemas.openxmlformats.org/markup-compatibility/2006" xmlns:p14="http://schemas.microsoft.com/office/powerpoint/2010/main">
+    <mc:Choice Requires="p14">
       <p:transition>
         <p14:reveal/>
       </p:transition>
     </mc:Choice>
-    <mc:Fallback>
+    <mc:Fallback xmlns="">
       <p:transition>
         <p:fade/>
       </p:transition>
@@ -16157,18 +16515,72 @@
           <a:effectLst/>
         </p:spPr>
       </p:pic>
+      <p:sp>
+        <p:nvSpPr>
+          <p:cNvPr id="6" name="TextBox 5"/>
+          <p:cNvSpPr txBox="1"/>
+          <p:nvPr/>
+        </p:nvSpPr>
+        <p:spPr>
+          <a:xfrm>
+            <a:off x="8646749" y="0"/>
+            <a:ext cx="497251" cy="338554"/>
+          </a:xfrm>
+          <a:prstGeom prst="rect">
+            <a:avLst/>
+          </a:prstGeom>
+          <a:noFill/>
+        </p:spPr>
+        <p:txBody>
+          <a:bodyPr wrap="none" rtlCol="0">
+            <a:spAutoFit/>
+          </a:bodyPr>
+          <a:lstStyle/>
+          <a:p>
+            <a:pPr algn="r"/>
+            <a:r>
+              <a:rPr lang="hr-HR" sz="1600" dirty="0" smtClean="0">
+                <a:solidFill>
+                  <a:schemeClr val="bg1">
+                    <a:lumMod val="65000"/>
+                    <a:lumOff val="35000"/>
+                  </a:schemeClr>
+                </a:solidFill>
+                <a:latin typeface="Calibri" panose="020F0502020204030204" pitchFamily="34" charset="0"/>
+                <a:cs typeface="Calibri" panose="020F0502020204030204" pitchFamily="34" charset="0"/>
+              </a:rPr>
+              <a:t>139</a:t>
+            </a:r>
+            <a:endParaRPr lang="hr-HR" sz="1600" dirty="0">
+              <a:solidFill>
+                <a:schemeClr val="bg1">
+                  <a:lumMod val="65000"/>
+                  <a:lumOff val="35000"/>
+                </a:schemeClr>
+              </a:solidFill>
+              <a:latin typeface="Calibri" panose="020F0502020204030204" pitchFamily="34" charset="0"/>
+              <a:cs typeface="Calibri" panose="020F0502020204030204" pitchFamily="34" charset="0"/>
+            </a:endParaRPr>
+          </a:p>
+        </p:txBody>
+      </p:sp>
     </p:spTree>
+    <p:extLst>
+      <p:ext uri="{BB962C8B-B14F-4D97-AF65-F5344CB8AC3E}">
+        <p14:creationId xmlns:p14="http://schemas.microsoft.com/office/powerpoint/2010/main" val="3929845920"/>
+      </p:ext>
+    </p:extLst>
   </p:cSld>
   <p:clrMapOvr>
     <a:masterClrMapping/>
   </p:clrMapOvr>
-  <mc:AlternateContent xmlns:mc="http://schemas.openxmlformats.org/markup-compatibility/2006">
-    <mc:Choice xmlns:p14="http://schemas.microsoft.com/office/powerpoint/2010/main" Requires="p14">
+  <mc:AlternateContent xmlns:mc="http://schemas.openxmlformats.org/markup-compatibility/2006" xmlns:p14="http://schemas.microsoft.com/office/powerpoint/2010/main">
+    <mc:Choice Requires="p14">
       <p:transition>
         <p14:reveal/>
       </p:transition>
     </mc:Choice>
-    <mc:Fallback>
+    <mc:Fallback xmlns="">
       <p:transition>
         <p:fade/>
       </p:transition>
@@ -16880,9 +17292,7 @@
             <a:srgbClr val="002060"/>
           </a:solidFill>
           <a:ln w="19050">
-            <a:solidFill>
-              <a:srgbClr val="FFFFFF"/>
-            </a:solidFill>
+            <a:noFill/>
             <a:round/>
             <a:headEnd/>
             <a:tailEnd/>
@@ -16913,13 +17323,6 @@
                 <a:solidFill>
                   <a:srgbClr val="FFFFFF"/>
                 </a:solidFill>
-                <a:effectLst>
-                  <a:outerShdw blurRad="38100" dist="38100" dir="2700000" algn="tl">
-                    <a:srgbClr val="000000">
-                      <a:alpha val="43137"/>
-                    </a:srgbClr>
-                  </a:outerShdw>
-                </a:effectLst>
                 <a:latin typeface="Calibri" pitchFamily="34" charset="0"/>
                 <a:ea typeface="WenQuanYi Micro Hei" charset="0"/>
                 <a:cs typeface="Calibri" pitchFamily="34" charset="0"/>
@@ -16949,9 +17352,7 @@
             <a:srgbClr val="336600"/>
           </a:solidFill>
           <a:ln w="19050">
-            <a:solidFill>
-              <a:srgbClr val="FFFFFF"/>
-            </a:solidFill>
+            <a:noFill/>
             <a:round/>
             <a:headEnd/>
             <a:tailEnd/>
@@ -16978,17 +17379,10 @@
               </a:tabLst>
             </a:pPr>
             <a:r>
-              <a:rPr lang="en-US" sz="2400" b="1">
+              <a:rPr lang="en-US" sz="2400" b="1" dirty="0">
                 <a:solidFill>
                   <a:srgbClr val="FFFFFF"/>
                 </a:solidFill>
-                <a:effectLst>
-                  <a:outerShdw blurRad="38100" dist="38100" dir="2700000" algn="tl">
-                    <a:srgbClr val="000000">
-                      <a:alpha val="43137"/>
-                    </a:srgbClr>
-                  </a:outerShdw>
-                </a:effectLst>
                 <a:latin typeface="Calibri" pitchFamily="34" charset="0"/>
                 <a:ea typeface="WenQuanYi Micro Hei" charset="0"/>
                 <a:cs typeface="Calibri" pitchFamily="34" charset="0"/>
@@ -17018,9 +17412,7 @@
             <a:srgbClr val="C00000"/>
           </a:solidFill>
           <a:ln w="19050">
-            <a:solidFill>
-              <a:srgbClr val="FFFFFF"/>
-            </a:solidFill>
+            <a:noFill/>
             <a:round/>
             <a:headEnd/>
             <a:tailEnd/>
@@ -17051,13 +17443,6 @@
                 <a:solidFill>
                   <a:srgbClr val="FFFFFF"/>
                 </a:solidFill>
-                <a:effectLst>
-                  <a:outerShdw blurRad="38100" dist="38100" dir="2700000" algn="tl">
-                    <a:srgbClr val="000000">
-                      <a:alpha val="43137"/>
-                    </a:srgbClr>
-                  </a:outerShdw>
-                </a:effectLst>
                 <a:latin typeface="Calibri" pitchFamily="34" charset="0"/>
                 <a:ea typeface="WenQuanYi Micro Hei" charset="0"/>
                 <a:cs typeface="Calibri" pitchFamily="34" charset="0"/>
@@ -17351,7 +17736,7 @@
                 <a:buNone/>
                 <a:tabLst/>
               </a:pPr>
-              <a:endParaRPr kumimoji="0" lang="hr-HR" sz="1800" b="0" i="0" u="none" strike="noStrike" cap="none" normalizeH="0" baseline="0" dirty="0" smtClean="0">
+              <a:endParaRPr kumimoji="0" lang="hr-HR" sz="1800" b="1" i="0" u="none" strike="noStrike" cap="none" normalizeH="0" baseline="0" dirty="0" smtClean="0">
                 <a:ln>
                   <a:noFill/>
                 </a:ln>
@@ -17505,7 +17890,7 @@
                 <a:buNone/>
                 <a:tabLst/>
               </a:pPr>
-              <a:endParaRPr kumimoji="0" lang="hr-HR" sz="1800" b="0" i="0" u="none" strike="noStrike" cap="none" normalizeH="0" baseline="0" dirty="0" smtClean="0">
+              <a:endParaRPr kumimoji="0" lang="hr-HR" sz="1800" b="1" i="0" u="none" strike="noStrike" cap="none" normalizeH="0" baseline="0" dirty="0" smtClean="0">
                 <a:ln>
                   <a:noFill/>
                 </a:ln>
@@ -17659,7 +18044,7 @@
                 <a:buNone/>
                 <a:tabLst/>
               </a:pPr>
-              <a:endParaRPr kumimoji="0" lang="hr-HR" sz="1800" b="0" i="0" u="none" strike="noStrike" cap="none" normalizeH="0" baseline="0" dirty="0" smtClean="0">
+              <a:endParaRPr kumimoji="0" lang="hr-HR" sz="1800" b="1" i="0" u="none" strike="noStrike" cap="none" normalizeH="0" baseline="0" dirty="0" smtClean="0">
                 <a:ln>
                   <a:noFill/>
                 </a:ln>
@@ -17671,18 +18056,72 @@
           </p:txBody>
         </p:sp>
       </p:grpSp>
+      <p:sp>
+        <p:nvSpPr>
+          <p:cNvPr id="20" name="TextBox 19"/>
+          <p:cNvSpPr txBox="1"/>
+          <p:nvPr/>
+        </p:nvSpPr>
+        <p:spPr>
+          <a:xfrm>
+            <a:off x="8138597" y="0"/>
+            <a:ext cx="1005403" cy="338554"/>
+          </a:xfrm>
+          <a:prstGeom prst="rect">
+            <a:avLst/>
+          </a:prstGeom>
+          <a:noFill/>
+        </p:spPr>
+        <p:txBody>
+          <a:bodyPr wrap="none" rtlCol="0">
+            <a:spAutoFit/>
+          </a:bodyPr>
+          <a:lstStyle/>
+          <a:p>
+            <a:pPr algn="r"/>
+            <a:r>
+              <a:rPr lang="hr-HR" sz="1600" dirty="0" smtClean="0">
+                <a:solidFill>
+                  <a:schemeClr val="bg1">
+                    <a:lumMod val="65000"/>
+                    <a:lumOff val="35000"/>
+                  </a:schemeClr>
+                </a:solidFill>
+                <a:latin typeface="Calibri" panose="020F0502020204030204" pitchFamily="34" charset="0"/>
+                <a:cs typeface="Calibri" panose="020F0502020204030204" pitchFamily="34" charset="0"/>
+              </a:rPr>
+              <a:t>139 – 141</a:t>
+            </a:r>
+            <a:endParaRPr lang="hr-HR" sz="1600" dirty="0">
+              <a:solidFill>
+                <a:schemeClr val="bg1">
+                  <a:lumMod val="65000"/>
+                  <a:lumOff val="35000"/>
+                </a:schemeClr>
+              </a:solidFill>
+              <a:latin typeface="Calibri" panose="020F0502020204030204" pitchFamily="34" charset="0"/>
+              <a:cs typeface="Calibri" panose="020F0502020204030204" pitchFamily="34" charset="0"/>
+            </a:endParaRPr>
+          </a:p>
+        </p:txBody>
+      </p:sp>
     </p:spTree>
+    <p:extLst>
+      <p:ext uri="{BB962C8B-B14F-4D97-AF65-F5344CB8AC3E}">
+        <p14:creationId xmlns:p14="http://schemas.microsoft.com/office/powerpoint/2010/main" val="4048645871"/>
+      </p:ext>
+    </p:extLst>
   </p:cSld>
   <p:clrMapOvr>
     <a:masterClrMapping/>
   </p:clrMapOvr>
-  <mc:AlternateContent xmlns:mc="http://schemas.openxmlformats.org/markup-compatibility/2006">
-    <mc:Choice xmlns:p14="http://schemas.microsoft.com/office/powerpoint/2010/main" Requires="p14">
+  <mc:AlternateContent xmlns:mc="http://schemas.openxmlformats.org/markup-compatibility/2006" xmlns:p14="http://schemas.microsoft.com/office/powerpoint/2010/main">
+    <mc:Choice Requires="p14">
       <p:transition>
         <p14:reveal/>
       </p:transition>
     </mc:Choice>
-    <mc:Fallback>
+    <mc:Fallback xmlns="">
       <p:transition>
         <p:fade/>
       </p:transition>
@@ -18782,18 +19221,72 @@
           </a:p>
         </p:txBody>
       </p:sp>
+      <p:sp>
+        <p:nvSpPr>
+          <p:cNvPr id="5" name="TextBox 4"/>
+          <p:cNvSpPr txBox="1"/>
+          <p:nvPr/>
+        </p:nvSpPr>
+        <p:spPr>
+          <a:xfrm>
+            <a:off x="8138597" y="0"/>
+            <a:ext cx="1005403" cy="338554"/>
+          </a:xfrm>
+          <a:prstGeom prst="rect">
+            <a:avLst/>
+          </a:prstGeom>
+          <a:noFill/>
+        </p:spPr>
+        <p:txBody>
+          <a:bodyPr wrap="none" rtlCol="0">
+            <a:spAutoFit/>
+          </a:bodyPr>
+          <a:lstStyle/>
+          <a:p>
+            <a:pPr algn="r"/>
+            <a:r>
+              <a:rPr lang="hr-HR" sz="1600" dirty="0" smtClean="0">
+                <a:solidFill>
+                  <a:schemeClr val="bg1">
+                    <a:lumMod val="65000"/>
+                    <a:lumOff val="35000"/>
+                  </a:schemeClr>
+                </a:solidFill>
+                <a:latin typeface="Calibri" panose="020F0502020204030204" pitchFamily="34" charset="0"/>
+                <a:cs typeface="Calibri" panose="020F0502020204030204" pitchFamily="34" charset="0"/>
+              </a:rPr>
+              <a:t>140 – 141</a:t>
+            </a:r>
+            <a:endParaRPr lang="hr-HR" sz="1600" dirty="0">
+              <a:solidFill>
+                <a:schemeClr val="bg1">
+                  <a:lumMod val="65000"/>
+                  <a:lumOff val="35000"/>
+                </a:schemeClr>
+              </a:solidFill>
+              <a:latin typeface="Calibri" panose="020F0502020204030204" pitchFamily="34" charset="0"/>
+              <a:cs typeface="Calibri" panose="020F0502020204030204" pitchFamily="34" charset="0"/>
+            </a:endParaRPr>
+          </a:p>
+        </p:txBody>
+      </p:sp>
     </p:spTree>
+    <p:extLst>
+      <p:ext uri="{BB962C8B-B14F-4D97-AF65-F5344CB8AC3E}">
+        <p14:creationId xmlns:p14="http://schemas.microsoft.com/office/powerpoint/2010/main" val="949270357"/>
+      </p:ext>
+    </p:extLst>
   </p:cSld>
   <p:clrMapOvr>
     <a:masterClrMapping/>
   </p:clrMapOvr>
-  <mc:AlternateContent xmlns:mc="http://schemas.openxmlformats.org/markup-compatibility/2006">
-    <mc:Choice xmlns:p14="http://schemas.microsoft.com/office/powerpoint/2010/main" Requires="p14">
+  <mc:AlternateContent xmlns:mc="http://schemas.openxmlformats.org/markup-compatibility/2006" xmlns:p14="http://schemas.microsoft.com/office/powerpoint/2010/main">
+    <mc:Choice Requires="p14">
       <p:transition>
         <p14:reveal/>
       </p:transition>
     </mc:Choice>
-    <mc:Fallback>
+    <mc:Fallback xmlns="">
       <p:transition>
         <p:fade/>
       </p:transition>
@@ -19364,18 +19857,72 @@
           </a:p>
         </p:txBody>
       </p:sp>
+      <p:sp>
+        <p:nvSpPr>
+          <p:cNvPr id="5" name="TextBox 4"/>
+          <p:cNvSpPr txBox="1"/>
+          <p:nvPr/>
+        </p:nvSpPr>
+        <p:spPr>
+          <a:xfrm>
+            <a:off x="8121618" y="-5898"/>
+            <a:ext cx="1005403" cy="338554"/>
+          </a:xfrm>
+          <a:prstGeom prst="rect">
+            <a:avLst/>
+          </a:prstGeom>
+          <a:noFill/>
+        </p:spPr>
+        <p:txBody>
+          <a:bodyPr wrap="none" rtlCol="0">
+            <a:spAutoFit/>
+          </a:bodyPr>
+          <a:lstStyle/>
+          <a:p>
+            <a:pPr algn="r"/>
+            <a:r>
+              <a:rPr lang="hr-HR" sz="1600" dirty="0" smtClean="0">
+                <a:solidFill>
+                  <a:schemeClr val="bg1">
+                    <a:lumMod val="65000"/>
+                    <a:lumOff val="35000"/>
+                  </a:schemeClr>
+                </a:solidFill>
+                <a:latin typeface="Calibri" panose="020F0502020204030204" pitchFamily="34" charset="0"/>
+                <a:cs typeface="Calibri" panose="020F0502020204030204" pitchFamily="34" charset="0"/>
+              </a:rPr>
+              <a:t>132 – 133</a:t>
+            </a:r>
+            <a:endParaRPr lang="hr-HR" sz="1600" dirty="0">
+              <a:solidFill>
+                <a:schemeClr val="bg1">
+                  <a:lumMod val="65000"/>
+                  <a:lumOff val="35000"/>
+                </a:schemeClr>
+              </a:solidFill>
+              <a:latin typeface="Calibri" panose="020F0502020204030204" pitchFamily="34" charset="0"/>
+              <a:cs typeface="Calibri" panose="020F0502020204030204" pitchFamily="34" charset="0"/>
+            </a:endParaRPr>
+          </a:p>
+        </p:txBody>
+      </p:sp>
     </p:spTree>
+    <p:extLst>
+      <p:ext uri="{BB962C8B-B14F-4D97-AF65-F5344CB8AC3E}">
+        <p14:creationId xmlns:p14="http://schemas.microsoft.com/office/powerpoint/2010/main" val="2519151177"/>
+      </p:ext>
+    </p:extLst>
   </p:cSld>
   <p:clrMapOvr>
     <a:masterClrMapping/>
   </p:clrMapOvr>
-  <mc:AlternateContent xmlns:mc="http://schemas.openxmlformats.org/markup-compatibility/2006">
-    <mc:Choice xmlns:p14="http://schemas.microsoft.com/office/powerpoint/2010/main" Requires="p14">
+  <mc:AlternateContent xmlns:mc="http://schemas.openxmlformats.org/markup-compatibility/2006" xmlns:p14="http://schemas.microsoft.com/office/powerpoint/2010/main">
+    <mc:Choice Requires="p14">
       <p:transition>
         <p14:reveal/>
       </p:transition>
     </mc:Choice>
-    <mc:Fallback>
+    <mc:Fallback xmlns="">
       <p:transition>
         <p:fade/>
       </p:transition>
@@ -19831,7 +20378,7 @@
       </p:par>
     </p:tnLst>
     <p:bldLst>
-      <p:bldP spid="3" grpId="0" uiExpand="1" build="p"/>
+      <p:bldP spid="3" grpId="0" build="p"/>
       <p:bldP spid="4" grpId="0" animBg="1"/>
     </p:bldLst>
   </p:timing>
@@ -20312,9 +20859,7 @@
             <a:srgbClr val="002060"/>
           </a:solidFill>
           <a:ln w="19050">
-            <a:solidFill>
-              <a:srgbClr val="FFFFFF"/>
-            </a:solidFill>
+            <a:noFill/>
             <a:round/>
             <a:headEnd/>
             <a:tailEnd/>
@@ -20339,13 +20884,6 @@
                 <a:solidFill>
                   <a:srgbClr val="FFFFFF"/>
                 </a:solidFill>
-                <a:effectLst>
-                  <a:outerShdw blurRad="38100" dist="38100" dir="2700000" algn="tl">
-                    <a:srgbClr val="000000">
-                      <a:alpha val="43137"/>
-                    </a:srgbClr>
-                  </a:outerShdw>
-                </a:effectLst>
                 <a:latin typeface="Calibri" pitchFamily="34" charset="0"/>
                 <a:ea typeface="WenQuanYi Micro Hei" charset="0"/>
                 <a:cs typeface="Calibri" pitchFamily="34" charset="0"/>
@@ -20375,9 +20913,7 @@
             <a:srgbClr val="C00000"/>
           </a:solidFill>
           <a:ln w="19050">
-            <a:solidFill>
-              <a:srgbClr val="FFFFFF"/>
-            </a:solidFill>
+            <a:noFill/>
             <a:round/>
             <a:headEnd/>
             <a:tailEnd/>
@@ -20398,17 +20934,10 @@
               </a:tabLst>
             </a:pPr>
             <a:r>
-              <a:rPr lang="en-US" sz="2200" b="1">
+              <a:rPr lang="en-US" sz="2200" b="1" dirty="0">
                 <a:solidFill>
                   <a:srgbClr val="FFFFFF"/>
                 </a:solidFill>
-                <a:effectLst>
-                  <a:outerShdw blurRad="38100" dist="38100" dir="2700000" algn="tl">
-                    <a:srgbClr val="000000">
-                      <a:alpha val="43137"/>
-                    </a:srgbClr>
-                  </a:outerShdw>
-                </a:effectLst>
                 <a:latin typeface="Calibri" pitchFamily="34" charset="0"/>
                 <a:ea typeface="WenQuanYi Micro Hei" charset="0"/>
                 <a:cs typeface="Calibri" pitchFamily="34" charset="0"/>
@@ -20438,9 +20967,7 @@
             <a:srgbClr val="002060"/>
           </a:solidFill>
           <a:ln w="19050">
-            <a:solidFill>
-              <a:srgbClr val="FFFFFF"/>
-            </a:solidFill>
+            <a:noFill/>
             <a:round/>
             <a:headEnd/>
             <a:tailEnd/>
@@ -20465,13 +20992,6 @@
                 <a:solidFill>
                   <a:srgbClr val="FFFFFF"/>
                 </a:solidFill>
-                <a:effectLst>
-                  <a:outerShdw blurRad="38100" dist="38100" dir="2700000" algn="tl">
-                    <a:srgbClr val="000000">
-                      <a:alpha val="43137"/>
-                    </a:srgbClr>
-                  </a:outerShdw>
-                </a:effectLst>
                 <a:latin typeface="Calibri" pitchFamily="34" charset="0"/>
                 <a:ea typeface="WenQuanYi Micro Hei" charset="0"/>
                 <a:cs typeface="Calibri" pitchFamily="34" charset="0"/>
@@ -20501,9 +21021,7 @@
             <a:srgbClr val="C00000"/>
           </a:solidFill>
           <a:ln w="19050">
-            <a:solidFill>
-              <a:srgbClr val="FFFFFF"/>
-            </a:solidFill>
+            <a:noFill/>
             <a:round/>
             <a:headEnd/>
             <a:tailEnd/>
@@ -20524,17 +21042,10 @@
               </a:tabLst>
             </a:pPr>
             <a:r>
-              <a:rPr lang="en-US" sz="2200" b="1">
+              <a:rPr lang="en-US" sz="2200" b="1" dirty="0">
                 <a:solidFill>
                   <a:srgbClr val="FFFFFF"/>
                 </a:solidFill>
-                <a:effectLst>
-                  <a:outerShdw blurRad="38100" dist="38100" dir="2700000" algn="tl">
-                    <a:srgbClr val="000000">
-                      <a:alpha val="43137"/>
-                    </a:srgbClr>
-                  </a:outerShdw>
-                </a:effectLst>
                 <a:latin typeface="Calibri" pitchFamily="34" charset="0"/>
                 <a:ea typeface="WenQuanYi Micro Hei" charset="0"/>
                 <a:cs typeface="Calibri" pitchFamily="34" charset="0"/>
@@ -20564,9 +21075,7 @@
             <a:srgbClr val="002060"/>
           </a:solidFill>
           <a:ln w="19050">
-            <a:solidFill>
-              <a:srgbClr val="FFFFFF"/>
-            </a:solidFill>
+            <a:noFill/>
             <a:round/>
             <a:headEnd/>
             <a:tailEnd/>
@@ -20591,13 +21100,6 @@
                 <a:solidFill>
                   <a:srgbClr val="FFFFFF"/>
                 </a:solidFill>
-                <a:effectLst>
-                  <a:outerShdw blurRad="38100" dist="38100" dir="2700000" algn="tl">
-                    <a:srgbClr val="000000">
-                      <a:alpha val="43137"/>
-                    </a:srgbClr>
-                  </a:outerShdw>
-                </a:effectLst>
                 <a:latin typeface="Calibri" pitchFamily="34" charset="0"/>
                 <a:ea typeface="WenQuanYi Micro Hei" charset="0"/>
                 <a:cs typeface="Calibri" pitchFamily="34" charset="0"/>
@@ -20627,9 +21129,7 @@
             <a:srgbClr val="C00000"/>
           </a:solidFill>
           <a:ln w="19050">
-            <a:solidFill>
-              <a:srgbClr val="FFFFFF"/>
-            </a:solidFill>
+            <a:noFill/>
             <a:round/>
             <a:headEnd/>
             <a:tailEnd/>
@@ -20654,13 +21154,6 @@
                 <a:solidFill>
                   <a:srgbClr val="FFFFFF"/>
                 </a:solidFill>
-                <a:effectLst>
-                  <a:outerShdw blurRad="38100" dist="38100" dir="2700000" algn="tl">
-                    <a:srgbClr val="000000">
-                      <a:alpha val="43137"/>
-                    </a:srgbClr>
-                  </a:outerShdw>
-                </a:effectLst>
                 <a:latin typeface="Calibri" pitchFamily="34" charset="0"/>
                 <a:ea typeface="WenQuanYi Micro Hei" charset="0"/>
                 <a:cs typeface="Calibri" pitchFamily="34" charset="0"/>
@@ -21414,18 +21907,72 @@
           </a:p>
         </p:txBody>
       </p:sp>
+      <p:sp>
+        <p:nvSpPr>
+          <p:cNvPr id="18" name="TextBox 17"/>
+          <p:cNvSpPr txBox="1"/>
+          <p:nvPr/>
+        </p:nvSpPr>
+        <p:spPr>
+          <a:xfrm>
+            <a:off x="8138597" y="0"/>
+            <a:ext cx="1005403" cy="338554"/>
+          </a:xfrm>
+          <a:prstGeom prst="rect">
+            <a:avLst/>
+          </a:prstGeom>
+          <a:noFill/>
+        </p:spPr>
+        <p:txBody>
+          <a:bodyPr wrap="none" rtlCol="0">
+            <a:spAutoFit/>
+          </a:bodyPr>
+          <a:lstStyle/>
+          <a:p>
+            <a:pPr algn="r"/>
+            <a:r>
+              <a:rPr lang="hr-HR" sz="1600" dirty="0" smtClean="0">
+                <a:solidFill>
+                  <a:schemeClr val="bg1">
+                    <a:lumMod val="65000"/>
+                    <a:lumOff val="35000"/>
+                  </a:schemeClr>
+                </a:solidFill>
+                <a:latin typeface="Calibri" panose="020F0502020204030204" pitchFamily="34" charset="0"/>
+                <a:cs typeface="Calibri" panose="020F0502020204030204" pitchFamily="34" charset="0"/>
+              </a:rPr>
+              <a:t>141 – 142</a:t>
+            </a:r>
+            <a:endParaRPr lang="hr-HR" sz="1600" dirty="0">
+              <a:solidFill>
+                <a:schemeClr val="bg1">
+                  <a:lumMod val="65000"/>
+                  <a:lumOff val="35000"/>
+                </a:schemeClr>
+              </a:solidFill>
+              <a:latin typeface="Calibri" panose="020F0502020204030204" pitchFamily="34" charset="0"/>
+              <a:cs typeface="Calibri" panose="020F0502020204030204" pitchFamily="34" charset="0"/>
+            </a:endParaRPr>
+          </a:p>
+        </p:txBody>
+      </p:sp>
     </p:spTree>
+    <p:extLst>
+      <p:ext uri="{BB962C8B-B14F-4D97-AF65-F5344CB8AC3E}">
+        <p14:creationId xmlns:p14="http://schemas.microsoft.com/office/powerpoint/2010/main" val="4004018864"/>
+      </p:ext>
+    </p:extLst>
   </p:cSld>
   <p:clrMapOvr>
     <a:masterClrMapping/>
   </p:clrMapOvr>
-  <mc:AlternateContent xmlns:mc="http://schemas.openxmlformats.org/markup-compatibility/2006">
-    <mc:Choice xmlns:p14="http://schemas.microsoft.com/office/powerpoint/2010/main" Requires="p14">
+  <mc:AlternateContent xmlns:mc="http://schemas.openxmlformats.org/markup-compatibility/2006" xmlns:p14="http://schemas.microsoft.com/office/powerpoint/2010/main">
+    <mc:Choice Requires="p14">
       <p:transition>
         <p14:reveal/>
       </p:transition>
     </mc:Choice>
-    <mc:Fallback>
+    <mc:Fallback xmlns="">
       <p:transition>
         <p:fade/>
       </p:transition>
@@ -23177,18 +23724,72 @@
           </a:p>
         </p:txBody>
       </p:sp>
+      <p:sp>
+        <p:nvSpPr>
+          <p:cNvPr id="4" name="TextBox 3"/>
+          <p:cNvSpPr txBox="1"/>
+          <p:nvPr/>
+        </p:nvSpPr>
+        <p:spPr>
+          <a:xfrm>
+            <a:off x="8646748" y="0"/>
+            <a:ext cx="497252" cy="338554"/>
+          </a:xfrm>
+          <a:prstGeom prst="rect">
+            <a:avLst/>
+          </a:prstGeom>
+          <a:noFill/>
+        </p:spPr>
+        <p:txBody>
+          <a:bodyPr wrap="none" rtlCol="0">
+            <a:spAutoFit/>
+          </a:bodyPr>
+          <a:lstStyle/>
+          <a:p>
+            <a:pPr algn="r"/>
+            <a:r>
+              <a:rPr lang="hr-HR" sz="1600" dirty="0" smtClean="0">
+                <a:solidFill>
+                  <a:schemeClr val="bg1">
+                    <a:lumMod val="65000"/>
+                    <a:lumOff val="35000"/>
+                  </a:schemeClr>
+                </a:solidFill>
+                <a:latin typeface="Calibri" panose="020F0502020204030204" pitchFamily="34" charset="0"/>
+                <a:cs typeface="Calibri" panose="020F0502020204030204" pitchFamily="34" charset="0"/>
+              </a:rPr>
+              <a:t>142</a:t>
+            </a:r>
+            <a:endParaRPr lang="hr-HR" sz="1600" dirty="0">
+              <a:solidFill>
+                <a:schemeClr val="bg1">
+                  <a:lumMod val="65000"/>
+                  <a:lumOff val="35000"/>
+                </a:schemeClr>
+              </a:solidFill>
+              <a:latin typeface="Calibri" panose="020F0502020204030204" pitchFamily="34" charset="0"/>
+              <a:cs typeface="Calibri" panose="020F0502020204030204" pitchFamily="34" charset="0"/>
+            </a:endParaRPr>
+          </a:p>
+        </p:txBody>
+      </p:sp>
     </p:spTree>
+    <p:extLst>
+      <p:ext uri="{BB962C8B-B14F-4D97-AF65-F5344CB8AC3E}">
+        <p14:creationId xmlns:p14="http://schemas.microsoft.com/office/powerpoint/2010/main" val="1048689464"/>
+      </p:ext>
+    </p:extLst>
   </p:cSld>
   <p:clrMapOvr>
     <a:masterClrMapping/>
   </p:clrMapOvr>
-  <mc:AlternateContent xmlns:mc="http://schemas.openxmlformats.org/markup-compatibility/2006">
-    <mc:Choice xmlns:p14="http://schemas.microsoft.com/office/powerpoint/2010/main" Requires="p14">
+  <mc:AlternateContent xmlns:mc="http://schemas.openxmlformats.org/markup-compatibility/2006" xmlns:p14="http://schemas.microsoft.com/office/powerpoint/2010/main">
+    <mc:Choice Requires="p14">
       <p:transition>
         <p14:reveal/>
       </p:transition>
     </mc:Choice>
-    <mc:Fallback>
+    <mc:Fallback xmlns="">
       <p:transition>
         <p:fade/>
       </p:transition>
@@ -24258,18 +24859,72 @@
           </a:p>
         </p:txBody>
       </p:sp>
+      <p:sp>
+        <p:nvSpPr>
+          <p:cNvPr id="5" name="TextBox 4"/>
+          <p:cNvSpPr txBox="1"/>
+          <p:nvPr/>
+        </p:nvSpPr>
+        <p:spPr>
+          <a:xfrm>
+            <a:off x="8138597" y="0"/>
+            <a:ext cx="1005403" cy="338554"/>
+          </a:xfrm>
+          <a:prstGeom prst="rect">
+            <a:avLst/>
+          </a:prstGeom>
+          <a:noFill/>
+        </p:spPr>
+        <p:txBody>
+          <a:bodyPr wrap="none" rtlCol="0">
+            <a:spAutoFit/>
+          </a:bodyPr>
+          <a:lstStyle/>
+          <a:p>
+            <a:pPr algn="r"/>
+            <a:r>
+              <a:rPr lang="hr-HR" sz="1600" dirty="0" smtClean="0">
+                <a:solidFill>
+                  <a:schemeClr val="bg1">
+                    <a:lumMod val="65000"/>
+                    <a:lumOff val="35000"/>
+                  </a:schemeClr>
+                </a:solidFill>
+                <a:latin typeface="Calibri" panose="020F0502020204030204" pitchFamily="34" charset="0"/>
+                <a:cs typeface="Calibri" panose="020F0502020204030204" pitchFamily="34" charset="0"/>
+              </a:rPr>
+              <a:t>142 – 143</a:t>
+            </a:r>
+            <a:endParaRPr lang="hr-HR" sz="1600" dirty="0">
+              <a:solidFill>
+                <a:schemeClr val="bg1">
+                  <a:lumMod val="65000"/>
+                  <a:lumOff val="35000"/>
+                </a:schemeClr>
+              </a:solidFill>
+              <a:latin typeface="Calibri" panose="020F0502020204030204" pitchFamily="34" charset="0"/>
+              <a:cs typeface="Calibri" panose="020F0502020204030204" pitchFamily="34" charset="0"/>
+            </a:endParaRPr>
+          </a:p>
+        </p:txBody>
+      </p:sp>
     </p:spTree>
+    <p:extLst>
+      <p:ext uri="{BB962C8B-B14F-4D97-AF65-F5344CB8AC3E}">
+        <p14:creationId xmlns:p14="http://schemas.microsoft.com/office/powerpoint/2010/main" val="2099896615"/>
+      </p:ext>
+    </p:extLst>
   </p:cSld>
   <p:clrMapOvr>
     <a:masterClrMapping/>
   </p:clrMapOvr>
-  <mc:AlternateContent xmlns:mc="http://schemas.openxmlformats.org/markup-compatibility/2006">
-    <mc:Choice xmlns:p14="http://schemas.microsoft.com/office/powerpoint/2010/main" Requires="p14">
+  <mc:AlternateContent xmlns:mc="http://schemas.openxmlformats.org/markup-compatibility/2006" xmlns:p14="http://schemas.microsoft.com/office/powerpoint/2010/main">
+    <mc:Choice Requires="p14">
       <p:transition>
         <p14:reveal/>
       </p:transition>
     </mc:Choice>
-    <mc:Fallback>
+    <mc:Fallback xmlns="">
       <p:transition>
         <p:fade/>
       </p:transition>
@@ -25234,18 +25889,72 @@
           </a:p>
         </p:txBody>
       </p:sp>
+      <p:sp>
+        <p:nvSpPr>
+          <p:cNvPr id="4" name="TextBox 3"/>
+          <p:cNvSpPr txBox="1"/>
+          <p:nvPr/>
+        </p:nvSpPr>
+        <p:spPr>
+          <a:xfrm>
+            <a:off x="8646748" y="0"/>
+            <a:ext cx="497252" cy="338554"/>
+          </a:xfrm>
+          <a:prstGeom prst="rect">
+            <a:avLst/>
+          </a:prstGeom>
+          <a:noFill/>
+        </p:spPr>
+        <p:txBody>
+          <a:bodyPr wrap="none" rtlCol="0">
+            <a:spAutoFit/>
+          </a:bodyPr>
+          <a:lstStyle/>
+          <a:p>
+            <a:pPr algn="r"/>
+            <a:r>
+              <a:rPr lang="hr-HR" sz="1600" dirty="0" smtClean="0">
+                <a:solidFill>
+                  <a:schemeClr val="bg1">
+                    <a:lumMod val="65000"/>
+                    <a:lumOff val="35000"/>
+                  </a:schemeClr>
+                </a:solidFill>
+                <a:latin typeface="Calibri" panose="020F0502020204030204" pitchFamily="34" charset="0"/>
+                <a:cs typeface="Calibri" panose="020F0502020204030204" pitchFamily="34" charset="0"/>
+              </a:rPr>
+              <a:t>151</a:t>
+            </a:r>
+            <a:endParaRPr lang="hr-HR" sz="1600" dirty="0">
+              <a:solidFill>
+                <a:schemeClr val="bg1">
+                  <a:lumMod val="65000"/>
+                  <a:lumOff val="35000"/>
+                </a:schemeClr>
+              </a:solidFill>
+              <a:latin typeface="Calibri" panose="020F0502020204030204" pitchFamily="34" charset="0"/>
+              <a:cs typeface="Calibri" panose="020F0502020204030204" pitchFamily="34" charset="0"/>
+            </a:endParaRPr>
+          </a:p>
+        </p:txBody>
+      </p:sp>
     </p:spTree>
+    <p:extLst>
+      <p:ext uri="{BB962C8B-B14F-4D97-AF65-F5344CB8AC3E}">
+        <p14:creationId xmlns:p14="http://schemas.microsoft.com/office/powerpoint/2010/main" val="3869473366"/>
+      </p:ext>
+    </p:extLst>
   </p:cSld>
   <p:clrMapOvr>
     <a:masterClrMapping/>
   </p:clrMapOvr>
-  <mc:AlternateContent xmlns:mc="http://schemas.openxmlformats.org/markup-compatibility/2006">
-    <mc:Choice xmlns:p14="http://schemas.microsoft.com/office/powerpoint/2010/main" Requires="p14">
+  <mc:AlternateContent xmlns:mc="http://schemas.openxmlformats.org/markup-compatibility/2006" xmlns:p14="http://schemas.microsoft.com/office/powerpoint/2010/main">
+    <mc:Choice Requires="p14">
       <p:transition>
         <p14:reveal/>
       </p:transition>
     </mc:Choice>
-    <mc:Fallback>
+    <mc:Fallback xmlns="">
       <p:transition>
         <p:fade/>
       </p:transition>
@@ -25623,7 +26332,7 @@
       </p:par>
     </p:tnLst>
     <p:bldLst>
-      <p:bldP spid="5" grpId="0" uiExpand="1" build="p"/>
+      <p:bldP spid="5" grpId="0" build="p"/>
     </p:bldLst>
   </p:timing>
 </p:sld>
@@ -26317,18 +27026,72 @@
           </a:p>
         </p:txBody>
       </p:sp>
+      <p:sp>
+        <p:nvSpPr>
+          <p:cNvPr id="5" name="TextBox 4"/>
+          <p:cNvSpPr txBox="1"/>
+          <p:nvPr/>
+        </p:nvSpPr>
+        <p:spPr>
+          <a:xfrm>
+            <a:off x="8138597" y="0"/>
+            <a:ext cx="1005403" cy="338554"/>
+          </a:xfrm>
+          <a:prstGeom prst="rect">
+            <a:avLst/>
+          </a:prstGeom>
+          <a:noFill/>
+        </p:spPr>
+        <p:txBody>
+          <a:bodyPr wrap="none" rtlCol="0">
+            <a:spAutoFit/>
+          </a:bodyPr>
+          <a:lstStyle/>
+          <a:p>
+            <a:pPr algn="r"/>
+            <a:r>
+              <a:rPr lang="hr-HR" sz="1600" dirty="0" smtClean="0">
+                <a:solidFill>
+                  <a:schemeClr val="bg1">
+                    <a:lumMod val="65000"/>
+                    <a:lumOff val="35000"/>
+                  </a:schemeClr>
+                </a:solidFill>
+                <a:latin typeface="Calibri" panose="020F0502020204030204" pitchFamily="34" charset="0"/>
+                <a:cs typeface="Calibri" panose="020F0502020204030204" pitchFamily="34" charset="0"/>
+              </a:rPr>
+              <a:t>151 – 152</a:t>
+            </a:r>
+            <a:endParaRPr lang="hr-HR" sz="1600" dirty="0">
+              <a:solidFill>
+                <a:schemeClr val="bg1">
+                  <a:lumMod val="65000"/>
+                  <a:lumOff val="35000"/>
+                </a:schemeClr>
+              </a:solidFill>
+              <a:latin typeface="Calibri" panose="020F0502020204030204" pitchFamily="34" charset="0"/>
+              <a:cs typeface="Calibri" panose="020F0502020204030204" pitchFamily="34" charset="0"/>
+            </a:endParaRPr>
+          </a:p>
+        </p:txBody>
+      </p:sp>
     </p:spTree>
+    <p:extLst>
+      <p:ext uri="{BB962C8B-B14F-4D97-AF65-F5344CB8AC3E}">
+        <p14:creationId xmlns:p14="http://schemas.microsoft.com/office/powerpoint/2010/main" val="3542875430"/>
+      </p:ext>
+    </p:extLst>
   </p:cSld>
   <p:clrMapOvr>
     <a:masterClrMapping/>
   </p:clrMapOvr>
-  <mc:AlternateContent xmlns:mc="http://schemas.openxmlformats.org/markup-compatibility/2006">
-    <mc:Choice xmlns:p14="http://schemas.microsoft.com/office/powerpoint/2010/main" Requires="p14">
+  <mc:AlternateContent xmlns:mc="http://schemas.openxmlformats.org/markup-compatibility/2006" xmlns:p14="http://schemas.microsoft.com/office/powerpoint/2010/main">
+    <mc:Choice Requires="p14">
       <p:transition>
         <p14:reveal/>
       </p:transition>
     </mc:Choice>
-    <mc:Fallback>
+    <mc:Fallback xmlns="">
       <p:transition>
         <p:fade/>
       </p:transition>
@@ -26645,7 +27408,7 @@
       </p:par>
     </p:tnLst>
     <p:bldLst>
-      <p:bldP spid="4" grpId="0" uiExpand="1" build="p"/>
+      <p:bldP spid="4" grpId="0" build="p"/>
     </p:bldLst>
   </p:timing>
 </p:sld>
@@ -27119,23 +27882,72 @@
           </a:p>
         </p:txBody>
       </p:sp>
+      <p:sp>
+        <p:nvSpPr>
+          <p:cNvPr id="5" name="TextBox 4"/>
+          <p:cNvSpPr txBox="1"/>
+          <p:nvPr/>
+        </p:nvSpPr>
+        <p:spPr>
+          <a:xfrm>
+            <a:off x="8646749" y="0"/>
+            <a:ext cx="497251" cy="338554"/>
+          </a:xfrm>
+          <a:prstGeom prst="rect">
+            <a:avLst/>
+          </a:prstGeom>
+          <a:noFill/>
+        </p:spPr>
+        <p:txBody>
+          <a:bodyPr wrap="none" rtlCol="0">
+            <a:spAutoFit/>
+          </a:bodyPr>
+          <a:lstStyle/>
+          <a:p>
+            <a:pPr algn="r"/>
+            <a:r>
+              <a:rPr lang="hr-HR" sz="1600" dirty="0" smtClean="0">
+                <a:solidFill>
+                  <a:schemeClr val="bg1">
+                    <a:lumMod val="65000"/>
+                    <a:lumOff val="35000"/>
+                  </a:schemeClr>
+                </a:solidFill>
+                <a:latin typeface="Calibri" panose="020F0502020204030204" pitchFamily="34" charset="0"/>
+                <a:cs typeface="Calibri" panose="020F0502020204030204" pitchFamily="34" charset="0"/>
+              </a:rPr>
+              <a:t>152</a:t>
+            </a:r>
+            <a:endParaRPr lang="hr-HR" sz="1600" dirty="0">
+              <a:solidFill>
+                <a:schemeClr val="bg1">
+                  <a:lumMod val="65000"/>
+                  <a:lumOff val="35000"/>
+                </a:schemeClr>
+              </a:solidFill>
+              <a:latin typeface="Calibri" panose="020F0502020204030204" pitchFamily="34" charset="0"/>
+              <a:cs typeface="Calibri" panose="020F0502020204030204" pitchFamily="34" charset="0"/>
+            </a:endParaRPr>
+          </a:p>
+        </p:txBody>
+      </p:sp>
     </p:spTree>
     <p:extLst>
       <p:ext uri="{BB962C8B-B14F-4D97-AF65-F5344CB8AC3E}">
-        <p14:creationId xmlns:p14="http://schemas.microsoft.com/office/powerpoint/2010/main" val="3038344879"/>
+        <p14:creationId xmlns:p14="http://schemas.microsoft.com/office/powerpoint/2010/main" val="3392288799"/>
       </p:ext>
     </p:extLst>
   </p:cSld>
   <p:clrMapOvr>
     <a:masterClrMapping/>
   </p:clrMapOvr>
-  <mc:AlternateContent xmlns:mc="http://schemas.openxmlformats.org/markup-compatibility/2006">
-    <mc:Choice xmlns:p14="http://schemas.microsoft.com/office/powerpoint/2010/main" Requires="p14">
+  <mc:AlternateContent xmlns:mc="http://schemas.openxmlformats.org/markup-compatibility/2006" xmlns:p14="http://schemas.microsoft.com/office/powerpoint/2010/main">
+    <mc:Choice Requires="p14">
       <p:transition>
         <p14:reveal/>
       </p:transition>
     </mc:Choice>
-    <mc:Fallback>
+    <mc:Fallback xmlns="">
       <p:transition>
         <p:fade/>
       </p:transition>
@@ -27452,7 +28264,7 @@
       </p:par>
     </p:tnLst>
     <p:bldLst>
-      <p:bldP spid="4" grpId="0" uiExpand="1" build="p"/>
+      <p:bldP spid="4" grpId="0" build="p"/>
     </p:bldLst>
   </p:timing>
 </p:sld>
@@ -27587,15 +28399,7 @@
                 <a:ea typeface="WenQuanYi Micro Hei" charset="0"/>
                 <a:cs typeface="Calibri" pitchFamily="34" charset="0"/>
               </a:rPr>
-              <a:t>DRUŠTVENA </a:t>
-            </a:r>
-            <a:r>
-              <a:rPr lang="hr-HR" sz="2400" dirty="0" smtClean="0">
-                <a:latin typeface="Calibri" pitchFamily="34" charset="0"/>
-                <a:ea typeface="WenQuanYi Micro Hei" charset="0"/>
-                <a:cs typeface="Calibri" pitchFamily="34" charset="0"/>
-              </a:rPr>
-              <a:t>STRATIFIKACIJA </a:t>
+              <a:t>DRUŠTVENA STRATIFIKACIJA </a:t>
             </a:r>
             <a:r>
               <a:rPr lang="hr-HR" dirty="0" smtClean="0">
@@ -27647,22 +28451,7 @@
                 <a:cs typeface="Times New Roman"/>
                 <a:hlinkClick r:id="rId2"/>
               </a:rPr>
-              <a:t>https://</a:t>
-            </a:r>
-            <a:r>
-              <a:rPr lang="hr-HR" dirty="0">
-                <a:solidFill>
-                  <a:schemeClr val="bg1"/>
-                </a:solidFill>
-                <a:highlight>
-                  <a:srgbClr val="FFFF00"/>
-                </a:highlight>
-                <a:latin typeface="Calibri"/>
-                <a:ea typeface="Calibri"/>
-                <a:cs typeface="Times New Roman"/>
-                <a:hlinkClick r:id="rId2"/>
-              </a:rPr>
-              <a:t>youtu.be/SlkIKCMt-Fs</a:t>
+              <a:t>https://youtu.be/SlkIKCMt-Fs</a:t>
             </a:r>
             <a:endParaRPr lang="hr-HR" dirty="0">
               <a:solidFill>
@@ -27759,22 +28548,7 @@
                 <a:cs typeface="Times New Roman"/>
                 <a:hlinkClick r:id="rId3"/>
               </a:rPr>
-              <a:t>https://</a:t>
-            </a:r>
-            <a:r>
-              <a:rPr lang="hr-HR" dirty="0">
-                <a:solidFill>
-                  <a:schemeClr val="bg1"/>
-                </a:solidFill>
-                <a:highlight>
-                  <a:srgbClr val="FFFF00"/>
-                </a:highlight>
-                <a:latin typeface="Calibri"/>
-                <a:ea typeface="Calibri"/>
-                <a:cs typeface="Times New Roman"/>
-                <a:hlinkClick r:id="rId3"/>
-              </a:rPr>
-              <a:t>youtu.be/GjuV-XdYHhA</a:t>
+              <a:t>https://youtu.be/GjuV-XdYHhA</a:t>
             </a:r>
             <a:endParaRPr lang="hr-HR" dirty="0">
               <a:solidFill>
@@ -27905,20 +28679,20 @@
     </p:spTree>
     <p:extLst>
       <p:ext uri="{BB962C8B-B14F-4D97-AF65-F5344CB8AC3E}">
-        <p14:creationId xmlns:p14="http://schemas.microsoft.com/office/powerpoint/2010/main" val="4202600177"/>
+        <p14:creationId xmlns:p14="http://schemas.microsoft.com/office/powerpoint/2010/main" val="3815676998"/>
       </p:ext>
     </p:extLst>
   </p:cSld>
   <p:clrMapOvr>
     <a:masterClrMapping/>
   </p:clrMapOvr>
-  <mc:AlternateContent xmlns:mc="http://schemas.openxmlformats.org/markup-compatibility/2006">
-    <mc:Choice xmlns:p14="http://schemas.microsoft.com/office/powerpoint/2010/main" Requires="p14">
+  <mc:AlternateContent xmlns:mc="http://schemas.openxmlformats.org/markup-compatibility/2006" xmlns:p14="http://schemas.microsoft.com/office/powerpoint/2010/main">
+    <mc:Choice Requires="p14">
       <p:transition>
         <p14:reveal/>
       </p:transition>
     </mc:Choice>
-    <mc:Fallback>
+    <mc:Fallback xmlns="">
       <p:transition>
         <p:fade/>
       </p:transition>
@@ -28301,7 +29075,7 @@
         <p:spPr>
           <a:xfrm>
             <a:off x="0" y="1071546"/>
-            <a:ext cx="9144000" cy="5643602"/>
+            <a:ext cx="9252520" cy="5643602"/>
           </a:xfrm>
         </p:spPr>
         <p:txBody>
@@ -28350,6 +29124,17 @@
               <a:t>ŽIVOTNE ŠANSE </a:t>
             </a:r>
             <a:r>
+              <a:rPr lang="en-US" sz="2400" b="1" dirty="0" smtClean="0">
+                <a:solidFill>
+                  <a:srgbClr val="FFC000"/>
+                </a:solidFill>
+                <a:latin typeface="Calibri" pitchFamily="34" charset="0"/>
+                <a:ea typeface="WenQuanYi Micro Hei" charset="0"/>
+                <a:cs typeface="Calibri" pitchFamily="34" charset="0"/>
+              </a:rPr>
+              <a:t>mogućnosti</a:t>
+            </a:r>
+            <a:r>
               <a:rPr lang="en-US" sz="2400" dirty="0" smtClean="0">
                 <a:solidFill>
                   <a:srgbClr val="FFFFFF"/>
@@ -28358,7 +29143,29 @@
                 <a:ea typeface="WenQuanYi Micro Hei" charset="0"/>
                 <a:cs typeface="Calibri" pitchFamily="34" charset="0"/>
               </a:rPr>
-              <a:t>mogućnosti i izgledi osobe da stekne prihode, obrazovanje, stanovanje, zdravlje i ostale vrijedne stvari</a:t>
+              <a:t> i </a:t>
+            </a:r>
+            <a:r>
+              <a:rPr lang="en-US" sz="2400" b="1" dirty="0" smtClean="0">
+                <a:solidFill>
+                  <a:srgbClr val="FFC000"/>
+                </a:solidFill>
+                <a:latin typeface="Calibri" pitchFamily="34" charset="0"/>
+                <a:ea typeface="WenQuanYi Micro Hei" charset="0"/>
+                <a:cs typeface="Calibri" pitchFamily="34" charset="0"/>
+              </a:rPr>
+              <a:t>izgledi</a:t>
+            </a:r>
+            <a:r>
+              <a:rPr lang="en-US" sz="2400" dirty="0" smtClean="0">
+                <a:solidFill>
+                  <a:srgbClr val="FFFFFF"/>
+                </a:solidFill>
+                <a:latin typeface="Calibri" pitchFamily="34" charset="0"/>
+                <a:ea typeface="WenQuanYi Micro Hei" charset="0"/>
+                <a:cs typeface="Calibri" pitchFamily="34" charset="0"/>
+              </a:rPr>
+              <a:t> osobe da stekne prihode, obrazovanje, stanovanje, zdravlje i ostale vrijedne stvari</a:t>
             </a:r>
           </a:p>
           <a:p>
@@ -28595,7 +29402,29 @@
                 <a:ea typeface="WenQuanYi Micro Hei" charset="0"/>
                 <a:cs typeface="Calibri" pitchFamily="34" charset="0"/>
               </a:rPr>
-              <a:t>status je osobe koja je punopravni član zajednice </a:t>
+              <a:t>status je osobe koja je </a:t>
+            </a:r>
+            <a:r>
+              <a:rPr lang="en-US" sz="2400" b="1" dirty="0" smtClean="0">
+                <a:solidFill>
+                  <a:srgbClr val="FFC000"/>
+                </a:solidFill>
+                <a:latin typeface="Calibri" pitchFamily="34" charset="0"/>
+                <a:ea typeface="WenQuanYi Micro Hei" charset="0"/>
+                <a:cs typeface="Calibri" pitchFamily="34" charset="0"/>
+              </a:rPr>
+              <a:t>punopravni član zajednice</a:t>
+            </a:r>
+            <a:r>
+              <a:rPr lang="en-US" sz="2400" dirty="0" smtClean="0">
+                <a:solidFill>
+                  <a:srgbClr val="FFFFFF"/>
+                </a:solidFill>
+                <a:latin typeface="Calibri" pitchFamily="34" charset="0"/>
+                <a:ea typeface="WenQuanYi Micro Hei" charset="0"/>
+                <a:cs typeface="Calibri" pitchFamily="34" charset="0"/>
+              </a:rPr>
+              <a:t> </a:t>
             </a:r>
             <a:r>
               <a:rPr lang="en-US" sz="2400" i="1" dirty="0" smtClean="0">
@@ -28695,8 +29524,49 @@
                 <a:ea typeface="WenQuanYi Micro Hei" charset="0"/>
                 <a:cs typeface="Calibri" pitchFamily="34" charset="0"/>
               </a:rPr>
-              <a:t> prava</a:t>
-            </a:r>
+              <a:t> </a:t>
+            </a:r>
+            <a:r>
+              <a:rPr lang="en-US" sz="2400" dirty="0" smtClean="0">
+                <a:solidFill>
+                  <a:srgbClr val="FFFFFF"/>
+                </a:solidFill>
+                <a:latin typeface="Calibri" pitchFamily="34" charset="0"/>
+                <a:ea typeface="WenQuanYi Micro Hei" charset="0"/>
+                <a:cs typeface="Calibri" pitchFamily="34" charset="0"/>
+              </a:rPr>
+              <a:t>prava</a:t>
+            </a:r>
+            <a:r>
+              <a:rPr lang="hr-HR" sz="2400" dirty="0" smtClean="0">
+                <a:solidFill>
+                  <a:srgbClr val="FFFFFF"/>
+                </a:solidFill>
+                <a:latin typeface="Calibri" pitchFamily="34" charset="0"/>
+                <a:ea typeface="WenQuanYi Micro Hei" charset="0"/>
+                <a:cs typeface="Calibri" pitchFamily="34" charset="0"/>
+              </a:rPr>
+              <a:t> </a:t>
+            </a:r>
+            <a:r>
+              <a:rPr lang="hr-HR" sz="2400" i="1" dirty="0" smtClean="0">
+                <a:solidFill>
+                  <a:srgbClr val="FFFFFF"/>
+                </a:solidFill>
+                <a:latin typeface="Calibri" pitchFamily="34" charset="0"/>
+                <a:ea typeface="WenQuanYi Micro Hei" charset="0"/>
+                <a:cs typeface="Calibri" pitchFamily="34" charset="0"/>
+              </a:rPr>
+              <a:t>(individualne slobode i jednakosti)</a:t>
+            </a:r>
+            <a:endParaRPr lang="en-US" sz="2400" i="1" dirty="0" smtClean="0">
+              <a:solidFill>
+                <a:srgbClr val="FFFFFF"/>
+              </a:solidFill>
+              <a:latin typeface="Calibri" pitchFamily="34" charset="0"/>
+              <a:ea typeface="WenQuanYi Micro Hei" charset="0"/>
+              <a:cs typeface="Calibri" pitchFamily="34" charset="0"/>
+            </a:endParaRPr>
           </a:p>
           <a:p>
             <a:pPr marL="1080000" lvl="4" indent="-468000">
@@ -28818,18 +29688,72 @@
           </a:p>
         </p:txBody>
       </p:sp>
+      <p:sp>
+        <p:nvSpPr>
+          <p:cNvPr id="4" name="TextBox 3"/>
+          <p:cNvSpPr txBox="1"/>
+          <p:nvPr/>
+        </p:nvSpPr>
+        <p:spPr>
+          <a:xfrm>
+            <a:off x="8629770" y="-5898"/>
+            <a:ext cx="497251" cy="338554"/>
+          </a:xfrm>
+          <a:prstGeom prst="rect">
+            <a:avLst/>
+          </a:prstGeom>
+          <a:noFill/>
+        </p:spPr>
+        <p:txBody>
+          <a:bodyPr wrap="none" rtlCol="0">
+            <a:spAutoFit/>
+          </a:bodyPr>
+          <a:lstStyle/>
+          <a:p>
+            <a:pPr algn="r"/>
+            <a:r>
+              <a:rPr lang="hr-HR" sz="1600" dirty="0" smtClean="0">
+                <a:solidFill>
+                  <a:schemeClr val="bg1">
+                    <a:lumMod val="65000"/>
+                    <a:lumOff val="35000"/>
+                  </a:schemeClr>
+                </a:solidFill>
+                <a:latin typeface="Calibri" panose="020F0502020204030204" pitchFamily="34" charset="0"/>
+                <a:cs typeface="Calibri" panose="020F0502020204030204" pitchFamily="34" charset="0"/>
+              </a:rPr>
+              <a:t>133</a:t>
+            </a:r>
+            <a:endParaRPr lang="hr-HR" sz="1600" dirty="0">
+              <a:solidFill>
+                <a:schemeClr val="bg1">
+                  <a:lumMod val="65000"/>
+                  <a:lumOff val="35000"/>
+                </a:schemeClr>
+              </a:solidFill>
+              <a:latin typeface="Calibri" panose="020F0502020204030204" pitchFamily="34" charset="0"/>
+              <a:cs typeface="Calibri" panose="020F0502020204030204" pitchFamily="34" charset="0"/>
+            </a:endParaRPr>
+          </a:p>
+        </p:txBody>
+      </p:sp>
     </p:spTree>
+    <p:extLst>
+      <p:ext uri="{BB962C8B-B14F-4D97-AF65-F5344CB8AC3E}">
+        <p14:creationId xmlns:p14="http://schemas.microsoft.com/office/powerpoint/2010/main" val="795742051"/>
+      </p:ext>
+    </p:extLst>
   </p:cSld>
   <p:clrMapOvr>
     <a:masterClrMapping/>
   </p:clrMapOvr>
-  <mc:AlternateContent xmlns:mc="http://schemas.openxmlformats.org/markup-compatibility/2006">
-    <mc:Choice xmlns:p14="http://schemas.microsoft.com/office/powerpoint/2010/main" Requires="p14">
+  <mc:AlternateContent xmlns:mc="http://schemas.openxmlformats.org/markup-compatibility/2006" xmlns:p14="http://schemas.microsoft.com/office/powerpoint/2010/main">
+    <mc:Choice Requires="p14">
       <p:transition>
         <p14:reveal/>
       </p:transition>
     </mc:Choice>
-    <mc:Fallback>
+    <mc:Fallback xmlns="">
       <p:transition>
         <p:fade/>
       </p:transition>
@@ -29354,7 +30278,7 @@
       </p:par>
     </p:tnLst>
     <p:bldLst>
-      <p:bldP spid="3" grpId="0" uiExpand="1" build="p"/>
+      <p:bldP spid="3" grpId="0" build="p"/>
     </p:bldLst>
   </p:timing>
 </p:sld>
@@ -29730,7 +30654,7 @@
               </a:tabLst>
             </a:pPr>
             <a:r>
-              <a:rPr lang="en-US" sz="2200" b="1">
+              <a:rPr lang="en-US" sz="2200" dirty="0">
                 <a:solidFill>
                   <a:srgbClr val="FFFFFF"/>
                 </a:solidFill>
@@ -29741,7 +30665,7 @@
               <a:t>položaji trebaju biti </a:t>
             </a:r>
             <a:r>
-              <a:rPr lang="en-US" sz="2200" b="1">
+              <a:rPr lang="en-US" sz="2200" b="1" dirty="0">
                 <a:solidFill>
                   <a:srgbClr val="FFC000"/>
                 </a:solidFill>
@@ -29759,7 +30683,7 @@
               <a:t>jednako dostupni svima</a:t>
             </a:r>
             <a:r>
-              <a:rPr lang="en-US" sz="2200" b="1">
+              <a:rPr lang="en-US" sz="2200" b="1" dirty="0">
                 <a:solidFill>
                   <a:srgbClr val="FFFFFF"/>
                 </a:solidFill>
@@ -29767,7 +30691,18 @@
                 <a:ea typeface="WenQuanYi Micro Hei" charset="0"/>
                 <a:cs typeface="Calibri" pitchFamily="34" charset="0"/>
               </a:rPr>
-              <a:t>, bez obzira na životne prilike</a:t>
+              <a:t>, </a:t>
+            </a:r>
+            <a:r>
+              <a:rPr lang="en-US" sz="2200" dirty="0">
+                <a:solidFill>
+                  <a:srgbClr val="FFFFFF"/>
+                </a:solidFill>
+                <a:latin typeface="Calibri" pitchFamily="34" charset="0"/>
+                <a:ea typeface="WenQuanYi Micro Hei" charset="0"/>
+                <a:cs typeface="Calibri" pitchFamily="34" charset="0"/>
+              </a:rPr>
+              <a:t>bez obzira na životne prilike</a:t>
             </a:r>
           </a:p>
           <a:p>
@@ -29787,7 +30722,7 @@
               </a:tabLst>
             </a:pPr>
             <a:r>
-              <a:rPr lang="en-US" sz="2200" b="1">
+              <a:rPr lang="en-US" sz="2200" dirty="0">
                 <a:solidFill>
                   <a:srgbClr val="FFFFFF"/>
                 </a:solidFill>
@@ -29844,7 +30779,7 @@
               </a:tabLst>
             </a:pPr>
             <a:r>
-              <a:rPr lang="en-US" sz="2200" b="1" dirty="0">
+              <a:rPr lang="en-US" sz="2200" dirty="0">
                 <a:solidFill>
                   <a:srgbClr val="FFFFFF"/>
                 </a:solidFill>
@@ -29890,7 +30825,7 @@
               </a:tabLst>
             </a:pPr>
             <a:r>
-              <a:rPr lang="en-US" sz="2200" b="1" dirty="0">
+              <a:rPr lang="en-US" sz="2200" dirty="0">
                 <a:solidFill>
                   <a:srgbClr val="FFFFFF"/>
                 </a:solidFill>
@@ -29947,7 +30882,7 @@
               </a:tabLst>
             </a:pPr>
             <a:r>
-              <a:rPr lang="en-US" sz="2200" b="1">
+              <a:rPr lang="en-US" sz="2200" dirty="0">
                 <a:solidFill>
                   <a:srgbClr val="FFFFFF"/>
                 </a:solidFill>
@@ -29958,7 +30893,7 @@
               <a:t>svi trebaju uživati </a:t>
             </a:r>
             <a:r>
-              <a:rPr lang="en-US" sz="2200" b="1">
+              <a:rPr lang="en-US" sz="2200" b="1" dirty="0">
                 <a:solidFill>
                   <a:srgbClr val="FFC000"/>
                 </a:solidFill>
@@ -29993,7 +30928,7 @@
               </a:tabLst>
             </a:pPr>
             <a:r>
-              <a:rPr lang="en-US" sz="2200" b="1">
+              <a:rPr lang="en-US" sz="2200" dirty="0">
                 <a:solidFill>
                   <a:srgbClr val="FFFFFF"/>
                 </a:solidFill>
@@ -30004,7 +30939,7 @@
               <a:t>svi moraju imati jednake nagrade </a:t>
             </a:r>
             <a:r>
-              <a:rPr lang="hr-HR" sz="2200" b="1" dirty="0" smtClean="0">
+              <a:rPr lang="hr-HR" sz="2200" dirty="0" smtClean="0">
                 <a:solidFill>
                   <a:srgbClr val="FFFFFF"/>
                 </a:solidFill>
@@ -30015,7 +30950,7 @@
               <a:t/>
             </a:r>
             <a:br>
-              <a:rPr lang="hr-HR" sz="2200" b="1" dirty="0" smtClean="0">
+              <a:rPr lang="hr-HR" sz="2200" dirty="0" smtClean="0">
                 <a:solidFill>
                   <a:srgbClr val="FFFFFF"/>
                 </a:solidFill>
@@ -30025,7 +30960,7 @@
               </a:rPr>
             </a:br>
             <a:r>
-              <a:rPr lang="en-US" sz="2200" b="1" smtClean="0">
+              <a:rPr lang="en-US" sz="2200" dirty="0" smtClean="0">
                 <a:solidFill>
                   <a:srgbClr val="FFFFFF"/>
                 </a:solidFill>
@@ -30036,7 +30971,7 @@
               <a:t>(</a:t>
             </a:r>
             <a:r>
-              <a:rPr lang="en-US" sz="2200" b="1">
+              <a:rPr lang="en-US" sz="2200" dirty="0">
                 <a:solidFill>
                   <a:srgbClr val="FFFFFF"/>
                 </a:solidFill>
@@ -30069,9 +31004,7 @@
             <a:srgbClr val="C00000"/>
           </a:solidFill>
           <a:ln w="19050">
-            <a:solidFill>
-              <a:srgbClr val="FFFFFF"/>
-            </a:solidFill>
+            <a:noFill/>
             <a:round/>
             <a:headEnd/>
             <a:tailEnd/>
@@ -30094,7 +31027,7 @@
               </a:tabLst>
             </a:pPr>
             <a:r>
-              <a:rPr lang="en-US" sz="2200" b="1">
+              <a:rPr lang="en-US" sz="2800" b="1">
                 <a:solidFill>
                   <a:srgbClr val="FFFFFF"/>
                 </a:solidFill>
@@ -30127,9 +31060,7 @@
             <a:srgbClr val="002060"/>
           </a:solidFill>
           <a:ln w="19050">
-            <a:solidFill>
-              <a:srgbClr val="FFFFFF"/>
-            </a:solidFill>
+            <a:noFill/>
             <a:round/>
             <a:headEnd/>
             <a:tailEnd/>
@@ -30152,7 +31083,7 @@
               </a:tabLst>
             </a:pPr>
             <a:r>
-              <a:rPr lang="en-US" sz="2200" b="1" dirty="0">
+              <a:rPr lang="en-US" sz="2800" b="1" dirty="0">
                 <a:solidFill>
                   <a:srgbClr val="FFFFFF"/>
                 </a:solidFill>
@@ -30496,18 +31427,72 @@
           </a:extLst>
         </p:spPr>
       </p:pic>
+      <p:sp>
+        <p:nvSpPr>
+          <p:cNvPr id="19" name="TextBox 18"/>
+          <p:cNvSpPr txBox="1"/>
+          <p:nvPr/>
+        </p:nvSpPr>
+        <p:spPr>
+          <a:xfrm>
+            <a:off x="8121618" y="-5898"/>
+            <a:ext cx="1005403" cy="338554"/>
+          </a:xfrm>
+          <a:prstGeom prst="rect">
+            <a:avLst/>
+          </a:prstGeom>
+          <a:noFill/>
+        </p:spPr>
+        <p:txBody>
+          <a:bodyPr wrap="none" rtlCol="0">
+            <a:spAutoFit/>
+          </a:bodyPr>
+          <a:lstStyle/>
+          <a:p>
+            <a:pPr algn="r"/>
+            <a:r>
+              <a:rPr lang="hr-HR" sz="1600" dirty="0" smtClean="0">
+                <a:solidFill>
+                  <a:schemeClr val="bg1">
+                    <a:lumMod val="65000"/>
+                    <a:lumOff val="35000"/>
+                  </a:schemeClr>
+                </a:solidFill>
+                <a:latin typeface="Calibri" panose="020F0502020204030204" pitchFamily="34" charset="0"/>
+                <a:cs typeface="Calibri" panose="020F0502020204030204" pitchFamily="34" charset="0"/>
+              </a:rPr>
+              <a:t>133 – 134</a:t>
+            </a:r>
+            <a:endParaRPr lang="hr-HR" sz="1600" dirty="0">
+              <a:solidFill>
+                <a:schemeClr val="bg1">
+                  <a:lumMod val="65000"/>
+                  <a:lumOff val="35000"/>
+                </a:schemeClr>
+              </a:solidFill>
+              <a:latin typeface="Calibri" panose="020F0502020204030204" pitchFamily="34" charset="0"/>
+              <a:cs typeface="Calibri" panose="020F0502020204030204" pitchFamily="34" charset="0"/>
+            </a:endParaRPr>
+          </a:p>
+        </p:txBody>
+      </p:sp>
     </p:spTree>
+    <p:extLst>
+      <p:ext uri="{BB962C8B-B14F-4D97-AF65-F5344CB8AC3E}">
+        <p14:creationId xmlns:p14="http://schemas.microsoft.com/office/powerpoint/2010/main" val="134055126"/>
+      </p:ext>
+    </p:extLst>
   </p:cSld>
   <p:clrMapOvr>
     <a:masterClrMapping/>
   </p:clrMapOvr>
-  <mc:AlternateContent xmlns:mc="http://schemas.openxmlformats.org/markup-compatibility/2006">
-    <mc:Choice xmlns:p14="http://schemas.microsoft.com/office/powerpoint/2010/main" Requires="p14">
+  <mc:AlternateContent xmlns:mc="http://schemas.openxmlformats.org/markup-compatibility/2006" xmlns:p14="http://schemas.microsoft.com/office/powerpoint/2010/main">
+    <mc:Choice Requires="p14">
       <p:transition>
         <p14:reveal/>
       </p:transition>
     </mc:Choice>
-    <mc:Fallback>
+    <mc:Fallback xmlns="">
       <p:transition>
         <p:fade/>
       </p:transition>
@@ -33003,18 +33988,72 @@
           <a:effectLst/>
         </p:spPr>
       </p:pic>
+      <p:sp>
+        <p:nvSpPr>
+          <p:cNvPr id="45" name="TextBox 44"/>
+          <p:cNvSpPr txBox="1"/>
+          <p:nvPr/>
+        </p:nvSpPr>
+        <p:spPr>
+          <a:xfrm>
+            <a:off x="8629769" y="-5898"/>
+            <a:ext cx="497252" cy="338554"/>
+          </a:xfrm>
+          <a:prstGeom prst="rect">
+            <a:avLst/>
+          </a:prstGeom>
+          <a:noFill/>
+        </p:spPr>
+        <p:txBody>
+          <a:bodyPr wrap="none" rtlCol="0">
+            <a:spAutoFit/>
+          </a:bodyPr>
+          <a:lstStyle/>
+          <a:p>
+            <a:pPr algn="r"/>
+            <a:r>
+              <a:rPr lang="hr-HR" sz="1600" dirty="0" smtClean="0">
+                <a:solidFill>
+                  <a:schemeClr val="bg1">
+                    <a:lumMod val="65000"/>
+                    <a:lumOff val="35000"/>
+                  </a:schemeClr>
+                </a:solidFill>
+                <a:latin typeface="Calibri" panose="020F0502020204030204" pitchFamily="34" charset="0"/>
+                <a:cs typeface="Calibri" panose="020F0502020204030204" pitchFamily="34" charset="0"/>
+              </a:rPr>
+              <a:t>134</a:t>
+            </a:r>
+            <a:endParaRPr lang="hr-HR" sz="1600" dirty="0">
+              <a:solidFill>
+                <a:schemeClr val="bg1">
+                  <a:lumMod val="65000"/>
+                  <a:lumOff val="35000"/>
+                </a:schemeClr>
+              </a:solidFill>
+              <a:latin typeface="Calibri" panose="020F0502020204030204" pitchFamily="34" charset="0"/>
+              <a:cs typeface="Calibri" panose="020F0502020204030204" pitchFamily="34" charset="0"/>
+            </a:endParaRPr>
+          </a:p>
+        </p:txBody>
+      </p:sp>
     </p:spTree>
+    <p:extLst>
+      <p:ext uri="{BB962C8B-B14F-4D97-AF65-F5344CB8AC3E}">
+        <p14:creationId xmlns:p14="http://schemas.microsoft.com/office/powerpoint/2010/main" val="103340071"/>
+      </p:ext>
+    </p:extLst>
   </p:cSld>
   <p:clrMapOvr>
     <a:masterClrMapping/>
   </p:clrMapOvr>
-  <mc:AlternateContent xmlns:mc="http://schemas.openxmlformats.org/markup-compatibility/2006">
-    <mc:Choice xmlns:p14="http://schemas.microsoft.com/office/powerpoint/2010/main" Requires="p14">
+  <mc:AlternateContent xmlns:mc="http://schemas.openxmlformats.org/markup-compatibility/2006" xmlns:p14="http://schemas.microsoft.com/office/powerpoint/2010/main">
+    <mc:Choice Requires="p14">
       <p:transition>
         <p14:reveal/>
       </p:transition>
     </mc:Choice>
-    <mc:Fallback>
+    <mc:Fallback xmlns="">
       <p:transition>
         <p:fade/>
       </p:transition>
@@ -33824,7 +34863,7 @@
       </p:par>
     </p:tnLst>
     <p:bldLst>
-      <p:bldP spid="3" grpId="0" uiExpand="1" build="p"/>
+      <p:bldP spid="3" grpId="0" build="p"/>
     </p:bldLst>
   </p:timing>
 </p:sld>
@@ -33961,7 +35000,7 @@
         </p:nvSpPr>
         <p:spPr bwMode="auto">
           <a:xfrm>
-            <a:off x="1089025" y="1643063"/>
+            <a:off x="846994" y="1643063"/>
             <a:ext cx="2857500" cy="1000125"/>
           </a:xfrm>
           <a:prstGeom prst="rect">
@@ -33971,9 +35010,7 @@
             <a:srgbClr val="002060"/>
           </a:solidFill>
           <a:ln w="38160">
-            <a:solidFill>
-              <a:srgbClr val="FFFFFF"/>
-            </a:solidFill>
+            <a:noFill/>
             <a:round/>
             <a:headEnd/>
             <a:tailEnd/>
@@ -34018,7 +35055,7 @@
         </p:nvSpPr>
         <p:spPr bwMode="auto">
           <a:xfrm>
-            <a:off x="5464175" y="1643063"/>
+            <a:off x="5538703" y="1643063"/>
             <a:ext cx="2857500" cy="1000125"/>
           </a:xfrm>
           <a:prstGeom prst="rect">
@@ -34028,9 +35065,7 @@
             <a:srgbClr val="C00000"/>
           </a:solidFill>
           <a:ln w="38160">
-            <a:solidFill>
-              <a:srgbClr val="FFFFFF"/>
-            </a:solidFill>
+            <a:noFill/>
             <a:round/>
             <a:headEnd/>
             <a:tailEnd/>
@@ -34056,13 +35091,6 @@
                 <a:solidFill>
                   <a:srgbClr val="FFFFFF"/>
                 </a:solidFill>
-                <a:effectLst>
-                  <a:outerShdw blurRad="38100" dist="38100" dir="2700000" algn="tl">
-                    <a:srgbClr val="000000">
-                      <a:alpha val="43137"/>
-                    </a:srgbClr>
-                  </a:outerShdw>
-                </a:effectLst>
                 <a:latin typeface="Calibri" pitchFamily="34" charset="0"/>
                 <a:ea typeface="WenQuanYi Micro Hei" charset="0"/>
                 <a:cs typeface="Calibri" pitchFamily="34" charset="0"/>
@@ -34082,7 +35110,7 @@
         </p:nvSpPr>
         <p:spPr bwMode="auto">
           <a:xfrm>
-            <a:off x="2178050" y="2857500"/>
+            <a:off x="1919350" y="2857500"/>
             <a:ext cx="712788" cy="500063"/>
           </a:xfrm>
           <a:prstGeom prst="downArrow">
@@ -34122,7 +35150,7 @@
         </p:nvSpPr>
         <p:spPr bwMode="auto">
           <a:xfrm>
-            <a:off x="6535738" y="2857500"/>
+            <a:off x="6611060" y="2857500"/>
             <a:ext cx="712787" cy="500063"/>
           </a:xfrm>
           <a:prstGeom prst="downArrow">
@@ -34163,7 +35191,7 @@
         <p:spPr bwMode="auto">
           <a:xfrm>
             <a:off x="357188" y="3429000"/>
-            <a:ext cx="4357687" cy="1212850"/>
+            <a:ext cx="3837113" cy="1212850"/>
           </a:xfrm>
           <a:prstGeom prst="rect">
             <a:avLst/>
@@ -34181,7 +35209,7 @@
           <a:bodyPr lIns="90000" tIns="45000" rIns="90000" bIns="45000"/>
           <a:lstStyle/>
           <a:p>
-            <a:pPr>
+            <a:pPr algn="ctr">
               <a:lnSpc>
                 <a:spcPct val="100000"/>
               </a:lnSpc>
@@ -34195,7 +35223,7 @@
               </a:tabLst>
             </a:pPr>
             <a:r>
-              <a:rPr lang="en-US" sz="2200">
+              <a:rPr lang="en-US" sz="2200" dirty="0">
                 <a:solidFill>
                   <a:srgbClr val="FFFFFF"/>
                 </a:solidFill>
@@ -34206,7 +35234,7 @@
               <a:t>položaj kojeg društvo </a:t>
             </a:r>
             <a:r>
-              <a:rPr lang="en-US" sz="2200" b="1">
+              <a:rPr lang="en-US" sz="2200" b="1" dirty="0">
                 <a:solidFill>
                   <a:srgbClr val="FFC000"/>
                 </a:solidFill>
@@ -34224,7 +35252,7 @@
               <a:t>dodjeljuje</a:t>
             </a:r>
             <a:r>
-              <a:rPr lang="en-US" sz="2200">
+              <a:rPr lang="en-US" sz="2200" dirty="0">
                 <a:solidFill>
                   <a:srgbClr val="FFFFFF"/>
                 </a:solidFill>
@@ -34317,8 +35345,8 @@
         </p:nvSpPr>
         <p:spPr bwMode="auto">
           <a:xfrm>
-            <a:off x="5572125" y="3429000"/>
-            <a:ext cx="2928938" cy="1212850"/>
+            <a:off x="5148064" y="3429000"/>
+            <a:ext cx="3638778" cy="1212850"/>
           </a:xfrm>
           <a:prstGeom prst="rect">
             <a:avLst/>
@@ -34336,7 +35364,7 @@
           <a:bodyPr lIns="90000" tIns="45000" rIns="90000" bIns="45000"/>
           <a:lstStyle/>
           <a:p>
-            <a:pPr>
+            <a:pPr algn="ctr">
               <a:lnSpc>
                 <a:spcPct val="100000"/>
               </a:lnSpc>
@@ -34348,7 +35376,7 @@
               </a:tabLst>
             </a:pPr>
             <a:r>
-              <a:rPr lang="en-US" sz="2200">
+              <a:rPr lang="en-US" sz="2200" dirty="0">
                 <a:solidFill>
                   <a:srgbClr val="FFFFFF"/>
                 </a:solidFill>
@@ -34359,7 +35387,7 @@
               <a:t>rezultat su osobne nadarenosti, znanja, upornosti ili </a:t>
             </a:r>
             <a:r>
-              <a:rPr lang="en-US" sz="2200" smtClean="0">
+              <a:rPr lang="en-US" sz="2200" dirty="0" smtClean="0">
                 <a:solidFill>
                   <a:srgbClr val="FFFFFF"/>
                 </a:solidFill>
@@ -34369,7 +35397,7 @@
               </a:rPr>
               <a:t>izbora</a:t>
             </a:r>
-            <a:endParaRPr lang="en-US" sz="2200">
+            <a:endParaRPr lang="en-US" sz="2200" dirty="0">
               <a:solidFill>
                 <a:srgbClr val="FFFFFF"/>
               </a:solidFill>
@@ -34460,8 +35488,8 @@
         </p:nvSpPr>
         <p:spPr bwMode="auto">
           <a:xfrm>
-            <a:off x="1107281" y="1643050"/>
-            <a:ext cx="2857500" cy="1000125"/>
+            <a:off x="846995" y="1643050"/>
+            <a:ext cx="2857499" cy="1000125"/>
           </a:xfrm>
           <a:prstGeom prst="rect">
             <a:avLst/>
@@ -34470,9 +35498,7 @@
             <a:srgbClr val="002060"/>
           </a:solidFill>
           <a:ln w="38160">
-            <a:solidFill>
-              <a:srgbClr val="FFFFFF"/>
-            </a:solidFill>
+            <a:noFill/>
             <a:round/>
             <a:headEnd/>
             <a:tailEnd/>
@@ -34498,34 +35524,81 @@
                 <a:solidFill>
                   <a:srgbClr val="FFFFFF"/>
                 </a:solidFill>
-                <a:effectLst>
-                  <a:outerShdw blurRad="38100" dist="38100" dir="2700000" algn="tl">
-                    <a:srgbClr val="000000">
-                      <a:alpha val="43137"/>
-                    </a:srgbClr>
-                  </a:outerShdw>
-                </a:effectLst>
                 <a:latin typeface="Calibri" pitchFamily="34" charset="0"/>
                 <a:ea typeface="WenQuanYi Micro Hei" charset="0"/>
                 <a:cs typeface="Calibri" pitchFamily="34" charset="0"/>
               </a:rPr>
               <a:t>PRIPISANI</a:t>
             </a:r>
+          </a:p>
+        </p:txBody>
+      </p:sp>
+      <p:sp>
+        <p:nvSpPr>
+          <p:cNvPr id="15" name="TextBox 14"/>
+          <p:cNvSpPr txBox="1"/>
+          <p:nvPr/>
+        </p:nvSpPr>
+        <p:spPr>
+          <a:xfrm>
+            <a:off x="8121618" y="-5898"/>
+            <a:ext cx="1005403" cy="338554"/>
+          </a:xfrm>
+          <a:prstGeom prst="rect">
+            <a:avLst/>
+          </a:prstGeom>
+          <a:noFill/>
+        </p:spPr>
+        <p:txBody>
+          <a:bodyPr wrap="none" rtlCol="0">
+            <a:spAutoFit/>
+          </a:bodyPr>
+          <a:lstStyle/>
+          <a:p>
+            <a:pPr algn="r"/>
+            <a:r>
+              <a:rPr lang="hr-HR" sz="1600" dirty="0" smtClean="0">
+                <a:solidFill>
+                  <a:schemeClr val="bg1">
+                    <a:lumMod val="65000"/>
+                    <a:lumOff val="35000"/>
+                  </a:schemeClr>
+                </a:solidFill>
+                <a:latin typeface="Calibri" panose="020F0502020204030204" pitchFamily="34" charset="0"/>
+                <a:cs typeface="Calibri" panose="020F0502020204030204" pitchFamily="34" charset="0"/>
+              </a:rPr>
+              <a:t>134 – 136</a:t>
+            </a:r>
+            <a:endParaRPr lang="hr-HR" sz="1600" dirty="0">
+              <a:solidFill>
+                <a:schemeClr val="bg1">
+                  <a:lumMod val="65000"/>
+                  <a:lumOff val="35000"/>
+                </a:schemeClr>
+              </a:solidFill>
+              <a:latin typeface="Calibri" panose="020F0502020204030204" pitchFamily="34" charset="0"/>
+              <a:cs typeface="Calibri" panose="020F0502020204030204" pitchFamily="34" charset="0"/>
+            </a:endParaRPr>
           </a:p>
         </p:txBody>
       </p:sp>
     </p:spTree>
+    <p:extLst>
+      <p:ext uri="{BB962C8B-B14F-4D97-AF65-F5344CB8AC3E}">
+        <p14:creationId xmlns:p14="http://schemas.microsoft.com/office/powerpoint/2010/main" val="879093096"/>
+      </p:ext>
+    </p:extLst>
   </p:cSld>
   <p:clrMapOvr>
     <a:masterClrMapping/>
   </p:clrMapOvr>
-  <mc:AlternateContent xmlns:mc="http://schemas.openxmlformats.org/markup-compatibility/2006">
-    <mc:Choice xmlns:p14="http://schemas.microsoft.com/office/powerpoint/2010/main" Requires="p14">
+  <mc:AlternateContent xmlns:mc="http://schemas.openxmlformats.org/markup-compatibility/2006" xmlns:p14="http://schemas.microsoft.com/office/powerpoint/2010/main">
+    <mc:Choice Requires="p14">
       <p:transition>
         <p14:reveal/>
       </p:transition>
     </mc:Choice>
-    <mc:Fallback>
+    <mc:Fallback xmlns="">
       <p:transition>
         <p:fade/>
       </p:transition>
@@ -35373,9 +36446,7 @@
             <a:srgbClr val="002060"/>
           </a:solidFill>
           <a:ln w="38160">
-            <a:solidFill>
-              <a:srgbClr val="FFFFFF"/>
-            </a:solidFill>
+            <a:noFill/>
             <a:round/>
             <a:headEnd/>
             <a:tailEnd/>
@@ -35401,13 +36472,6 @@
                 <a:solidFill>
                   <a:srgbClr val="FFFFFF"/>
                 </a:solidFill>
-                <a:effectLst>
-                  <a:outerShdw blurRad="38100" dist="38100" dir="2700000" algn="tl">
-                    <a:srgbClr val="000000">
-                      <a:alpha val="43137"/>
-                    </a:srgbClr>
-                  </a:outerShdw>
-                </a:effectLst>
                 <a:latin typeface="Calibri" pitchFamily="34" charset="0"/>
                 <a:ea typeface="WenQuanYi Micro Hei" charset="0"/>
                 <a:cs typeface="Calibri" pitchFamily="34" charset="0"/>
@@ -35437,9 +36501,7 @@
             <a:srgbClr val="C00000"/>
           </a:solidFill>
           <a:ln w="38160">
-            <a:solidFill>
-              <a:srgbClr val="FFFFFF"/>
-            </a:solidFill>
+            <a:noFill/>
             <a:round/>
             <a:headEnd/>
             <a:tailEnd/>
@@ -35465,13 +36527,6 @@
                 <a:solidFill>
                   <a:srgbClr val="FFFFFF"/>
                 </a:solidFill>
-                <a:effectLst>
-                  <a:outerShdw blurRad="38100" dist="38100" dir="2700000" algn="tl">
-                    <a:srgbClr val="000000">
-                      <a:alpha val="43137"/>
-                    </a:srgbClr>
-                  </a:outerShdw>
-                </a:effectLst>
                 <a:latin typeface="Calibri" pitchFamily="34" charset="0"/>
                 <a:ea typeface="WenQuanYi Micro Hei" charset="0"/>
                 <a:cs typeface="Calibri" pitchFamily="34" charset="0"/>
@@ -35581,9 +36636,7 @@
             <a:srgbClr val="002060"/>
           </a:solidFill>
           <a:ln w="38160">
-            <a:solidFill>
-              <a:srgbClr val="FFFFFF"/>
-            </a:solidFill>
+            <a:noFill/>
             <a:round/>
             <a:headEnd/>
             <a:tailEnd/>
@@ -35609,13 +36662,6 @@
                 <a:solidFill>
                   <a:srgbClr val="FFFFFF"/>
                 </a:solidFill>
-                <a:effectLst>
-                  <a:outerShdw blurRad="38100" dist="38100" dir="2700000" algn="tl">
-                    <a:srgbClr val="000000">
-                      <a:alpha val="43137"/>
-                    </a:srgbClr>
-                  </a:outerShdw>
-                </a:effectLst>
                 <a:latin typeface="Calibri" pitchFamily="34" charset="0"/>
                 <a:ea typeface="WenQuanYi Micro Hei" charset="0"/>
                 <a:cs typeface="Calibri" pitchFamily="34" charset="0"/>
@@ -35645,9 +36691,7 @@
             <a:srgbClr val="C00000"/>
           </a:solidFill>
           <a:ln w="38160">
-            <a:solidFill>
-              <a:srgbClr val="FFFFFF"/>
-            </a:solidFill>
+            <a:noFill/>
             <a:round/>
             <a:headEnd/>
             <a:tailEnd/>
@@ -35673,13 +36717,6 @@
                 <a:solidFill>
                   <a:srgbClr val="FFFFFF"/>
                 </a:solidFill>
-                <a:effectLst>
-                  <a:outerShdw blurRad="38100" dist="38100" dir="2700000" algn="tl">
-                    <a:srgbClr val="000000">
-                      <a:alpha val="43137"/>
-                    </a:srgbClr>
-                  </a:outerShdw>
-                </a:effectLst>
                 <a:latin typeface="Calibri" pitchFamily="34" charset="0"/>
                 <a:ea typeface="WenQuanYi Micro Hei" charset="0"/>
                 <a:cs typeface="Calibri" pitchFamily="34" charset="0"/>
@@ -35898,18 +36935,72 @@
           </a:p>
         </p:txBody>
       </p:sp>
+      <p:sp>
+        <p:nvSpPr>
+          <p:cNvPr id="12" name="TextBox 11"/>
+          <p:cNvSpPr txBox="1"/>
+          <p:nvPr/>
+        </p:nvSpPr>
+        <p:spPr>
+          <a:xfrm>
+            <a:off x="8121618" y="428616"/>
+            <a:ext cx="1005403" cy="338554"/>
+          </a:xfrm>
+          <a:prstGeom prst="rect">
+            <a:avLst/>
+          </a:prstGeom>
+          <a:noFill/>
+        </p:spPr>
+        <p:txBody>
+          <a:bodyPr wrap="none" rtlCol="0">
+            <a:spAutoFit/>
+          </a:bodyPr>
+          <a:lstStyle/>
+          <a:p>
+            <a:pPr algn="r"/>
+            <a:r>
+              <a:rPr lang="hr-HR" sz="1600" dirty="0" smtClean="0">
+                <a:solidFill>
+                  <a:schemeClr val="bg1">
+                    <a:lumMod val="65000"/>
+                    <a:lumOff val="35000"/>
+                  </a:schemeClr>
+                </a:solidFill>
+                <a:latin typeface="Calibri" panose="020F0502020204030204" pitchFamily="34" charset="0"/>
+                <a:cs typeface="Calibri" panose="020F0502020204030204" pitchFamily="34" charset="0"/>
+              </a:rPr>
+              <a:t>134 – 136</a:t>
+            </a:r>
+            <a:endParaRPr lang="hr-HR" sz="1600" dirty="0">
+              <a:solidFill>
+                <a:schemeClr val="bg1">
+                  <a:lumMod val="65000"/>
+                  <a:lumOff val="35000"/>
+                </a:schemeClr>
+              </a:solidFill>
+              <a:latin typeface="Calibri" panose="020F0502020204030204" pitchFamily="34" charset="0"/>
+              <a:cs typeface="Calibri" panose="020F0502020204030204" pitchFamily="34" charset="0"/>
+            </a:endParaRPr>
+          </a:p>
+        </p:txBody>
+      </p:sp>
     </p:spTree>
+    <p:extLst>
+      <p:ext uri="{BB962C8B-B14F-4D97-AF65-F5344CB8AC3E}">
+        <p14:creationId xmlns:p14="http://schemas.microsoft.com/office/powerpoint/2010/main" val="651092250"/>
+      </p:ext>
+    </p:extLst>
   </p:cSld>
   <p:clrMapOvr>
     <a:masterClrMapping/>
   </p:clrMapOvr>
-  <mc:AlternateContent xmlns:mc="http://schemas.openxmlformats.org/markup-compatibility/2006">
-    <mc:Choice xmlns:p14="http://schemas.microsoft.com/office/powerpoint/2010/main" Requires="p14">
+  <mc:AlternateContent xmlns:mc="http://schemas.openxmlformats.org/markup-compatibility/2006" xmlns:p14="http://schemas.microsoft.com/office/powerpoint/2010/main">
+    <mc:Choice Requires="p14">
       <p:transition>
         <p14:reveal/>
       </p:transition>
     </mc:Choice>
-    <mc:Fallback>
+    <mc:Fallback xmlns="">
       <p:transition>
         <p:fade/>
       </p:transition>
@@ -37193,18 +38284,72 @@
           </a:p>
         </p:txBody>
       </p:sp>
+      <p:sp>
+        <p:nvSpPr>
+          <p:cNvPr id="16" name="TextBox 15"/>
+          <p:cNvSpPr txBox="1"/>
+          <p:nvPr/>
+        </p:nvSpPr>
+        <p:spPr>
+          <a:xfrm>
+            <a:off x="8629768" y="0"/>
+            <a:ext cx="497252" cy="338554"/>
+          </a:xfrm>
+          <a:prstGeom prst="rect">
+            <a:avLst/>
+          </a:prstGeom>
+          <a:noFill/>
+        </p:spPr>
+        <p:txBody>
+          <a:bodyPr wrap="none" rtlCol="0">
+            <a:spAutoFit/>
+          </a:bodyPr>
+          <a:lstStyle/>
+          <a:p>
+            <a:pPr algn="r"/>
+            <a:r>
+              <a:rPr lang="hr-HR" sz="1600" dirty="0" smtClean="0">
+                <a:solidFill>
+                  <a:schemeClr val="bg1">
+                    <a:lumMod val="65000"/>
+                    <a:lumOff val="35000"/>
+                  </a:schemeClr>
+                </a:solidFill>
+                <a:latin typeface="Calibri" panose="020F0502020204030204" pitchFamily="34" charset="0"/>
+                <a:cs typeface="Calibri" panose="020F0502020204030204" pitchFamily="34" charset="0"/>
+              </a:rPr>
+              <a:t>137</a:t>
+            </a:r>
+            <a:endParaRPr lang="hr-HR" sz="1600" dirty="0">
+              <a:solidFill>
+                <a:schemeClr val="bg1">
+                  <a:lumMod val="65000"/>
+                  <a:lumOff val="35000"/>
+                </a:schemeClr>
+              </a:solidFill>
+              <a:latin typeface="Calibri" panose="020F0502020204030204" pitchFamily="34" charset="0"/>
+              <a:cs typeface="Calibri" panose="020F0502020204030204" pitchFamily="34" charset="0"/>
+            </a:endParaRPr>
+          </a:p>
+        </p:txBody>
+      </p:sp>
     </p:spTree>
+    <p:extLst>
+      <p:ext uri="{BB962C8B-B14F-4D97-AF65-F5344CB8AC3E}">
+        <p14:creationId xmlns:p14="http://schemas.microsoft.com/office/powerpoint/2010/main" val="1345226391"/>
+      </p:ext>
+    </p:extLst>
   </p:cSld>
   <p:clrMapOvr>
     <a:masterClrMapping/>
   </p:clrMapOvr>
-  <mc:AlternateContent xmlns:mc="http://schemas.openxmlformats.org/markup-compatibility/2006">
-    <mc:Choice xmlns:p14="http://schemas.microsoft.com/office/powerpoint/2010/main" Requires="p14">
+  <mc:AlternateContent xmlns:mc="http://schemas.openxmlformats.org/markup-compatibility/2006" xmlns:p14="http://schemas.microsoft.com/office/powerpoint/2010/main">
+    <mc:Choice Requires="p14">
       <p:transition>
         <p14:reveal/>
       </p:transition>
     </mc:Choice>
-    <mc:Fallback>
+    <mc:Fallback xmlns="">
       <p:transition>
         <p:fade/>
       </p:transition>
@@ -37562,18 +38707,72 @@
           </a:p>
         </p:txBody>
       </p:sp>
+      <p:sp>
+        <p:nvSpPr>
+          <p:cNvPr id="8" name="TextBox 7"/>
+          <p:cNvSpPr txBox="1"/>
+          <p:nvPr/>
+        </p:nvSpPr>
+        <p:spPr>
+          <a:xfrm>
+            <a:off x="8646748" y="0"/>
+            <a:ext cx="497252" cy="338554"/>
+          </a:xfrm>
+          <a:prstGeom prst="rect">
+            <a:avLst/>
+          </a:prstGeom>
+          <a:noFill/>
+        </p:spPr>
+        <p:txBody>
+          <a:bodyPr wrap="none" rtlCol="0">
+            <a:spAutoFit/>
+          </a:bodyPr>
+          <a:lstStyle/>
+          <a:p>
+            <a:pPr algn="r"/>
+            <a:r>
+              <a:rPr lang="hr-HR" sz="1600" dirty="0" smtClean="0">
+                <a:solidFill>
+                  <a:schemeClr val="bg1">
+                    <a:lumMod val="65000"/>
+                    <a:lumOff val="35000"/>
+                  </a:schemeClr>
+                </a:solidFill>
+                <a:latin typeface="Calibri" panose="020F0502020204030204" pitchFamily="34" charset="0"/>
+                <a:cs typeface="Calibri" panose="020F0502020204030204" pitchFamily="34" charset="0"/>
+              </a:rPr>
+              <a:t>138</a:t>
+            </a:r>
+            <a:endParaRPr lang="hr-HR" sz="1600" dirty="0">
+              <a:solidFill>
+                <a:schemeClr val="bg1">
+                  <a:lumMod val="65000"/>
+                  <a:lumOff val="35000"/>
+                </a:schemeClr>
+              </a:solidFill>
+              <a:latin typeface="Calibri" panose="020F0502020204030204" pitchFamily="34" charset="0"/>
+              <a:cs typeface="Calibri" panose="020F0502020204030204" pitchFamily="34" charset="0"/>
+            </a:endParaRPr>
+          </a:p>
+        </p:txBody>
+      </p:sp>
     </p:spTree>
+    <p:extLst>
+      <p:ext uri="{BB962C8B-B14F-4D97-AF65-F5344CB8AC3E}">
+        <p14:creationId xmlns:p14="http://schemas.microsoft.com/office/powerpoint/2010/main" val="515814008"/>
+      </p:ext>
+    </p:extLst>
   </p:cSld>
   <p:clrMapOvr>
     <a:masterClrMapping/>
   </p:clrMapOvr>
-  <mc:AlternateContent xmlns:mc="http://schemas.openxmlformats.org/markup-compatibility/2006">
-    <mc:Choice xmlns:p14="http://schemas.microsoft.com/office/powerpoint/2010/main" Requires="p14">
+  <mc:AlternateContent xmlns:mc="http://schemas.openxmlformats.org/markup-compatibility/2006" xmlns:p14="http://schemas.microsoft.com/office/powerpoint/2010/main">
+    <mc:Choice Requires="p14">
       <p:transition>
         <p14:reveal/>
       </p:transition>
     </mc:Choice>
-    <mc:Fallback>
+    <mc:Fallback xmlns="">
       <p:transition>
         <p:fade/>
       </p:transition>

--- a/data/pptx/007_dr_nejednakosti_i_stratifikacija.pptx
+++ b/data/pptx/007_dr_nejednakosti_i_stratifikacija.pptx
@@ -221,7 +221,7 @@
             <a:fld id="{0DE5D643-D875-49BA-AC11-2E81D3EFA866}" type="datetimeFigureOut">
               <a:rPr lang="sr-Latn-CS" smtClean="0"/>
               <a:pPr/>
-              <a:t>18.2.2019.</a:t>
+              <a:t>4.3.2019.</a:t>
             </a:fld>
             <a:endParaRPr lang="hr-HR" dirty="0"/>
           </a:p>
@@ -388,7 +388,7 @@
             <a:fld id="{6CCAC008-3BA1-4F57-A152-90474F7AC888}" type="datetimeFigureOut">
               <a:rPr lang="sr-Latn-CS" smtClean="0"/>
               <a:pPr/>
-              <a:t>18.2.2019.</a:t>
+              <a:t>4.3.2019.</a:t>
             </a:fld>
             <a:endParaRPr lang="hr-HR" dirty="0"/>
           </a:p>
@@ -833,7 +833,7 @@
             <a:fld id="{7CB97365-EBCA-4027-87D5-99FC1D4DF0BB}" type="datetimeFigureOut">
               <a:rPr lang="en-US" smtClean="0"/>
               <a:pPr/>
-              <a:t>2/18/2019</a:t>
+              <a:t>3/4/2019</a:t>
             </a:fld>
             <a:endParaRPr lang="en-US"/>
           </a:p>
@@ -1012,7 +1012,7 @@
             <a:fld id="{7CB97365-EBCA-4027-87D5-99FC1D4DF0BB}" type="datetimeFigureOut">
               <a:rPr lang="en-US" smtClean="0"/>
               <a:pPr/>
-              <a:t>2/18/2019</a:t>
+              <a:t>3/4/2019</a:t>
             </a:fld>
             <a:endParaRPr lang="en-US"/>
           </a:p>
@@ -1201,7 +1201,7 @@
             <a:fld id="{7CB97365-EBCA-4027-87D5-99FC1D4DF0BB}" type="datetimeFigureOut">
               <a:rPr lang="en-US" smtClean="0"/>
               <a:pPr/>
-              <a:t>2/18/2019</a:t>
+              <a:t>3/4/2019</a:t>
             </a:fld>
             <a:endParaRPr lang="en-US"/>
           </a:p>
@@ -1475,7 +1475,7 @@
             <a:fld id="{7CB97365-EBCA-4027-87D5-99FC1D4DF0BB}" type="datetimeFigureOut">
               <a:rPr lang="en-US" smtClean="0"/>
               <a:pPr/>
-              <a:t>2/18/2019</a:t>
+              <a:t>3/4/2019</a:t>
             </a:fld>
             <a:endParaRPr lang="en-US"/>
           </a:p>
@@ -1761,7 +1761,7 @@
             <a:fld id="{7CB97365-EBCA-4027-87D5-99FC1D4DF0BB}" type="datetimeFigureOut">
               <a:rPr lang="en-US" smtClean="0"/>
               <a:pPr/>
-              <a:t>2/18/2019</a:t>
+              <a:t>3/4/2019</a:t>
             </a:fld>
             <a:endParaRPr lang="en-US"/>
           </a:p>
@@ -2113,7 +2113,7 @@
             <a:fld id="{7CB97365-EBCA-4027-87D5-99FC1D4DF0BB}" type="datetimeFigureOut">
               <a:rPr lang="en-US" smtClean="0"/>
               <a:pPr/>
-              <a:t>2/18/2019</a:t>
+              <a:t>3/4/2019</a:t>
             </a:fld>
             <a:endParaRPr lang="en-US"/>
           </a:p>
@@ -2536,7 +2536,7 @@
             <a:fld id="{7CB97365-EBCA-4027-87D5-99FC1D4DF0BB}" type="datetimeFigureOut">
               <a:rPr lang="en-US" smtClean="0"/>
               <a:pPr/>
-              <a:t>2/18/2019</a:t>
+              <a:t>3/4/2019</a:t>
             </a:fld>
             <a:endParaRPr lang="en-US"/>
           </a:p>
@@ -2663,7 +2663,7 @@
             <a:fld id="{7CB97365-EBCA-4027-87D5-99FC1D4DF0BB}" type="datetimeFigureOut">
               <a:rPr lang="en-US" smtClean="0"/>
               <a:pPr/>
-              <a:t>2/18/2019</a:t>
+              <a:t>3/4/2019</a:t>
             </a:fld>
             <a:endParaRPr lang="en-US"/>
           </a:p>
@@ -2767,7 +2767,7 @@
             <a:fld id="{7CB97365-EBCA-4027-87D5-99FC1D4DF0BB}" type="datetimeFigureOut">
               <a:rPr lang="en-US" smtClean="0"/>
               <a:pPr/>
-              <a:t>2/18/2019</a:t>
+              <a:t>3/4/2019</a:t>
             </a:fld>
             <a:endParaRPr lang="en-US"/>
           </a:p>
@@ -3039,7 +3039,7 @@
             <a:fld id="{7CB97365-EBCA-4027-87D5-99FC1D4DF0BB}" type="datetimeFigureOut">
               <a:rPr lang="en-US" smtClean="0"/>
               <a:pPr/>
-              <a:t>2/18/2019</a:t>
+              <a:t>3/4/2019</a:t>
             </a:fld>
             <a:endParaRPr lang="en-US"/>
           </a:p>
@@ -3305,7 +3305,7 @@
             <a:fld id="{7CB97365-EBCA-4027-87D5-99FC1D4DF0BB}" type="datetimeFigureOut">
               <a:rPr lang="en-US" smtClean="0"/>
               <a:pPr/>
-              <a:t>2/18/2019</a:t>
+              <a:t>3/4/2019</a:t>
             </a:fld>
             <a:endParaRPr lang="en-US"/>
           </a:p>
@@ -3548,7 +3548,7 @@
             <a:fld id="{7CB97365-EBCA-4027-87D5-99FC1D4DF0BB}" type="datetimeFigureOut">
               <a:rPr lang="en-US" smtClean="0"/>
               <a:pPr/>
-              <a:t>2/18/2019</a:t>
+              <a:t>3/4/2019</a:t>
             </a:fld>
             <a:endParaRPr lang="en-US">
               <a:solidFill>
@@ -4104,7 +4104,7 @@
 </file>
 
 <file path=ppt/slides/slide1.xml><?xml version="1.0" encoding="utf-8"?>
-<p:sld xmlns:a="http://schemas.openxmlformats.org/drawingml/2006/main" xmlns:r="http://schemas.openxmlformats.org/officeDocument/2006/relationships" xmlns:p="http://schemas.openxmlformats.org/presentationml/2006/main">
+<p:sld xmlns:a="http://schemas.openxmlformats.org/drawingml/2006/main" xmlns:r="http://schemas.openxmlformats.org/officeDocument/2006/relationships" xmlns:p="http://schemas.openxmlformats.org/presentationml/2006/main" show="0">
   <p:cSld>
     <p:spTree>
       <p:nvGrpSpPr>
@@ -4499,7 +4499,7 @@
 </file>
 
 <file path=ppt/slides/slide10.xml><?xml version="1.0" encoding="utf-8"?>
-<p:sld xmlns:a="http://schemas.openxmlformats.org/drawingml/2006/main" xmlns:r="http://schemas.openxmlformats.org/officeDocument/2006/relationships" xmlns:p="http://schemas.openxmlformats.org/presentationml/2006/main">
+<p:sld xmlns:a="http://schemas.openxmlformats.org/drawingml/2006/main" xmlns:r="http://schemas.openxmlformats.org/officeDocument/2006/relationships" xmlns:p="http://schemas.openxmlformats.org/presentationml/2006/main" show="0">
   <p:cSld>
     <p:spTree>
       <p:nvGrpSpPr>
@@ -6802,7 +6802,7 @@
 </file>
 
 <file path=ppt/slides/slide11.xml><?xml version="1.0" encoding="utf-8"?>
-<p:sld xmlns:a="http://schemas.openxmlformats.org/drawingml/2006/main" xmlns:r="http://schemas.openxmlformats.org/officeDocument/2006/relationships" xmlns:p="http://schemas.openxmlformats.org/presentationml/2006/main">
+<p:sld xmlns:a="http://schemas.openxmlformats.org/drawingml/2006/main" xmlns:r="http://schemas.openxmlformats.org/officeDocument/2006/relationships" xmlns:p="http://schemas.openxmlformats.org/presentationml/2006/main" show="0">
   <p:cSld>
     <p:spTree>
       <p:nvGrpSpPr>
@@ -7950,7 +7950,7 @@
 </file>
 
 <file path=ppt/slides/slide12.xml><?xml version="1.0" encoding="utf-8"?>
-<p:sld xmlns:a="http://schemas.openxmlformats.org/drawingml/2006/main" xmlns:r="http://schemas.openxmlformats.org/officeDocument/2006/relationships" xmlns:p="http://schemas.openxmlformats.org/presentationml/2006/main">
+<p:sld xmlns:a="http://schemas.openxmlformats.org/drawingml/2006/main" xmlns:r="http://schemas.openxmlformats.org/officeDocument/2006/relationships" xmlns:p="http://schemas.openxmlformats.org/presentationml/2006/main" show="0">
   <p:cSld>
     <p:spTree>
       <p:nvGrpSpPr>
@@ -10322,7 +10322,7 @@
 </file>
 
 <file path=ppt/slides/slide13.xml><?xml version="1.0" encoding="utf-8"?>
-<p:sld xmlns:a="http://schemas.openxmlformats.org/drawingml/2006/main" xmlns:r="http://schemas.openxmlformats.org/officeDocument/2006/relationships" xmlns:p="http://schemas.openxmlformats.org/presentationml/2006/main">
+<p:sld xmlns:a="http://schemas.openxmlformats.org/drawingml/2006/main" xmlns:r="http://schemas.openxmlformats.org/officeDocument/2006/relationships" xmlns:p="http://schemas.openxmlformats.org/presentationml/2006/main" show="0">
   <p:cSld>
     <p:spTree>
       <p:nvGrpSpPr>
@@ -12678,7 +12678,7 @@
 </file>
 
 <file path=ppt/slides/slide14.xml><?xml version="1.0" encoding="utf-8"?>
-<p:sld xmlns:a="http://schemas.openxmlformats.org/drawingml/2006/main" xmlns:r="http://schemas.openxmlformats.org/officeDocument/2006/relationships" xmlns:p="http://schemas.openxmlformats.org/presentationml/2006/main">
+<p:sld xmlns:a="http://schemas.openxmlformats.org/drawingml/2006/main" xmlns:r="http://schemas.openxmlformats.org/officeDocument/2006/relationships" xmlns:p="http://schemas.openxmlformats.org/presentationml/2006/main" show="0">
   <p:cSld>
     <p:spTree>
       <p:nvGrpSpPr>
@@ -14821,7 +14821,7 @@
 </file>
 
 <file path=ppt/slides/slide16.xml><?xml version="1.0" encoding="utf-8"?>
-<p:sld xmlns:a="http://schemas.openxmlformats.org/drawingml/2006/main" xmlns:r="http://schemas.openxmlformats.org/officeDocument/2006/relationships" xmlns:p="http://schemas.openxmlformats.org/presentationml/2006/main">
+<p:sld xmlns:a="http://schemas.openxmlformats.org/drawingml/2006/main" xmlns:r="http://schemas.openxmlformats.org/officeDocument/2006/relationships" xmlns:p="http://schemas.openxmlformats.org/presentationml/2006/main" show="0">
   <p:cSld>
     <p:spTree>
       <p:nvGrpSpPr>
@@ -16055,7 +16055,7 @@
 </file>
 
 <file path=ppt/slides/slide17.xml><?xml version="1.0" encoding="utf-8"?>
-<p:sld xmlns:a="http://schemas.openxmlformats.org/drawingml/2006/main" xmlns:r="http://schemas.openxmlformats.org/officeDocument/2006/relationships" xmlns:p="http://schemas.openxmlformats.org/presentationml/2006/main">
+<p:sld xmlns:a="http://schemas.openxmlformats.org/drawingml/2006/main" xmlns:r="http://schemas.openxmlformats.org/officeDocument/2006/relationships" xmlns:p="http://schemas.openxmlformats.org/presentationml/2006/main" show="0">
   <p:cSld>
     <p:spTree>
       <p:nvGrpSpPr>
@@ -16499,8 +16499,8 @@
         </p:blipFill>
         <p:spPr bwMode="auto">
           <a:xfrm>
-            <a:off x="5044508" y="3216978"/>
-            <a:ext cx="4104456" cy="3636859"/>
+            <a:off x="5144976" y="3284984"/>
+            <a:ext cx="3819511" cy="3384376"/>
           </a:xfrm>
           <a:prstGeom prst="rect">
             <a:avLst/>
@@ -16832,7 +16832,7 @@
 </file>
 
 <file path=ppt/slides/slide18.xml><?xml version="1.0" encoding="utf-8"?>
-<p:sld xmlns:a="http://schemas.openxmlformats.org/drawingml/2006/main" xmlns:r="http://schemas.openxmlformats.org/officeDocument/2006/relationships" xmlns:p="http://schemas.openxmlformats.org/presentationml/2006/main">
+<p:sld xmlns:a="http://schemas.openxmlformats.org/drawingml/2006/main" xmlns:r="http://schemas.openxmlformats.org/officeDocument/2006/relationships" xmlns:p="http://schemas.openxmlformats.org/presentationml/2006/main" show="0">
   <p:cSld>
     <p:spTree>
       <p:nvGrpSpPr>
@@ -18773,7 +18773,7 @@
 </file>
 
 <file path=ppt/slides/slide19.xml><?xml version="1.0" encoding="utf-8"?>
-<p:sld xmlns:a="http://schemas.openxmlformats.org/drawingml/2006/main" xmlns:r="http://schemas.openxmlformats.org/officeDocument/2006/relationships" xmlns:p="http://schemas.openxmlformats.org/presentationml/2006/main">
+<p:sld xmlns:a="http://schemas.openxmlformats.org/drawingml/2006/main" xmlns:r="http://schemas.openxmlformats.org/officeDocument/2006/relationships" xmlns:p="http://schemas.openxmlformats.org/presentationml/2006/main" show="0">
   <p:cSld>
     <p:spTree>
       <p:nvGrpSpPr>
@@ -18838,8 +18838,8 @@
         </p:nvSpPr>
         <p:spPr bwMode="auto">
           <a:xfrm>
-            <a:off x="36512" y="1071563"/>
-            <a:ext cx="9144000" cy="5572125"/>
+            <a:off x="179512" y="1071563"/>
+            <a:ext cx="8964488" cy="5572125"/>
           </a:xfrm>
           <a:prstGeom prst="rect">
             <a:avLst/>
@@ -19494,7 +19494,7 @@
 </file>
 
 <file path=ppt/slides/slide2.xml><?xml version="1.0" encoding="utf-8"?>
-<p:sld xmlns:a="http://schemas.openxmlformats.org/drawingml/2006/main" xmlns:r="http://schemas.openxmlformats.org/officeDocument/2006/relationships" xmlns:p="http://schemas.openxmlformats.org/presentationml/2006/main">
+<p:sld xmlns:a="http://schemas.openxmlformats.org/drawingml/2006/main" xmlns:r="http://schemas.openxmlformats.org/officeDocument/2006/relationships" xmlns:p="http://schemas.openxmlformats.org/presentationml/2006/main" show="0">
   <p:cSld>
     <p:spTree>
       <p:nvGrpSpPr>
@@ -27592,7 +27592,23 @@
                 <a:ea typeface="WenQuanYi Micro Hei" charset="0"/>
                 <a:cs typeface="Calibri" pitchFamily="34" charset="0"/>
               </a:rPr>
-              <a:t> pojedinaca u nekoj kategoriji koji su bili mobilni (uzlazno i silazno)</a:t>
+              <a:t> </a:t>
+            </a:r>
+            <a:r>
+              <a:rPr lang="hr-HR" sz="2400" u="sng" dirty="0" smtClean="0">
+                <a:latin typeface="Calibri" pitchFamily="34" charset="0"/>
+                <a:ea typeface="WenQuanYi Micro Hei" charset="0"/>
+                <a:cs typeface="Calibri" pitchFamily="34" charset="0"/>
+              </a:rPr>
+              <a:t>pojedinaca</a:t>
+            </a:r>
+            <a:r>
+              <a:rPr lang="hr-HR" sz="2400" dirty="0" smtClean="0">
+                <a:latin typeface="Calibri" pitchFamily="34" charset="0"/>
+                <a:ea typeface="WenQuanYi Micro Hei" charset="0"/>
+                <a:cs typeface="Calibri" pitchFamily="34" charset="0"/>
+              </a:rPr>
+              <a:t> u nekoj kategoriji koji su bili mobilni (uzlazno i silazno)</a:t>
             </a:r>
             <a:r>
               <a:rPr lang="hr-HR" sz="2400" b="1" dirty="0" smtClean="0">
@@ -27766,7 +27782,23 @@
                 <a:ea typeface="WenQuanYi Micro Hei" charset="0"/>
                 <a:cs typeface="Calibri" pitchFamily="34" charset="0"/>
               </a:rPr>
-              <a:t> jedne dr. grupe u odnosu na drugu</a:t>
+              <a:t> jedne </a:t>
+            </a:r>
+            <a:r>
+              <a:rPr lang="hr-HR" sz="2400" u="sng" dirty="0" smtClean="0">
+                <a:latin typeface="Calibri" pitchFamily="34" charset="0"/>
+                <a:ea typeface="WenQuanYi Micro Hei" charset="0"/>
+                <a:cs typeface="Calibri" pitchFamily="34" charset="0"/>
+              </a:rPr>
+              <a:t>dr. grupe</a:t>
+            </a:r>
+            <a:r>
+              <a:rPr lang="hr-HR" sz="2400" dirty="0" smtClean="0">
+                <a:latin typeface="Calibri" pitchFamily="34" charset="0"/>
+                <a:ea typeface="WenQuanYi Micro Hei" charset="0"/>
+                <a:cs typeface="Calibri" pitchFamily="34" charset="0"/>
+              </a:rPr>
+              <a:t> u odnosu na drugu</a:t>
             </a:r>
             <a:r>
               <a:rPr lang="hr-HR" sz="2400" b="1" dirty="0" smtClean="0">
@@ -28701,313 +28733,15 @@
   <p:timing>
     <p:tnLst>
       <p:par>
-        <p:cTn id="1" dur="indefinite" restart="never" nodeType="tmRoot">
-          <p:childTnLst>
-            <p:seq concurrent="1" nextAc="seek">
-              <p:cTn id="2" dur="indefinite" nodeType="mainSeq">
-                <p:childTnLst>
-                  <p:par>
-                    <p:cTn id="3" fill="hold">
-                      <p:stCondLst>
-                        <p:cond delay="indefinite"/>
-                        <p:cond evt="onBegin" delay="0">
-                          <p:tn val="2"/>
-                        </p:cond>
-                      </p:stCondLst>
-                      <p:childTnLst>
-                        <p:par>
-                          <p:cTn id="4" fill="hold">
-                            <p:stCondLst>
-                              <p:cond delay="0"/>
-                            </p:stCondLst>
-                            <p:childTnLst>
-                              <p:par>
-                                <p:cTn id="5" presetID="10" presetClass="entr" presetSubtype="0" fill="hold" grpId="0" nodeType="afterEffect">
-                                  <p:stCondLst>
-                                    <p:cond delay="0"/>
-                                  </p:stCondLst>
-                                  <p:childTnLst>
-                                    <p:set>
-                                      <p:cBhvr>
-                                        <p:cTn id="6" dur="1" fill="hold">
-                                          <p:stCondLst>
-                                            <p:cond delay="0"/>
-                                          </p:stCondLst>
-                                        </p:cTn>
-                                        <p:tgtEl>
-                                          <p:spTgt spid="4">
-                                            <p:txEl>
-                                              <p:pRg st="0" end="0"/>
-                                            </p:txEl>
-                                          </p:spTgt>
-                                        </p:tgtEl>
-                                        <p:attrNameLst>
-                                          <p:attrName>style.visibility</p:attrName>
-                                        </p:attrNameLst>
-                                      </p:cBhvr>
-                                      <p:to>
-                                        <p:strVal val="visible"/>
-                                      </p:to>
-                                    </p:set>
-                                    <p:animEffect transition="in" filter="fade">
-                                      <p:cBhvr>
-                                        <p:cTn id="7" dur="250"/>
-                                        <p:tgtEl>
-                                          <p:spTgt spid="4">
-                                            <p:txEl>
-                                              <p:pRg st="0" end="0"/>
-                                            </p:txEl>
-                                          </p:spTgt>
-                                        </p:tgtEl>
-                                      </p:cBhvr>
-                                    </p:animEffect>
-                                  </p:childTnLst>
-                                </p:cTn>
-                              </p:par>
-                              <p:par>
-                                <p:cTn id="8" presetID="10" presetClass="entr" presetSubtype="0" fill="hold" grpId="0" nodeType="withEffect">
-                                  <p:stCondLst>
-                                    <p:cond delay="0"/>
-                                  </p:stCondLst>
-                                  <p:childTnLst>
-                                    <p:set>
-                                      <p:cBhvr>
-                                        <p:cTn id="9" dur="1" fill="hold">
-                                          <p:stCondLst>
-                                            <p:cond delay="0"/>
-                                          </p:stCondLst>
-                                        </p:cTn>
-                                        <p:tgtEl>
-                                          <p:spTgt spid="4">
-                                            <p:txEl>
-                                              <p:pRg st="1" end="1"/>
-                                            </p:txEl>
-                                          </p:spTgt>
-                                        </p:tgtEl>
-                                        <p:attrNameLst>
-                                          <p:attrName>style.visibility</p:attrName>
-                                        </p:attrNameLst>
-                                      </p:cBhvr>
-                                      <p:to>
-                                        <p:strVal val="visible"/>
-                                      </p:to>
-                                    </p:set>
-                                    <p:animEffect transition="in" filter="fade">
-                                      <p:cBhvr>
-                                        <p:cTn id="10" dur="250"/>
-                                        <p:tgtEl>
-                                          <p:spTgt spid="4">
-                                            <p:txEl>
-                                              <p:pRg st="1" end="1"/>
-                                            </p:txEl>
-                                          </p:spTgt>
-                                        </p:tgtEl>
-                                      </p:cBhvr>
-                                    </p:animEffect>
-                                  </p:childTnLst>
-                                </p:cTn>
-                              </p:par>
-                            </p:childTnLst>
-                          </p:cTn>
-                        </p:par>
-                      </p:childTnLst>
-                    </p:cTn>
-                  </p:par>
-                  <p:par>
-                    <p:cTn id="11" fill="hold">
-                      <p:stCondLst>
-                        <p:cond delay="indefinite"/>
-                      </p:stCondLst>
-                      <p:childTnLst>
-                        <p:par>
-                          <p:cTn id="12" fill="hold">
-                            <p:stCondLst>
-                              <p:cond delay="0"/>
-                            </p:stCondLst>
-                            <p:childTnLst>
-                              <p:par>
-                                <p:cTn id="13" presetID="10" presetClass="entr" presetSubtype="0" fill="hold" grpId="0" nodeType="clickEffect">
-                                  <p:stCondLst>
-                                    <p:cond delay="0"/>
-                                  </p:stCondLst>
-                                  <p:childTnLst>
-                                    <p:set>
-                                      <p:cBhvr>
-                                        <p:cTn id="14" dur="1" fill="hold">
-                                          <p:stCondLst>
-                                            <p:cond delay="0"/>
-                                          </p:stCondLst>
-                                        </p:cTn>
-                                        <p:tgtEl>
-                                          <p:spTgt spid="4">
-                                            <p:txEl>
-                                              <p:pRg st="2" end="2"/>
-                                            </p:txEl>
-                                          </p:spTgt>
-                                        </p:tgtEl>
-                                        <p:attrNameLst>
-                                          <p:attrName>style.visibility</p:attrName>
-                                        </p:attrNameLst>
-                                      </p:cBhvr>
-                                      <p:to>
-                                        <p:strVal val="visible"/>
-                                      </p:to>
-                                    </p:set>
-                                    <p:animEffect transition="in" filter="fade">
-                                      <p:cBhvr>
-                                        <p:cTn id="15" dur="250"/>
-                                        <p:tgtEl>
-                                          <p:spTgt spid="4">
-                                            <p:txEl>
-                                              <p:pRg st="2" end="2"/>
-                                            </p:txEl>
-                                          </p:spTgt>
-                                        </p:tgtEl>
-                                      </p:cBhvr>
-                                    </p:animEffect>
-                                  </p:childTnLst>
-                                </p:cTn>
-                              </p:par>
-                              <p:par>
-                                <p:cTn id="16" presetID="10" presetClass="entr" presetSubtype="0" fill="hold" grpId="0" nodeType="withEffect">
-                                  <p:stCondLst>
-                                    <p:cond delay="0"/>
-                                  </p:stCondLst>
-                                  <p:childTnLst>
-                                    <p:set>
-                                      <p:cBhvr>
-                                        <p:cTn id="17" dur="1" fill="hold">
-                                          <p:stCondLst>
-                                            <p:cond delay="0"/>
-                                          </p:stCondLst>
-                                        </p:cTn>
-                                        <p:tgtEl>
-                                          <p:spTgt spid="4">
-                                            <p:txEl>
-                                              <p:pRg st="3" end="3"/>
-                                            </p:txEl>
-                                          </p:spTgt>
-                                        </p:tgtEl>
-                                        <p:attrNameLst>
-                                          <p:attrName>style.visibility</p:attrName>
-                                        </p:attrNameLst>
-                                      </p:cBhvr>
-                                      <p:to>
-                                        <p:strVal val="visible"/>
-                                      </p:to>
-                                    </p:set>
-                                    <p:animEffect transition="in" filter="fade">
-                                      <p:cBhvr>
-                                        <p:cTn id="18" dur="250"/>
-                                        <p:tgtEl>
-                                          <p:spTgt spid="4">
-                                            <p:txEl>
-                                              <p:pRg st="3" end="3"/>
-                                            </p:txEl>
-                                          </p:spTgt>
-                                        </p:tgtEl>
-                                      </p:cBhvr>
-                                    </p:animEffect>
-                                  </p:childTnLst>
-                                </p:cTn>
-                              </p:par>
-                            </p:childTnLst>
-                          </p:cTn>
-                        </p:par>
-                      </p:childTnLst>
-                    </p:cTn>
-                  </p:par>
-                  <p:par>
-                    <p:cTn id="19" fill="hold">
-                      <p:stCondLst>
-                        <p:cond delay="indefinite"/>
-                      </p:stCondLst>
-                      <p:childTnLst>
-                        <p:par>
-                          <p:cTn id="20" fill="hold">
-                            <p:stCondLst>
-                              <p:cond delay="0"/>
-                            </p:stCondLst>
-                            <p:childTnLst>
-                              <p:par>
-                                <p:cTn id="21" presetID="10" presetClass="entr" presetSubtype="0" fill="hold" grpId="0" nodeType="clickEffect">
-                                  <p:stCondLst>
-                                    <p:cond delay="0"/>
-                                  </p:stCondLst>
-                                  <p:childTnLst>
-                                    <p:set>
-                                      <p:cBhvr>
-                                        <p:cTn id="22" dur="1" fill="hold">
-                                          <p:stCondLst>
-                                            <p:cond delay="0"/>
-                                          </p:stCondLst>
-                                        </p:cTn>
-                                        <p:tgtEl>
-                                          <p:spTgt spid="4">
-                                            <p:txEl>
-                                              <p:pRg st="4" end="4"/>
-                                            </p:txEl>
-                                          </p:spTgt>
-                                        </p:tgtEl>
-                                        <p:attrNameLst>
-                                          <p:attrName>style.visibility</p:attrName>
-                                        </p:attrNameLst>
-                                      </p:cBhvr>
-                                      <p:to>
-                                        <p:strVal val="visible"/>
-                                      </p:to>
-                                    </p:set>
-                                    <p:animEffect transition="in" filter="fade">
-                                      <p:cBhvr>
-                                        <p:cTn id="23" dur="250"/>
-                                        <p:tgtEl>
-                                          <p:spTgt spid="4">
-                                            <p:txEl>
-                                              <p:pRg st="4" end="4"/>
-                                            </p:txEl>
-                                          </p:spTgt>
-                                        </p:tgtEl>
-                                      </p:cBhvr>
-                                    </p:animEffect>
-                                  </p:childTnLst>
-                                </p:cTn>
-                              </p:par>
-                            </p:childTnLst>
-                          </p:cTn>
-                        </p:par>
-                      </p:childTnLst>
-                    </p:cTn>
-                  </p:par>
-                </p:childTnLst>
-              </p:cTn>
-              <p:prevCondLst>
-                <p:cond evt="onPrev" delay="0">
-                  <p:tgtEl>
-                    <p:sldTgt/>
-                  </p:tgtEl>
-                </p:cond>
-              </p:prevCondLst>
-              <p:nextCondLst>
-                <p:cond evt="onNext" delay="0">
-                  <p:tgtEl>
-                    <p:sldTgt/>
-                  </p:tgtEl>
-                </p:cond>
-              </p:nextCondLst>
-            </p:seq>
-          </p:childTnLst>
-        </p:cTn>
+        <p:cTn id="1" dur="indefinite" restart="never" nodeType="tmRoot"/>
       </p:par>
     </p:tnLst>
-    <p:bldLst>
-      <p:bldP spid="4" grpId="0" build="p"/>
-    </p:bldLst>
   </p:timing>
 </p:sld>
 </file>
 
 <file path=ppt/slides/slide3.xml><?xml version="1.0" encoding="utf-8"?>
-<p:sld xmlns:a="http://schemas.openxmlformats.org/drawingml/2006/main" xmlns:r="http://schemas.openxmlformats.org/officeDocument/2006/relationships" xmlns:p="http://schemas.openxmlformats.org/presentationml/2006/main">
+<p:sld xmlns:a="http://schemas.openxmlformats.org/drawingml/2006/main" xmlns:r="http://schemas.openxmlformats.org/officeDocument/2006/relationships" xmlns:p="http://schemas.openxmlformats.org/presentationml/2006/main" show="0">
   <p:cSld>
     <p:spTree>
       <p:nvGrpSpPr>
@@ -29524,18 +29258,7 @@
                 <a:ea typeface="WenQuanYi Micro Hei" charset="0"/>
                 <a:cs typeface="Calibri" pitchFamily="34" charset="0"/>
               </a:rPr>
-              <a:t> </a:t>
-            </a:r>
-            <a:r>
-              <a:rPr lang="en-US" sz="2400" dirty="0" smtClean="0">
-                <a:solidFill>
-                  <a:srgbClr val="FFFFFF"/>
-                </a:solidFill>
-                <a:latin typeface="Calibri" pitchFamily="34" charset="0"/>
-                <a:ea typeface="WenQuanYi Micro Hei" charset="0"/>
-                <a:cs typeface="Calibri" pitchFamily="34" charset="0"/>
-              </a:rPr>
-              <a:t>prava</a:t>
+              <a:t> prava</a:t>
             </a:r>
             <a:r>
               <a:rPr lang="hr-HR" sz="2400" dirty="0" smtClean="0">
@@ -30285,7 +30008,7 @@
 </file>
 
 <file path=ppt/slides/slide4.xml><?xml version="1.0" encoding="utf-8"?>
-<p:sld xmlns:a="http://schemas.openxmlformats.org/drawingml/2006/main" xmlns:r="http://schemas.openxmlformats.org/officeDocument/2006/relationships" xmlns:p="http://schemas.openxmlformats.org/presentationml/2006/main">
+<p:sld xmlns:a="http://schemas.openxmlformats.org/drawingml/2006/main" xmlns:r="http://schemas.openxmlformats.org/officeDocument/2006/relationships" xmlns:p="http://schemas.openxmlformats.org/presentationml/2006/main" show="0">
   <p:cSld>
     <p:spTree>
       <p:nvGrpSpPr>
@@ -32325,7 +32048,7 @@
 </file>
 
 <file path=ppt/slides/slide5.xml><?xml version="1.0" encoding="utf-8"?>
-<p:sld xmlns:a="http://schemas.openxmlformats.org/drawingml/2006/main" xmlns:r="http://schemas.openxmlformats.org/officeDocument/2006/relationships" xmlns:p="http://schemas.openxmlformats.org/presentationml/2006/main">
+<p:sld xmlns:a="http://schemas.openxmlformats.org/drawingml/2006/main" xmlns:r="http://schemas.openxmlformats.org/officeDocument/2006/relationships" xmlns:p="http://schemas.openxmlformats.org/presentationml/2006/main" show="0">
   <p:cSld>
     <p:spTree>
       <p:nvGrpSpPr>
@@ -34870,7 +34593,7 @@
 </file>
 
 <file path=ppt/slides/slide6.xml><?xml version="1.0" encoding="utf-8"?>
-<p:sld xmlns:a="http://schemas.openxmlformats.org/drawingml/2006/main" xmlns:r="http://schemas.openxmlformats.org/officeDocument/2006/relationships" xmlns:p="http://schemas.openxmlformats.org/presentationml/2006/main">
+<p:sld xmlns:a="http://schemas.openxmlformats.org/drawingml/2006/main" xmlns:r="http://schemas.openxmlformats.org/officeDocument/2006/relationships" xmlns:p="http://schemas.openxmlformats.org/presentationml/2006/main" show="0">
   <p:cSld>
     <p:spTree>
       <p:nvGrpSpPr>
@@ -36371,7 +36094,7 @@
 </file>
 
 <file path=ppt/slides/slide7.xml><?xml version="1.0" encoding="utf-8"?>
-<p:sld xmlns:a="http://schemas.openxmlformats.org/drawingml/2006/main" xmlns:r="http://schemas.openxmlformats.org/officeDocument/2006/relationships" xmlns:p="http://schemas.openxmlformats.org/presentationml/2006/main">
+<p:sld xmlns:a="http://schemas.openxmlformats.org/drawingml/2006/main" xmlns:r="http://schemas.openxmlformats.org/officeDocument/2006/relationships" xmlns:p="http://schemas.openxmlformats.org/presentationml/2006/main" show="0">
   <p:cSld>
     <p:spTree>
       <p:nvGrpSpPr>
@@ -37602,7 +37325,7 @@
 </file>
 
 <file path=ppt/slides/slide8.xml><?xml version="1.0" encoding="utf-8"?>
-<p:sld xmlns:a="http://schemas.openxmlformats.org/drawingml/2006/main" xmlns:r="http://schemas.openxmlformats.org/officeDocument/2006/relationships" xmlns:p="http://schemas.openxmlformats.org/presentationml/2006/main">
+<p:sld xmlns:a="http://schemas.openxmlformats.org/drawingml/2006/main" xmlns:r="http://schemas.openxmlformats.org/officeDocument/2006/relationships" xmlns:p="http://schemas.openxmlformats.org/presentationml/2006/main" show="0">
   <p:cSld>
     <p:spTree>
       <p:nvGrpSpPr>
@@ -38366,7 +38089,7 @@
 </file>
 
 <file path=ppt/slides/slide9.xml><?xml version="1.0" encoding="utf-8"?>
-<p:sld xmlns:a="http://schemas.openxmlformats.org/drawingml/2006/main" xmlns:r="http://schemas.openxmlformats.org/officeDocument/2006/relationships" xmlns:p="http://schemas.openxmlformats.org/presentationml/2006/main">
+<p:sld xmlns:a="http://schemas.openxmlformats.org/drawingml/2006/main" xmlns:r="http://schemas.openxmlformats.org/officeDocument/2006/relationships" xmlns:p="http://schemas.openxmlformats.org/presentationml/2006/main" show="0">
   <p:cSld>
     <p:spTree>
       <p:nvGrpSpPr>

--- a/data/pptx/007_dr_nejednakosti_i_stratifikacija.pptx
+++ b/data/pptx/007_dr_nejednakosti_i_stratifikacija.pptx
@@ -221,7 +221,7 @@
             <a:fld id="{0DE5D643-D875-49BA-AC11-2E81D3EFA866}" type="datetimeFigureOut">
               <a:rPr lang="sr-Latn-CS" smtClean="0"/>
               <a:pPr/>
-              <a:t>4.3.2019.</a:t>
+              <a:t>17.3.2019.</a:t>
             </a:fld>
             <a:endParaRPr lang="hr-HR" dirty="0"/>
           </a:p>
@@ -388,7 +388,7 @@
             <a:fld id="{6CCAC008-3BA1-4F57-A152-90474F7AC888}" type="datetimeFigureOut">
               <a:rPr lang="sr-Latn-CS" smtClean="0"/>
               <a:pPr/>
-              <a:t>4.3.2019.</a:t>
+              <a:t>17.3.2019.</a:t>
             </a:fld>
             <a:endParaRPr lang="hr-HR" dirty="0"/>
           </a:p>
@@ -833,7 +833,7 @@
             <a:fld id="{7CB97365-EBCA-4027-87D5-99FC1D4DF0BB}" type="datetimeFigureOut">
               <a:rPr lang="en-US" smtClean="0"/>
               <a:pPr/>
-              <a:t>3/4/2019</a:t>
+              <a:t>3/17/2019</a:t>
             </a:fld>
             <a:endParaRPr lang="en-US"/>
           </a:p>
@@ -1012,7 +1012,7 @@
             <a:fld id="{7CB97365-EBCA-4027-87D5-99FC1D4DF0BB}" type="datetimeFigureOut">
               <a:rPr lang="en-US" smtClean="0"/>
               <a:pPr/>
-              <a:t>3/4/2019</a:t>
+              <a:t>3/17/2019</a:t>
             </a:fld>
             <a:endParaRPr lang="en-US"/>
           </a:p>
@@ -1201,7 +1201,7 @@
             <a:fld id="{7CB97365-EBCA-4027-87D5-99FC1D4DF0BB}" type="datetimeFigureOut">
               <a:rPr lang="en-US" smtClean="0"/>
               <a:pPr/>
-              <a:t>3/4/2019</a:t>
+              <a:t>3/17/2019</a:t>
             </a:fld>
             <a:endParaRPr lang="en-US"/>
           </a:p>
@@ -1475,7 +1475,7 @@
             <a:fld id="{7CB97365-EBCA-4027-87D5-99FC1D4DF0BB}" type="datetimeFigureOut">
               <a:rPr lang="en-US" smtClean="0"/>
               <a:pPr/>
-              <a:t>3/4/2019</a:t>
+              <a:t>3/17/2019</a:t>
             </a:fld>
             <a:endParaRPr lang="en-US"/>
           </a:p>
@@ -1761,7 +1761,7 @@
             <a:fld id="{7CB97365-EBCA-4027-87D5-99FC1D4DF0BB}" type="datetimeFigureOut">
               <a:rPr lang="en-US" smtClean="0"/>
               <a:pPr/>
-              <a:t>3/4/2019</a:t>
+              <a:t>3/17/2019</a:t>
             </a:fld>
             <a:endParaRPr lang="en-US"/>
           </a:p>
@@ -2113,7 +2113,7 @@
             <a:fld id="{7CB97365-EBCA-4027-87D5-99FC1D4DF0BB}" type="datetimeFigureOut">
               <a:rPr lang="en-US" smtClean="0"/>
               <a:pPr/>
-              <a:t>3/4/2019</a:t>
+              <a:t>3/17/2019</a:t>
             </a:fld>
             <a:endParaRPr lang="en-US"/>
           </a:p>
@@ -2536,7 +2536,7 @@
             <a:fld id="{7CB97365-EBCA-4027-87D5-99FC1D4DF0BB}" type="datetimeFigureOut">
               <a:rPr lang="en-US" smtClean="0"/>
               <a:pPr/>
-              <a:t>3/4/2019</a:t>
+              <a:t>3/17/2019</a:t>
             </a:fld>
             <a:endParaRPr lang="en-US"/>
           </a:p>
@@ -2663,7 +2663,7 @@
             <a:fld id="{7CB97365-EBCA-4027-87D5-99FC1D4DF0BB}" type="datetimeFigureOut">
               <a:rPr lang="en-US" smtClean="0"/>
               <a:pPr/>
-              <a:t>3/4/2019</a:t>
+              <a:t>3/17/2019</a:t>
             </a:fld>
             <a:endParaRPr lang="en-US"/>
           </a:p>
@@ -2767,7 +2767,7 @@
             <a:fld id="{7CB97365-EBCA-4027-87D5-99FC1D4DF0BB}" type="datetimeFigureOut">
               <a:rPr lang="en-US" smtClean="0"/>
               <a:pPr/>
-              <a:t>3/4/2019</a:t>
+              <a:t>3/17/2019</a:t>
             </a:fld>
             <a:endParaRPr lang="en-US"/>
           </a:p>
@@ -3039,7 +3039,7 @@
             <a:fld id="{7CB97365-EBCA-4027-87D5-99FC1D4DF0BB}" type="datetimeFigureOut">
               <a:rPr lang="en-US" smtClean="0"/>
               <a:pPr/>
-              <a:t>3/4/2019</a:t>
+              <a:t>3/17/2019</a:t>
             </a:fld>
             <a:endParaRPr lang="en-US"/>
           </a:p>
@@ -3305,7 +3305,7 @@
             <a:fld id="{7CB97365-EBCA-4027-87D5-99FC1D4DF0BB}" type="datetimeFigureOut">
               <a:rPr lang="en-US" smtClean="0"/>
               <a:pPr/>
-              <a:t>3/4/2019</a:t>
+              <a:t>3/17/2019</a:t>
             </a:fld>
             <a:endParaRPr lang="en-US"/>
           </a:p>
@@ -3548,7 +3548,7 @@
             <a:fld id="{7CB97365-EBCA-4027-87D5-99FC1D4DF0BB}" type="datetimeFigureOut">
               <a:rPr lang="en-US" smtClean="0"/>
               <a:pPr/>
-              <a:t>3/4/2019</a:t>
+              <a:t>3/17/2019</a:t>
             </a:fld>
             <a:endParaRPr lang="en-US">
               <a:solidFill>
@@ -4104,7 +4104,7 @@
 </file>
 
 <file path=ppt/slides/slide1.xml><?xml version="1.0" encoding="utf-8"?>
-<p:sld xmlns:a="http://schemas.openxmlformats.org/drawingml/2006/main" xmlns:r="http://schemas.openxmlformats.org/officeDocument/2006/relationships" xmlns:p="http://schemas.openxmlformats.org/presentationml/2006/main" show="0">
+<p:sld xmlns:a="http://schemas.openxmlformats.org/drawingml/2006/main" xmlns:r="http://schemas.openxmlformats.org/officeDocument/2006/relationships" xmlns:p="http://schemas.openxmlformats.org/presentationml/2006/main">
   <p:cSld>
     <p:spTree>
       <p:nvGrpSpPr>
@@ -4358,13 +4358,13 @@
   <p:clrMapOvr>
     <a:masterClrMapping/>
   </p:clrMapOvr>
-  <mc:AlternateContent xmlns:mc="http://schemas.openxmlformats.org/markup-compatibility/2006" xmlns:p14="http://schemas.microsoft.com/office/powerpoint/2010/main">
-    <mc:Choice Requires="p14">
+  <mc:AlternateContent xmlns:mc="http://schemas.openxmlformats.org/markup-compatibility/2006">
+    <mc:Choice xmlns:p14="http://schemas.microsoft.com/office/powerpoint/2010/main" Requires="p14">
       <p:transition>
         <p14:reveal/>
       </p:transition>
     </mc:Choice>
-    <mc:Fallback xmlns="">
+    <mc:Fallback>
       <p:transition>
         <p:fade/>
       </p:transition>
@@ -4499,7 +4499,7 @@
 </file>
 
 <file path=ppt/slides/slide10.xml><?xml version="1.0" encoding="utf-8"?>
-<p:sld xmlns:a="http://schemas.openxmlformats.org/drawingml/2006/main" xmlns:r="http://schemas.openxmlformats.org/officeDocument/2006/relationships" xmlns:p="http://schemas.openxmlformats.org/presentationml/2006/main" show="0">
+<p:sld xmlns:a="http://schemas.openxmlformats.org/drawingml/2006/main" xmlns:r="http://schemas.openxmlformats.org/officeDocument/2006/relationships" xmlns:p="http://schemas.openxmlformats.org/presentationml/2006/main">
   <p:cSld>
     <p:spTree>
       <p:nvGrpSpPr>
@@ -6093,13 +6093,13 @@
   <p:clrMapOvr>
     <a:masterClrMapping/>
   </p:clrMapOvr>
-  <mc:AlternateContent xmlns:mc="http://schemas.openxmlformats.org/markup-compatibility/2006" xmlns:p14="http://schemas.microsoft.com/office/powerpoint/2010/main">
-    <mc:Choice Requires="p14">
+  <mc:AlternateContent xmlns:mc="http://schemas.openxmlformats.org/markup-compatibility/2006">
+    <mc:Choice xmlns:p14="http://schemas.microsoft.com/office/powerpoint/2010/main" Requires="p14">
       <p:transition>
         <p14:reveal/>
       </p:transition>
     </mc:Choice>
-    <mc:Fallback xmlns="">
+    <mc:Fallback>
       <p:transition>
         <p:fade/>
       </p:transition>
@@ -6802,7 +6802,7 @@
 </file>
 
 <file path=ppt/slides/slide11.xml><?xml version="1.0" encoding="utf-8"?>
-<p:sld xmlns:a="http://schemas.openxmlformats.org/drawingml/2006/main" xmlns:r="http://schemas.openxmlformats.org/officeDocument/2006/relationships" xmlns:p="http://schemas.openxmlformats.org/presentationml/2006/main" show="0">
+<p:sld xmlns:a="http://schemas.openxmlformats.org/drawingml/2006/main" xmlns:r="http://schemas.openxmlformats.org/officeDocument/2006/relationships" xmlns:p="http://schemas.openxmlformats.org/presentationml/2006/main">
   <p:cSld>
     <p:spTree>
       <p:nvGrpSpPr>
@@ -7519,13 +7519,13 @@
   <p:clrMapOvr>
     <a:masterClrMapping/>
   </p:clrMapOvr>
-  <mc:AlternateContent xmlns:mc="http://schemas.openxmlformats.org/markup-compatibility/2006" xmlns:p14="http://schemas.microsoft.com/office/powerpoint/2010/main">
-    <mc:Choice Requires="p14">
+  <mc:AlternateContent xmlns:mc="http://schemas.openxmlformats.org/markup-compatibility/2006">
+    <mc:Choice xmlns:p14="http://schemas.microsoft.com/office/powerpoint/2010/main" Requires="p14">
       <p:transition>
         <p14:reveal/>
       </p:transition>
     </mc:Choice>
-    <mc:Fallback xmlns="">
+    <mc:Fallback>
       <p:transition>
         <p:fade/>
       </p:transition>
@@ -7950,7 +7950,7 @@
 </file>
 
 <file path=ppt/slides/slide12.xml><?xml version="1.0" encoding="utf-8"?>
-<p:sld xmlns:a="http://schemas.openxmlformats.org/drawingml/2006/main" xmlns:r="http://schemas.openxmlformats.org/officeDocument/2006/relationships" xmlns:p="http://schemas.openxmlformats.org/presentationml/2006/main" show="0">
+<p:sld xmlns:a="http://schemas.openxmlformats.org/drawingml/2006/main" xmlns:r="http://schemas.openxmlformats.org/officeDocument/2006/relationships" xmlns:p="http://schemas.openxmlformats.org/presentationml/2006/main">
   <p:cSld>
     <p:spTree>
       <p:nvGrpSpPr>
@@ -10299,13 +10299,13 @@
   <p:clrMapOvr>
     <a:masterClrMapping/>
   </p:clrMapOvr>
-  <mc:AlternateContent xmlns:mc="http://schemas.openxmlformats.org/markup-compatibility/2006" xmlns:p14="http://schemas.microsoft.com/office/powerpoint/2010/main">
-    <mc:Choice Requires="p14">
+  <mc:AlternateContent xmlns:mc="http://schemas.openxmlformats.org/markup-compatibility/2006">
+    <mc:Choice xmlns:p14="http://schemas.microsoft.com/office/powerpoint/2010/main" Requires="p14">
       <p:transition>
         <p14:reveal/>
       </p:transition>
     </mc:Choice>
-    <mc:Fallback xmlns="">
+    <mc:Fallback>
       <p:transition>
         <p:fade/>
       </p:transition>
@@ -10322,7 +10322,7 @@
 </file>
 
 <file path=ppt/slides/slide13.xml><?xml version="1.0" encoding="utf-8"?>
-<p:sld xmlns:a="http://schemas.openxmlformats.org/drawingml/2006/main" xmlns:r="http://schemas.openxmlformats.org/officeDocument/2006/relationships" xmlns:p="http://schemas.openxmlformats.org/presentationml/2006/main" show="0">
+<p:sld xmlns:a="http://schemas.openxmlformats.org/drawingml/2006/main" xmlns:r="http://schemas.openxmlformats.org/officeDocument/2006/relationships" xmlns:p="http://schemas.openxmlformats.org/presentationml/2006/main">
   <p:cSld>
     <p:spTree>
       <p:nvGrpSpPr>
@@ -11486,13 +11486,13 @@
   <p:clrMapOvr>
     <a:masterClrMapping/>
   </p:clrMapOvr>
-  <mc:AlternateContent xmlns:mc="http://schemas.openxmlformats.org/markup-compatibility/2006" xmlns:p14="http://schemas.microsoft.com/office/powerpoint/2010/main">
-    <mc:Choice Requires="p14">
+  <mc:AlternateContent xmlns:mc="http://schemas.openxmlformats.org/markup-compatibility/2006">
+    <mc:Choice xmlns:p14="http://schemas.microsoft.com/office/powerpoint/2010/main" Requires="p14">
       <p:transition>
         <p14:reveal/>
       </p:transition>
     </mc:Choice>
-    <mc:Fallback xmlns="">
+    <mc:Fallback>
       <p:transition>
         <p:fade/>
       </p:transition>
@@ -12678,7 +12678,7 @@
 </file>
 
 <file path=ppt/slides/slide14.xml><?xml version="1.0" encoding="utf-8"?>
-<p:sld xmlns:a="http://schemas.openxmlformats.org/drawingml/2006/main" xmlns:r="http://schemas.openxmlformats.org/officeDocument/2006/relationships" xmlns:p="http://schemas.openxmlformats.org/presentationml/2006/main" show="0">
+<p:sld xmlns:a="http://schemas.openxmlformats.org/drawingml/2006/main" xmlns:r="http://schemas.openxmlformats.org/officeDocument/2006/relationships" xmlns:p="http://schemas.openxmlformats.org/presentationml/2006/main">
   <p:cSld>
     <p:spTree>
       <p:nvGrpSpPr>
@@ -13156,13 +13156,13 @@
   <p:clrMapOvr>
     <a:masterClrMapping/>
   </p:clrMapOvr>
-  <mc:AlternateContent xmlns:mc="http://schemas.openxmlformats.org/markup-compatibility/2006" xmlns:p14="http://schemas.microsoft.com/office/powerpoint/2010/main">
-    <mc:Choice Requires="p14">
+  <mc:AlternateContent xmlns:mc="http://schemas.openxmlformats.org/markup-compatibility/2006">
+    <mc:Choice xmlns:p14="http://schemas.microsoft.com/office/powerpoint/2010/main" Requires="p14">
       <p:transition>
         <p14:reveal/>
       </p:transition>
     </mc:Choice>
-    <mc:Fallback xmlns="">
+    <mc:Fallback>
       <p:transition>
         <p:fade/>
       </p:transition>
@@ -14060,13 +14060,13 @@
   <p:clrMapOvr>
     <a:masterClrMapping/>
   </p:clrMapOvr>
-  <mc:AlternateContent xmlns:mc="http://schemas.openxmlformats.org/markup-compatibility/2006" xmlns:p14="http://schemas.microsoft.com/office/powerpoint/2010/main">
-    <mc:Choice Requires="p14">
+  <mc:AlternateContent xmlns:mc="http://schemas.openxmlformats.org/markup-compatibility/2006">
+    <mc:Choice xmlns:p14="http://schemas.microsoft.com/office/powerpoint/2010/main" Requires="p14">
       <p:transition>
         <p14:reveal/>
       </p:transition>
     </mc:Choice>
-    <mc:Fallback xmlns="">
+    <mc:Fallback>
       <p:transition>
         <p:fade/>
       </p:transition>
@@ -14821,7 +14821,7 @@
 </file>
 
 <file path=ppt/slides/slide16.xml><?xml version="1.0" encoding="utf-8"?>
-<p:sld xmlns:a="http://schemas.openxmlformats.org/drawingml/2006/main" xmlns:r="http://schemas.openxmlformats.org/officeDocument/2006/relationships" xmlns:p="http://schemas.openxmlformats.org/presentationml/2006/main" show="0">
+<p:sld xmlns:a="http://schemas.openxmlformats.org/drawingml/2006/main" xmlns:r="http://schemas.openxmlformats.org/officeDocument/2006/relationships" xmlns:p="http://schemas.openxmlformats.org/presentationml/2006/main">
   <p:cSld>
     <p:spTree>
       <p:nvGrpSpPr>
@@ -15632,13 +15632,13 @@
   <p:clrMapOvr>
     <a:masterClrMapping/>
   </p:clrMapOvr>
-  <mc:AlternateContent xmlns:mc="http://schemas.openxmlformats.org/markup-compatibility/2006" xmlns:p14="http://schemas.microsoft.com/office/powerpoint/2010/main">
-    <mc:Choice Requires="p14">
+  <mc:AlternateContent xmlns:mc="http://schemas.openxmlformats.org/markup-compatibility/2006">
+    <mc:Choice xmlns:p14="http://schemas.microsoft.com/office/powerpoint/2010/main" Requires="p14">
       <p:transition>
         <p14:reveal/>
       </p:transition>
     </mc:Choice>
-    <mc:Fallback xmlns="">
+    <mc:Fallback>
       <p:transition>
         <p:fade/>
       </p:transition>
@@ -16055,7 +16055,7 @@
 </file>
 
 <file path=ppt/slides/slide17.xml><?xml version="1.0" encoding="utf-8"?>
-<p:sld xmlns:a="http://schemas.openxmlformats.org/drawingml/2006/main" xmlns:r="http://schemas.openxmlformats.org/officeDocument/2006/relationships" xmlns:p="http://schemas.openxmlformats.org/presentationml/2006/main" show="0">
+<p:sld xmlns:a="http://schemas.openxmlformats.org/drawingml/2006/main" xmlns:r="http://schemas.openxmlformats.org/officeDocument/2006/relationships" xmlns:p="http://schemas.openxmlformats.org/presentationml/2006/main">
   <p:cSld>
     <p:spTree>
       <p:nvGrpSpPr>
@@ -16574,13 +16574,13 @@
   <p:clrMapOvr>
     <a:masterClrMapping/>
   </p:clrMapOvr>
-  <mc:AlternateContent xmlns:mc="http://schemas.openxmlformats.org/markup-compatibility/2006" xmlns:p14="http://schemas.microsoft.com/office/powerpoint/2010/main">
-    <mc:Choice Requires="p14">
+  <mc:AlternateContent xmlns:mc="http://schemas.openxmlformats.org/markup-compatibility/2006">
+    <mc:Choice xmlns:p14="http://schemas.microsoft.com/office/powerpoint/2010/main" Requires="p14">
       <p:transition>
         <p14:reveal/>
       </p:transition>
     </mc:Choice>
-    <mc:Fallback xmlns="">
+    <mc:Fallback>
       <p:transition>
         <p:fade/>
       </p:transition>
@@ -16832,7 +16832,7 @@
 </file>
 
 <file path=ppt/slides/slide18.xml><?xml version="1.0" encoding="utf-8"?>
-<p:sld xmlns:a="http://schemas.openxmlformats.org/drawingml/2006/main" xmlns:r="http://schemas.openxmlformats.org/officeDocument/2006/relationships" xmlns:p="http://schemas.openxmlformats.org/presentationml/2006/main" show="0">
+<p:sld xmlns:a="http://schemas.openxmlformats.org/drawingml/2006/main" xmlns:r="http://schemas.openxmlformats.org/officeDocument/2006/relationships" xmlns:p="http://schemas.openxmlformats.org/presentationml/2006/main">
   <p:cSld>
     <p:spTree>
       <p:nvGrpSpPr>
@@ -18115,13 +18115,13 @@
   <p:clrMapOvr>
     <a:masterClrMapping/>
   </p:clrMapOvr>
-  <mc:AlternateContent xmlns:mc="http://schemas.openxmlformats.org/markup-compatibility/2006" xmlns:p14="http://schemas.microsoft.com/office/powerpoint/2010/main">
-    <mc:Choice Requires="p14">
+  <mc:AlternateContent xmlns:mc="http://schemas.openxmlformats.org/markup-compatibility/2006">
+    <mc:Choice xmlns:p14="http://schemas.microsoft.com/office/powerpoint/2010/main" Requires="p14">
       <p:transition>
         <p14:reveal/>
       </p:transition>
     </mc:Choice>
-    <mc:Fallback xmlns="">
+    <mc:Fallback>
       <p:transition>
         <p:fade/>
       </p:transition>
@@ -18773,7 +18773,7 @@
 </file>
 
 <file path=ppt/slides/slide19.xml><?xml version="1.0" encoding="utf-8"?>
-<p:sld xmlns:a="http://schemas.openxmlformats.org/drawingml/2006/main" xmlns:r="http://schemas.openxmlformats.org/officeDocument/2006/relationships" xmlns:p="http://schemas.openxmlformats.org/presentationml/2006/main" show="0">
+<p:sld xmlns:a="http://schemas.openxmlformats.org/drawingml/2006/main" xmlns:r="http://schemas.openxmlformats.org/officeDocument/2006/relationships" xmlns:p="http://schemas.openxmlformats.org/presentationml/2006/main">
   <p:cSld>
     <p:spTree>
       <p:nvGrpSpPr>
@@ -19280,13 +19280,13 @@
   <p:clrMapOvr>
     <a:masterClrMapping/>
   </p:clrMapOvr>
-  <mc:AlternateContent xmlns:mc="http://schemas.openxmlformats.org/markup-compatibility/2006" xmlns:p14="http://schemas.microsoft.com/office/powerpoint/2010/main">
-    <mc:Choice Requires="p14">
+  <mc:AlternateContent xmlns:mc="http://schemas.openxmlformats.org/markup-compatibility/2006">
+    <mc:Choice xmlns:p14="http://schemas.microsoft.com/office/powerpoint/2010/main" Requires="p14">
       <p:transition>
         <p14:reveal/>
       </p:transition>
     </mc:Choice>
-    <mc:Fallback xmlns="">
+    <mc:Fallback>
       <p:transition>
         <p:fade/>
       </p:transition>
@@ -19494,7 +19494,7 @@
 </file>
 
 <file path=ppt/slides/slide2.xml><?xml version="1.0" encoding="utf-8"?>
-<p:sld xmlns:a="http://schemas.openxmlformats.org/drawingml/2006/main" xmlns:r="http://schemas.openxmlformats.org/officeDocument/2006/relationships" xmlns:p="http://schemas.openxmlformats.org/presentationml/2006/main" show="0">
+<p:sld xmlns:a="http://schemas.openxmlformats.org/drawingml/2006/main" xmlns:r="http://schemas.openxmlformats.org/officeDocument/2006/relationships" xmlns:p="http://schemas.openxmlformats.org/presentationml/2006/main">
   <p:cSld>
     <p:spTree>
       <p:nvGrpSpPr>
@@ -19916,13 +19916,13 @@
   <p:clrMapOvr>
     <a:masterClrMapping/>
   </p:clrMapOvr>
-  <mc:AlternateContent xmlns:mc="http://schemas.openxmlformats.org/markup-compatibility/2006" xmlns:p14="http://schemas.microsoft.com/office/powerpoint/2010/main">
-    <mc:Choice Requires="p14">
+  <mc:AlternateContent xmlns:mc="http://schemas.openxmlformats.org/markup-compatibility/2006">
+    <mc:Choice xmlns:p14="http://schemas.microsoft.com/office/powerpoint/2010/main" Requires="p14">
       <p:transition>
         <p14:reveal/>
       </p:transition>
     </mc:Choice>
-    <mc:Fallback xmlns="">
+    <mc:Fallback>
       <p:transition>
         <p:fade/>
       </p:transition>
@@ -21966,13 +21966,13 @@
   <p:clrMapOvr>
     <a:masterClrMapping/>
   </p:clrMapOvr>
-  <mc:AlternateContent xmlns:mc="http://schemas.openxmlformats.org/markup-compatibility/2006" xmlns:p14="http://schemas.microsoft.com/office/powerpoint/2010/main">
-    <mc:Choice Requires="p14">
+  <mc:AlternateContent xmlns:mc="http://schemas.openxmlformats.org/markup-compatibility/2006">
+    <mc:Choice xmlns:p14="http://schemas.microsoft.com/office/powerpoint/2010/main" Requires="p14">
       <p:transition>
         <p14:reveal/>
       </p:transition>
     </mc:Choice>
-    <mc:Fallback xmlns="">
+    <mc:Fallback>
       <p:transition>
         <p:fade/>
       </p:transition>
@@ -22982,7 +22982,7 @@
 </file>
 
 <file path=ppt/slides/slide21.xml><?xml version="1.0" encoding="utf-8"?>
-<p:sld xmlns:a="http://schemas.openxmlformats.org/drawingml/2006/main" xmlns:r="http://schemas.openxmlformats.org/officeDocument/2006/relationships" xmlns:p="http://schemas.openxmlformats.org/presentationml/2006/main" show="0">
+<p:sld xmlns:a="http://schemas.openxmlformats.org/drawingml/2006/main" xmlns:r="http://schemas.openxmlformats.org/officeDocument/2006/relationships" xmlns:p="http://schemas.openxmlformats.org/presentationml/2006/main">
   <p:cSld>
     <p:spTree>
       <p:nvGrpSpPr>
@@ -23783,13 +23783,13 @@
   <p:clrMapOvr>
     <a:masterClrMapping/>
   </p:clrMapOvr>
-  <mc:AlternateContent xmlns:mc="http://schemas.openxmlformats.org/markup-compatibility/2006" xmlns:p14="http://schemas.microsoft.com/office/powerpoint/2010/main">
-    <mc:Choice Requires="p14">
+  <mc:AlternateContent xmlns:mc="http://schemas.openxmlformats.org/markup-compatibility/2006">
+    <mc:Choice xmlns:p14="http://schemas.microsoft.com/office/powerpoint/2010/main" Requires="p14">
       <p:transition>
         <p14:reveal/>
       </p:transition>
     </mc:Choice>
-    <mc:Fallback xmlns="">
+    <mc:Fallback>
       <p:transition>
         <p:fade/>
       </p:transition>
@@ -24361,7 +24361,7 @@
 </file>
 
 <file path=ppt/slides/slide22.xml><?xml version="1.0" encoding="utf-8"?>
-<p:sld xmlns:a="http://schemas.openxmlformats.org/drawingml/2006/main" xmlns:r="http://schemas.openxmlformats.org/officeDocument/2006/relationships" xmlns:p="http://schemas.openxmlformats.org/presentationml/2006/main" show="0">
+<p:sld xmlns:a="http://schemas.openxmlformats.org/drawingml/2006/main" xmlns:r="http://schemas.openxmlformats.org/officeDocument/2006/relationships" xmlns:p="http://schemas.openxmlformats.org/presentationml/2006/main">
   <p:cSld>
     <p:spTree>
       <p:nvGrpSpPr>
@@ -24918,13 +24918,13 @@
   <p:clrMapOvr>
     <a:masterClrMapping/>
   </p:clrMapOvr>
-  <mc:AlternateContent xmlns:mc="http://schemas.openxmlformats.org/markup-compatibility/2006" xmlns:p14="http://schemas.microsoft.com/office/powerpoint/2010/main">
-    <mc:Choice Requires="p14">
+  <mc:AlternateContent xmlns:mc="http://schemas.openxmlformats.org/markup-compatibility/2006">
+    <mc:Choice xmlns:p14="http://schemas.microsoft.com/office/powerpoint/2010/main" Requires="p14">
       <p:transition>
         <p14:reveal/>
       </p:transition>
     </mc:Choice>
-    <mc:Fallback xmlns="">
+    <mc:Fallback>
       <p:transition>
         <p:fade/>
       </p:transition>
@@ -25948,13 +25948,13 @@
   <p:clrMapOvr>
     <a:masterClrMapping/>
   </p:clrMapOvr>
-  <mc:AlternateContent xmlns:mc="http://schemas.openxmlformats.org/markup-compatibility/2006" xmlns:p14="http://schemas.microsoft.com/office/powerpoint/2010/main">
-    <mc:Choice Requires="p14">
+  <mc:AlternateContent xmlns:mc="http://schemas.openxmlformats.org/markup-compatibility/2006">
+    <mc:Choice xmlns:p14="http://schemas.microsoft.com/office/powerpoint/2010/main" Requires="p14">
       <p:transition>
         <p14:reveal/>
       </p:transition>
     </mc:Choice>
-    <mc:Fallback xmlns="">
+    <mc:Fallback>
       <p:transition>
         <p:fade/>
       </p:transition>
@@ -27085,13 +27085,13 @@
   <p:clrMapOvr>
     <a:masterClrMapping/>
   </p:clrMapOvr>
-  <mc:AlternateContent xmlns:mc="http://schemas.openxmlformats.org/markup-compatibility/2006" xmlns:p14="http://schemas.microsoft.com/office/powerpoint/2010/main">
-    <mc:Choice Requires="p14">
+  <mc:AlternateContent xmlns:mc="http://schemas.openxmlformats.org/markup-compatibility/2006">
+    <mc:Choice xmlns:p14="http://schemas.microsoft.com/office/powerpoint/2010/main" Requires="p14">
       <p:transition>
         <p14:reveal/>
       </p:transition>
     </mc:Choice>
-    <mc:Fallback xmlns="">
+    <mc:Fallback>
       <p:transition>
         <p:fade/>
       </p:transition>
@@ -27973,13 +27973,13 @@
   <p:clrMapOvr>
     <a:masterClrMapping/>
   </p:clrMapOvr>
-  <mc:AlternateContent xmlns:mc="http://schemas.openxmlformats.org/markup-compatibility/2006" xmlns:p14="http://schemas.microsoft.com/office/powerpoint/2010/main">
-    <mc:Choice Requires="p14">
+  <mc:AlternateContent xmlns:mc="http://schemas.openxmlformats.org/markup-compatibility/2006">
+    <mc:Choice xmlns:p14="http://schemas.microsoft.com/office/powerpoint/2010/main" Requires="p14">
       <p:transition>
         <p14:reveal/>
       </p:transition>
     </mc:Choice>
-    <mc:Fallback xmlns="">
+    <mc:Fallback>
       <p:transition>
         <p:fade/>
       </p:transition>
@@ -28718,13 +28718,13 @@
   <p:clrMapOvr>
     <a:masterClrMapping/>
   </p:clrMapOvr>
-  <mc:AlternateContent xmlns:mc="http://schemas.openxmlformats.org/markup-compatibility/2006" xmlns:p14="http://schemas.microsoft.com/office/powerpoint/2010/main">
-    <mc:Choice Requires="p14">
+  <mc:AlternateContent xmlns:mc="http://schemas.openxmlformats.org/markup-compatibility/2006">
+    <mc:Choice xmlns:p14="http://schemas.microsoft.com/office/powerpoint/2010/main" Requires="p14">
       <p:transition>
         <p14:reveal/>
       </p:transition>
     </mc:Choice>
-    <mc:Fallback xmlns="">
+    <mc:Fallback>
       <p:transition>
         <p:fade/>
       </p:transition>
@@ -28741,7 +28741,7 @@
 </file>
 
 <file path=ppt/slides/slide3.xml><?xml version="1.0" encoding="utf-8"?>
-<p:sld xmlns:a="http://schemas.openxmlformats.org/drawingml/2006/main" xmlns:r="http://schemas.openxmlformats.org/officeDocument/2006/relationships" xmlns:p="http://schemas.openxmlformats.org/presentationml/2006/main" show="0">
+<p:sld xmlns:a="http://schemas.openxmlformats.org/drawingml/2006/main" xmlns:r="http://schemas.openxmlformats.org/officeDocument/2006/relationships" xmlns:p="http://schemas.openxmlformats.org/presentationml/2006/main">
   <p:cSld>
     <p:spTree>
       <p:nvGrpSpPr>
@@ -29470,13 +29470,13 @@
   <p:clrMapOvr>
     <a:masterClrMapping/>
   </p:clrMapOvr>
-  <mc:AlternateContent xmlns:mc="http://schemas.openxmlformats.org/markup-compatibility/2006" xmlns:p14="http://schemas.microsoft.com/office/powerpoint/2010/main">
-    <mc:Choice Requires="p14">
+  <mc:AlternateContent xmlns:mc="http://schemas.openxmlformats.org/markup-compatibility/2006">
+    <mc:Choice xmlns:p14="http://schemas.microsoft.com/office/powerpoint/2010/main" Requires="p14">
       <p:transition>
         <p14:reveal/>
       </p:transition>
     </mc:Choice>
-    <mc:Fallback xmlns="">
+    <mc:Fallback>
       <p:transition>
         <p:fade/>
       </p:transition>
@@ -30008,7 +30008,7 @@
 </file>
 
 <file path=ppt/slides/slide4.xml><?xml version="1.0" encoding="utf-8"?>
-<p:sld xmlns:a="http://schemas.openxmlformats.org/drawingml/2006/main" xmlns:r="http://schemas.openxmlformats.org/officeDocument/2006/relationships" xmlns:p="http://schemas.openxmlformats.org/presentationml/2006/main" show="0">
+<p:sld xmlns:a="http://schemas.openxmlformats.org/drawingml/2006/main" xmlns:r="http://schemas.openxmlformats.org/officeDocument/2006/relationships" xmlns:p="http://schemas.openxmlformats.org/presentationml/2006/main">
   <p:cSld>
     <p:spTree>
       <p:nvGrpSpPr>
@@ -31056,100 +31056,6 @@
           </a:p>
         </p:txBody>
       </p:sp>
-      <p:pic>
-        <p:nvPicPr>
-          <p:cNvPr id="17" name="Picture 3"/>
-          <p:cNvPicPr>
-            <a:picLocks noChangeAspect="1" noChangeArrowheads="1"/>
-          </p:cNvPicPr>
-          <p:nvPr/>
-        </p:nvPicPr>
-        <p:blipFill rotWithShape="1">
-          <a:blip r:embed="rId2" cstate="screen">
-            <a:extLst>
-              <a:ext uri="{28A0092B-C50C-407E-A947-70E740481C1C}">
-                <a14:useLocalDpi xmlns:a14="http://schemas.microsoft.com/office/drawing/2010/main"/>
-              </a:ext>
-            </a:extLst>
-          </a:blip>
-          <a:srcRect/>
-          <a:stretch/>
-        </p:blipFill>
-        <p:spPr bwMode="auto">
-          <a:xfrm>
-            <a:off x="6669531" y="4023538"/>
-            <a:ext cx="1934917" cy="2701189"/>
-          </a:xfrm>
-          <a:prstGeom prst="rect">
-            <a:avLst/>
-          </a:prstGeom>
-          <a:noFill/>
-          <a:ln w="28575">
-            <a:solidFill>
-              <a:schemeClr val="tx1"/>
-            </a:solidFill>
-            <a:miter lim="800000"/>
-            <a:headEnd/>
-            <a:tailEnd/>
-          </a:ln>
-          <a:extLst>
-            <a:ext uri="{909E8E84-426E-40DD-AFC4-6F175D3DCCD1}">
-              <a14:hiddenFill xmlns:a14="http://schemas.microsoft.com/office/drawing/2010/main">
-                <a:solidFill>
-                  <a:schemeClr val="accent1"/>
-                </a:solidFill>
-              </a14:hiddenFill>
-            </a:ext>
-          </a:extLst>
-        </p:spPr>
-      </p:pic>
-      <p:pic>
-        <p:nvPicPr>
-          <p:cNvPr id="18" name="Picture 17"/>
-          <p:cNvPicPr>
-            <a:picLocks noChangeAspect="1" noChangeArrowheads="1"/>
-          </p:cNvPicPr>
-          <p:nvPr/>
-        </p:nvPicPr>
-        <p:blipFill rotWithShape="1">
-          <a:blip r:embed="rId3" cstate="screen">
-            <a:extLst>
-              <a:ext uri="{28A0092B-C50C-407E-A947-70E740481C1C}">
-                <a14:useLocalDpi xmlns:a14="http://schemas.microsoft.com/office/drawing/2010/main"/>
-              </a:ext>
-            </a:extLst>
-          </a:blip>
-          <a:srcRect/>
-          <a:stretch/>
-        </p:blipFill>
-        <p:spPr bwMode="auto">
-          <a:xfrm>
-            <a:off x="675604" y="4023540"/>
-            <a:ext cx="1934917" cy="2701187"/>
-          </a:xfrm>
-          <a:prstGeom prst="rect">
-            <a:avLst/>
-          </a:prstGeom>
-          <a:noFill/>
-          <a:ln w="28575">
-            <a:solidFill>
-              <a:schemeClr val="tx1"/>
-            </a:solidFill>
-            <a:miter lim="800000"/>
-            <a:headEnd/>
-            <a:tailEnd/>
-          </a:ln>
-          <a:extLst>
-            <a:ext uri="{909E8E84-426E-40DD-AFC4-6F175D3DCCD1}">
-              <a14:hiddenFill xmlns:a14="http://schemas.microsoft.com/office/drawing/2010/main">
-                <a:solidFill>
-                  <a:schemeClr val="accent1"/>
-                </a:solidFill>
-              </a14:hiddenFill>
-            </a:ext>
-          </a:extLst>
-        </p:spPr>
-      </p:pic>
       <p:sp>
         <p:nvSpPr>
           <p:cNvPr id="19" name="TextBox 18"/>
@@ -31209,13 +31115,13 @@
   <p:clrMapOvr>
     <a:masterClrMapping/>
   </p:clrMapOvr>
-  <mc:AlternateContent xmlns:mc="http://schemas.openxmlformats.org/markup-compatibility/2006" xmlns:p14="http://schemas.microsoft.com/office/powerpoint/2010/main">
-    <mc:Choice Requires="p14">
+  <mc:AlternateContent xmlns:mc="http://schemas.openxmlformats.org/markup-compatibility/2006">
+    <mc:Choice xmlns:p14="http://schemas.microsoft.com/office/powerpoint/2010/main" Requires="p14">
       <p:transition>
         <p14:reveal/>
       </p:transition>
     </mc:Choice>
-    <mc:Fallback xmlns="">
+    <mc:Fallback>
       <p:transition>
         <p:fade/>
       </p:transition>
@@ -31439,7 +31345,7 @@
                             </p:stCondLst>
                             <p:childTnLst>
                               <p:par>
-                                <p:cTn id="23" presetID="10" presetClass="entr" presetSubtype="0" fill="hold" nodeType="clickEffect">
+                                <p:cTn id="23" presetID="22" presetClass="entr" presetSubtype="1" fill="hold" grpId="0" nodeType="clickEffect">
                                   <p:stCondLst>
                                     <p:cond delay="0"/>
                                   </p:stCondLst>
@@ -31452,7 +31358,7 @@
                                           </p:stCondLst>
                                         </p:cTn>
                                         <p:tgtEl>
-                                          <p:spTgt spid="18"/>
+                                          <p:spTgt spid="9"/>
                                         </p:tgtEl>
                                         <p:attrNameLst>
                                           <p:attrName>style.visibility</p:attrName>
@@ -31462,11 +31368,11 @@
                                         <p:strVal val="visible"/>
                                       </p:to>
                                     </p:set>
-                                    <p:animEffect transition="in" filter="fade">
+                                    <p:animEffect transition="in" filter="wipe(up)">
                                       <p:cBhvr>
                                         <p:cTn id="25" dur="250"/>
                                         <p:tgtEl>
-                                          <p:spTgt spid="18"/>
+                                          <p:spTgt spid="9"/>
                                         </p:tgtEl>
                                       </p:cBhvr>
                                     </p:animEffect>
@@ -31505,7 +31411,7 @@
                                           </p:stCondLst>
                                         </p:cTn>
                                         <p:tgtEl>
-                                          <p:spTgt spid="9"/>
+                                          <p:spTgt spid="10"/>
                                         </p:tgtEl>
                                         <p:attrNameLst>
                                           <p:attrName>style.visibility</p:attrName>
@@ -31519,7 +31425,95 @@
                                       <p:cBhvr>
                                         <p:cTn id="30" dur="250"/>
                                         <p:tgtEl>
-                                          <p:spTgt spid="9"/>
+                                          <p:spTgt spid="10"/>
+                                        </p:tgtEl>
+                                      </p:cBhvr>
+                                    </p:animEffect>
+                                  </p:childTnLst>
+                                </p:cTn>
+                              </p:par>
+                            </p:childTnLst>
+                          </p:cTn>
+                        </p:par>
+                        <p:par>
+                          <p:cTn id="31" fill="hold">
+                            <p:stCondLst>
+                              <p:cond delay="250"/>
+                            </p:stCondLst>
+                            <p:childTnLst>
+                              <p:par>
+                                <p:cTn id="32" presetID="22" presetClass="entr" presetSubtype="8" fill="hold" grpId="0" nodeType="afterEffect">
+                                  <p:stCondLst>
+                                    <p:cond delay="0"/>
+                                  </p:stCondLst>
+                                  <p:childTnLst>
+                                    <p:set>
+                                      <p:cBhvr>
+                                        <p:cTn id="33" dur="1" fill="hold">
+                                          <p:stCondLst>
+                                            <p:cond delay="0"/>
+                                          </p:stCondLst>
+                                        </p:cTn>
+                                        <p:tgtEl>
+                                          <p:spTgt spid="11"/>
+                                        </p:tgtEl>
+                                        <p:attrNameLst>
+                                          <p:attrName>style.visibility</p:attrName>
+                                        </p:attrNameLst>
+                                      </p:cBhvr>
+                                      <p:to>
+                                        <p:strVal val="visible"/>
+                                      </p:to>
+                                    </p:set>
+                                    <p:animEffect transition="in" filter="wipe(left)">
+                                      <p:cBhvr>
+                                        <p:cTn id="34" dur="250"/>
+                                        <p:tgtEl>
+                                          <p:spTgt spid="11"/>
+                                        </p:tgtEl>
+                                      </p:cBhvr>
+                                    </p:animEffect>
+                                  </p:childTnLst>
+                                </p:cTn>
+                              </p:par>
+                            </p:childTnLst>
+                          </p:cTn>
+                        </p:par>
+                        <p:par>
+                          <p:cTn id="35" fill="hold">
+                            <p:stCondLst>
+                              <p:cond delay="500"/>
+                            </p:stCondLst>
+                            <p:childTnLst>
+                              <p:par>
+                                <p:cTn id="36" presetID="22" presetClass="entr" presetSubtype="8" fill="hold" grpId="0" nodeType="afterEffect">
+                                  <p:stCondLst>
+                                    <p:cond delay="0"/>
+                                  </p:stCondLst>
+                                  <p:childTnLst>
+                                    <p:set>
+                                      <p:cBhvr>
+                                        <p:cTn id="37" dur="1" fill="hold">
+                                          <p:stCondLst>
+                                            <p:cond delay="0"/>
+                                          </p:stCondLst>
+                                        </p:cTn>
+                                        <p:tgtEl>
+                                          <p:spTgt spid="12"/>
+                                        </p:tgtEl>
+                                        <p:attrNameLst>
+                                          <p:attrName>style.visibility</p:attrName>
+                                        </p:attrNameLst>
+                                      </p:cBhvr>
+                                      <p:to>
+                                        <p:strVal val="visible"/>
+                                      </p:to>
+                                    </p:set>
+                                    <p:animEffect transition="in" filter="wipe(left)">
+                                      <p:cBhvr>
+                                        <p:cTn id="38" dur="250"/>
+                                        <p:tgtEl>
+                                          <p:spTgt spid="12"/>
                                         </p:tgtEl>
                                       </p:cBhvr>
                                     </p:animEffect>
@@ -31533,32 +31527,32 @@
                     </p:cTn>
                   </p:par>
                   <p:par>
-                    <p:cTn id="31" fill="hold">
+                    <p:cTn id="39" fill="hold">
                       <p:stCondLst>
                         <p:cond delay="indefinite"/>
                       </p:stCondLst>
                       <p:childTnLst>
                         <p:par>
-                          <p:cTn id="32" fill="hold">
+                          <p:cTn id="40" fill="hold">
                             <p:stCondLst>
                               <p:cond delay="0"/>
                             </p:stCondLst>
                             <p:childTnLst>
                               <p:par>
-                                <p:cTn id="33" presetID="22" presetClass="entr" presetSubtype="1" fill="hold" grpId="0" nodeType="clickEffect">
+                                <p:cTn id="41" presetID="22" presetClass="entr" presetSubtype="8" fill="hold" grpId="0" nodeType="clickEffect">
                                   <p:stCondLst>
                                     <p:cond delay="0"/>
                                   </p:stCondLst>
                                   <p:childTnLst>
                                     <p:set>
                                       <p:cBhvr>
-                                        <p:cTn id="34" dur="1" fill="hold">
+                                        <p:cTn id="42" dur="1" fill="hold">
                                           <p:stCondLst>
                                             <p:cond delay="0"/>
                                           </p:stCondLst>
                                         </p:cTn>
                                         <p:tgtEl>
-                                          <p:spTgt spid="10"/>
+                                          <p:spTgt spid="13"/>
                                         </p:tgtEl>
                                         <p:attrNameLst>
                                           <p:attrName>style.visibility</p:attrName>
@@ -31568,11 +31562,55 @@
                                         <p:strVal val="visible"/>
                                       </p:to>
                                     </p:set>
-                                    <p:animEffect transition="in" filter="wipe(up)">
+                                    <p:animEffect transition="in" filter="wipe(left)">
                                       <p:cBhvr>
-                                        <p:cTn id="35" dur="250"/>
-                                        <p:tgtEl>
-                                          <p:spTgt spid="10"/>
+                                        <p:cTn id="43" dur="250"/>
+                                        <p:tgtEl>
+                                          <p:spTgt spid="13"/>
+                                        </p:tgtEl>
+                                      </p:cBhvr>
+                                    </p:animEffect>
+                                  </p:childTnLst>
+                                </p:cTn>
+                              </p:par>
+                            </p:childTnLst>
+                          </p:cTn>
+                        </p:par>
+                        <p:par>
+                          <p:cTn id="44" fill="hold">
+                            <p:stCondLst>
+                              <p:cond delay="250"/>
+                            </p:stCondLst>
+                            <p:childTnLst>
+                              <p:par>
+                                <p:cTn id="45" presetID="22" presetClass="entr" presetSubtype="8" fill="hold" grpId="0" nodeType="afterEffect">
+                                  <p:stCondLst>
+                                    <p:cond delay="0"/>
+                                  </p:stCondLst>
+                                  <p:childTnLst>
+                                    <p:set>
+                                      <p:cBhvr>
+                                        <p:cTn id="46" dur="1" fill="hold">
+                                          <p:stCondLst>
+                                            <p:cond delay="0"/>
+                                          </p:stCondLst>
+                                        </p:cTn>
+                                        <p:tgtEl>
+                                          <p:spTgt spid="15"/>
+                                        </p:tgtEl>
+                                        <p:attrNameLst>
+                                          <p:attrName>style.visibility</p:attrName>
+                                        </p:attrNameLst>
+                                      </p:cBhvr>
+                                      <p:to>
+                                        <p:strVal val="visible"/>
+                                      </p:to>
+                                    </p:set>
+                                    <p:animEffect transition="in" filter="wipe(left)">
+                                      <p:cBhvr>
+                                        <p:cTn id="47" dur="250"/>
+                                        <p:tgtEl>
+                                          <p:spTgt spid="15"/>
                                         </p:tgtEl>
                                       </p:cBhvr>
                                     </p:animEffect>
@@ -31586,151 +31624,19 @@
                     </p:cTn>
                   </p:par>
                   <p:par>
-                    <p:cTn id="36" fill="hold">
+                    <p:cTn id="48" fill="hold">
                       <p:stCondLst>
                         <p:cond delay="indefinite"/>
                       </p:stCondLst>
                       <p:childTnLst>
                         <p:par>
-                          <p:cTn id="37" fill="hold">
+                          <p:cTn id="49" fill="hold">
                             <p:stCondLst>
                               <p:cond delay="0"/>
                             </p:stCondLst>
                             <p:childTnLst>
                               <p:par>
-                                <p:cTn id="38" presetID="10" presetClass="entr" presetSubtype="0" fill="hold" nodeType="clickEffect">
-                                  <p:stCondLst>
-                                    <p:cond delay="0"/>
-                                  </p:stCondLst>
-                                  <p:childTnLst>
-                                    <p:set>
-                                      <p:cBhvr>
-                                        <p:cTn id="39" dur="1" fill="hold">
-                                          <p:stCondLst>
-                                            <p:cond delay="0"/>
-                                          </p:stCondLst>
-                                        </p:cTn>
-                                        <p:tgtEl>
-                                          <p:spTgt spid="17"/>
-                                        </p:tgtEl>
-                                        <p:attrNameLst>
-                                          <p:attrName>style.visibility</p:attrName>
-                                        </p:attrNameLst>
-                                      </p:cBhvr>
-                                      <p:to>
-                                        <p:strVal val="visible"/>
-                                      </p:to>
-                                    </p:set>
-                                    <p:animEffect transition="in" filter="fade">
-                                      <p:cBhvr>
-                                        <p:cTn id="40" dur="250"/>
-                                        <p:tgtEl>
-                                          <p:spTgt spid="17"/>
-                                        </p:tgtEl>
-                                      </p:cBhvr>
-                                    </p:animEffect>
-                                  </p:childTnLst>
-                                </p:cTn>
-                              </p:par>
-                            </p:childTnLst>
-                          </p:cTn>
-                        </p:par>
-                      </p:childTnLst>
-                    </p:cTn>
-                  </p:par>
-                  <p:par>
-                    <p:cTn id="41" fill="hold">
-                      <p:stCondLst>
-                        <p:cond delay="indefinite"/>
-                      </p:stCondLst>
-                      <p:childTnLst>
-                        <p:par>
-                          <p:cTn id="42" fill="hold">
-                            <p:stCondLst>
-                              <p:cond delay="0"/>
-                            </p:stCondLst>
-                            <p:childTnLst>
-                              <p:par>
-                                <p:cTn id="43" presetID="10" presetClass="exit" presetSubtype="0" fill="hold" nodeType="clickEffect">
-                                  <p:stCondLst>
-                                    <p:cond delay="0"/>
-                                  </p:stCondLst>
-                                  <p:childTnLst>
-                                    <p:animEffect transition="out" filter="fade">
-                                      <p:cBhvr>
-                                        <p:cTn id="44" dur="250"/>
-                                        <p:tgtEl>
-                                          <p:spTgt spid="18"/>
-                                        </p:tgtEl>
-                                      </p:cBhvr>
-                                    </p:animEffect>
-                                    <p:set>
-                                      <p:cBhvr>
-                                        <p:cTn id="45" dur="1" fill="hold">
-                                          <p:stCondLst>
-                                            <p:cond delay="249"/>
-                                          </p:stCondLst>
-                                        </p:cTn>
-                                        <p:tgtEl>
-                                          <p:spTgt spid="18"/>
-                                        </p:tgtEl>
-                                        <p:attrNameLst>
-                                          <p:attrName>style.visibility</p:attrName>
-                                        </p:attrNameLst>
-                                      </p:cBhvr>
-                                      <p:to>
-                                        <p:strVal val="hidden"/>
-                                      </p:to>
-                                    </p:set>
-                                  </p:childTnLst>
-                                </p:cTn>
-                              </p:par>
-                              <p:par>
-                                <p:cTn id="46" presetID="10" presetClass="exit" presetSubtype="0" fill="hold" nodeType="withEffect">
-                                  <p:stCondLst>
-                                    <p:cond delay="0"/>
-                                  </p:stCondLst>
-                                  <p:childTnLst>
-                                    <p:animEffect transition="out" filter="fade">
-                                      <p:cBhvr>
-                                        <p:cTn id="47" dur="250"/>
-                                        <p:tgtEl>
-                                          <p:spTgt spid="17"/>
-                                        </p:tgtEl>
-                                      </p:cBhvr>
-                                    </p:animEffect>
-                                    <p:set>
-                                      <p:cBhvr>
-                                        <p:cTn id="48" dur="1" fill="hold">
-                                          <p:stCondLst>
-                                            <p:cond delay="249"/>
-                                          </p:stCondLst>
-                                        </p:cTn>
-                                        <p:tgtEl>
-                                          <p:spTgt spid="17"/>
-                                        </p:tgtEl>
-                                        <p:attrNameLst>
-                                          <p:attrName>style.visibility</p:attrName>
-                                        </p:attrNameLst>
-                                      </p:cBhvr>
-                                      <p:to>
-                                        <p:strVal val="hidden"/>
-                                      </p:to>
-                                    </p:set>
-                                  </p:childTnLst>
-                                </p:cTn>
-                              </p:par>
-                            </p:childTnLst>
-                          </p:cTn>
-                        </p:par>
-                        <p:par>
-                          <p:cTn id="49" fill="hold">
-                            <p:stCondLst>
-                              <p:cond delay="250"/>
-                            </p:stCondLst>
-                            <p:childTnLst>
-                              <p:par>
-                                <p:cTn id="50" presetID="22" presetClass="entr" presetSubtype="8" fill="hold" grpId="0" nodeType="afterEffect">
+                                <p:cTn id="50" presetID="22" presetClass="entr" presetSubtype="8" fill="hold" grpId="0" nodeType="clickEffect">
                                   <p:stCondLst>
                                     <p:cond delay="0"/>
                                   </p:stCondLst>
@@ -31743,7 +31649,7 @@
                                           </p:stCondLst>
                                         </p:cTn>
                                         <p:tgtEl>
-                                          <p:spTgt spid="11"/>
+                                          <p:spTgt spid="14"/>
                                         </p:tgtEl>
                                         <p:attrNameLst>
                                           <p:attrName>style.visibility</p:attrName>
@@ -31757,7 +31663,7 @@
                                       <p:cBhvr>
                                         <p:cTn id="52" dur="250"/>
                                         <p:tgtEl>
-                                          <p:spTgt spid="11"/>
+                                          <p:spTgt spid="14"/>
                                         </p:tgtEl>
                                       </p:cBhvr>
                                     </p:animEffect>
@@ -31770,7 +31676,7 @@
                         <p:par>
                           <p:cTn id="53" fill="hold">
                             <p:stCondLst>
-                              <p:cond delay="500"/>
+                              <p:cond delay="250"/>
                             </p:stCondLst>
                             <p:childTnLst>
                               <p:par>
@@ -31787,7 +31693,7 @@
                                           </p:stCondLst>
                                         </p:cTn>
                                         <p:tgtEl>
-                                          <p:spTgt spid="12"/>
+                                          <p:spTgt spid="16"/>
                                         </p:tgtEl>
                                         <p:attrNameLst>
                                           <p:attrName>style.visibility</p:attrName>
@@ -31800,200 +31706,6 @@
                                     <p:animEffect transition="in" filter="wipe(left)">
                                       <p:cBhvr>
                                         <p:cTn id="56" dur="250"/>
-                                        <p:tgtEl>
-                                          <p:spTgt spid="12"/>
-                                        </p:tgtEl>
-                                      </p:cBhvr>
-                                    </p:animEffect>
-                                  </p:childTnLst>
-                                </p:cTn>
-                              </p:par>
-                            </p:childTnLst>
-                          </p:cTn>
-                        </p:par>
-                      </p:childTnLst>
-                    </p:cTn>
-                  </p:par>
-                  <p:par>
-                    <p:cTn id="57" fill="hold">
-                      <p:stCondLst>
-                        <p:cond delay="indefinite"/>
-                      </p:stCondLst>
-                      <p:childTnLst>
-                        <p:par>
-                          <p:cTn id="58" fill="hold">
-                            <p:stCondLst>
-                              <p:cond delay="0"/>
-                            </p:stCondLst>
-                            <p:childTnLst>
-                              <p:par>
-                                <p:cTn id="59" presetID="22" presetClass="entr" presetSubtype="8" fill="hold" grpId="0" nodeType="clickEffect">
-                                  <p:stCondLst>
-                                    <p:cond delay="0"/>
-                                  </p:stCondLst>
-                                  <p:childTnLst>
-                                    <p:set>
-                                      <p:cBhvr>
-                                        <p:cTn id="60" dur="1" fill="hold">
-                                          <p:stCondLst>
-                                            <p:cond delay="0"/>
-                                          </p:stCondLst>
-                                        </p:cTn>
-                                        <p:tgtEl>
-                                          <p:spTgt spid="13"/>
-                                        </p:tgtEl>
-                                        <p:attrNameLst>
-                                          <p:attrName>style.visibility</p:attrName>
-                                        </p:attrNameLst>
-                                      </p:cBhvr>
-                                      <p:to>
-                                        <p:strVal val="visible"/>
-                                      </p:to>
-                                    </p:set>
-                                    <p:animEffect transition="in" filter="wipe(left)">
-                                      <p:cBhvr>
-                                        <p:cTn id="61" dur="250"/>
-                                        <p:tgtEl>
-                                          <p:spTgt spid="13"/>
-                                        </p:tgtEl>
-                                      </p:cBhvr>
-                                    </p:animEffect>
-                                  </p:childTnLst>
-                                </p:cTn>
-                              </p:par>
-                            </p:childTnLst>
-                          </p:cTn>
-                        </p:par>
-                        <p:par>
-                          <p:cTn id="62" fill="hold">
-                            <p:stCondLst>
-                              <p:cond delay="250"/>
-                            </p:stCondLst>
-                            <p:childTnLst>
-                              <p:par>
-                                <p:cTn id="63" presetID="22" presetClass="entr" presetSubtype="8" fill="hold" grpId="0" nodeType="afterEffect">
-                                  <p:stCondLst>
-                                    <p:cond delay="0"/>
-                                  </p:stCondLst>
-                                  <p:childTnLst>
-                                    <p:set>
-                                      <p:cBhvr>
-                                        <p:cTn id="64" dur="1" fill="hold">
-                                          <p:stCondLst>
-                                            <p:cond delay="0"/>
-                                          </p:stCondLst>
-                                        </p:cTn>
-                                        <p:tgtEl>
-                                          <p:spTgt spid="15"/>
-                                        </p:tgtEl>
-                                        <p:attrNameLst>
-                                          <p:attrName>style.visibility</p:attrName>
-                                        </p:attrNameLst>
-                                      </p:cBhvr>
-                                      <p:to>
-                                        <p:strVal val="visible"/>
-                                      </p:to>
-                                    </p:set>
-                                    <p:animEffect transition="in" filter="wipe(left)">
-                                      <p:cBhvr>
-                                        <p:cTn id="65" dur="250"/>
-                                        <p:tgtEl>
-                                          <p:spTgt spid="15"/>
-                                        </p:tgtEl>
-                                      </p:cBhvr>
-                                    </p:animEffect>
-                                  </p:childTnLst>
-                                </p:cTn>
-                              </p:par>
-                            </p:childTnLst>
-                          </p:cTn>
-                        </p:par>
-                      </p:childTnLst>
-                    </p:cTn>
-                  </p:par>
-                  <p:par>
-                    <p:cTn id="66" fill="hold">
-                      <p:stCondLst>
-                        <p:cond delay="indefinite"/>
-                      </p:stCondLst>
-                      <p:childTnLst>
-                        <p:par>
-                          <p:cTn id="67" fill="hold">
-                            <p:stCondLst>
-                              <p:cond delay="0"/>
-                            </p:stCondLst>
-                            <p:childTnLst>
-                              <p:par>
-                                <p:cTn id="68" presetID="22" presetClass="entr" presetSubtype="8" fill="hold" grpId="0" nodeType="clickEffect">
-                                  <p:stCondLst>
-                                    <p:cond delay="0"/>
-                                  </p:stCondLst>
-                                  <p:childTnLst>
-                                    <p:set>
-                                      <p:cBhvr>
-                                        <p:cTn id="69" dur="1" fill="hold">
-                                          <p:stCondLst>
-                                            <p:cond delay="0"/>
-                                          </p:stCondLst>
-                                        </p:cTn>
-                                        <p:tgtEl>
-                                          <p:spTgt spid="14"/>
-                                        </p:tgtEl>
-                                        <p:attrNameLst>
-                                          <p:attrName>style.visibility</p:attrName>
-                                        </p:attrNameLst>
-                                      </p:cBhvr>
-                                      <p:to>
-                                        <p:strVal val="visible"/>
-                                      </p:to>
-                                    </p:set>
-                                    <p:animEffect transition="in" filter="wipe(left)">
-                                      <p:cBhvr>
-                                        <p:cTn id="70" dur="250"/>
-                                        <p:tgtEl>
-                                          <p:spTgt spid="14"/>
-                                        </p:tgtEl>
-                                      </p:cBhvr>
-                                    </p:animEffect>
-                                  </p:childTnLst>
-                                </p:cTn>
-                              </p:par>
-                            </p:childTnLst>
-                          </p:cTn>
-                        </p:par>
-                        <p:par>
-                          <p:cTn id="71" fill="hold">
-                            <p:stCondLst>
-                              <p:cond delay="250"/>
-                            </p:stCondLst>
-                            <p:childTnLst>
-                              <p:par>
-                                <p:cTn id="72" presetID="22" presetClass="entr" presetSubtype="8" fill="hold" grpId="0" nodeType="afterEffect">
-                                  <p:stCondLst>
-                                    <p:cond delay="0"/>
-                                  </p:stCondLst>
-                                  <p:childTnLst>
-                                    <p:set>
-                                      <p:cBhvr>
-                                        <p:cTn id="73" dur="1" fill="hold">
-                                          <p:stCondLst>
-                                            <p:cond delay="0"/>
-                                          </p:stCondLst>
-                                        </p:cTn>
-                                        <p:tgtEl>
-                                          <p:spTgt spid="16"/>
-                                        </p:tgtEl>
-                                        <p:attrNameLst>
-                                          <p:attrName>style.visibility</p:attrName>
-                                        </p:attrNameLst>
-                                      </p:cBhvr>
-                                      <p:to>
-                                        <p:strVal val="visible"/>
-                                      </p:to>
-                                    </p:set>
-                                    <p:animEffect transition="in" filter="wipe(left)">
-                                      <p:cBhvr>
-                                        <p:cTn id="74" dur="250"/>
                                         <p:tgtEl>
                                           <p:spTgt spid="16"/>
                                         </p:tgtEl>
@@ -32048,7 +31760,7 @@
 </file>
 
 <file path=ppt/slides/slide5.xml><?xml version="1.0" encoding="utf-8"?>
-<p:sld xmlns:a="http://schemas.openxmlformats.org/drawingml/2006/main" xmlns:r="http://schemas.openxmlformats.org/officeDocument/2006/relationships" xmlns:p="http://schemas.openxmlformats.org/presentationml/2006/main" show="0">
+<p:sld xmlns:a="http://schemas.openxmlformats.org/drawingml/2006/main" xmlns:r="http://schemas.openxmlformats.org/officeDocument/2006/relationships" xmlns:p="http://schemas.openxmlformats.org/presentationml/2006/main">
   <p:cSld>
     <p:spTree>
       <p:nvGrpSpPr>
@@ -33770,13 +33482,13 @@
   <p:clrMapOvr>
     <a:masterClrMapping/>
   </p:clrMapOvr>
-  <mc:AlternateContent xmlns:mc="http://schemas.openxmlformats.org/markup-compatibility/2006" xmlns:p14="http://schemas.microsoft.com/office/powerpoint/2010/main">
-    <mc:Choice Requires="p14">
+  <mc:AlternateContent xmlns:mc="http://schemas.openxmlformats.org/markup-compatibility/2006">
+    <mc:Choice xmlns:p14="http://schemas.microsoft.com/office/powerpoint/2010/main" Requires="p14">
       <p:transition>
         <p14:reveal/>
       </p:transition>
     </mc:Choice>
-    <mc:Fallback xmlns="">
+    <mc:Fallback>
       <p:transition>
         <p:fade/>
       </p:transition>
@@ -34593,7 +34305,7 @@
 </file>
 
 <file path=ppt/slides/slide6.xml><?xml version="1.0" encoding="utf-8"?>
-<p:sld xmlns:a="http://schemas.openxmlformats.org/drawingml/2006/main" xmlns:r="http://schemas.openxmlformats.org/officeDocument/2006/relationships" xmlns:p="http://schemas.openxmlformats.org/presentationml/2006/main" show="0">
+<p:sld xmlns:a="http://schemas.openxmlformats.org/drawingml/2006/main" xmlns:r="http://schemas.openxmlformats.org/officeDocument/2006/relationships" xmlns:p="http://schemas.openxmlformats.org/presentationml/2006/main">
   <p:cSld>
     <p:spTree>
       <p:nvGrpSpPr>
@@ -35315,13 +35027,13 @@
   <p:clrMapOvr>
     <a:masterClrMapping/>
   </p:clrMapOvr>
-  <mc:AlternateContent xmlns:mc="http://schemas.openxmlformats.org/markup-compatibility/2006" xmlns:p14="http://schemas.microsoft.com/office/powerpoint/2010/main">
-    <mc:Choice Requires="p14">
+  <mc:AlternateContent xmlns:mc="http://schemas.openxmlformats.org/markup-compatibility/2006">
+    <mc:Choice xmlns:p14="http://schemas.microsoft.com/office/powerpoint/2010/main" Requires="p14">
       <p:transition>
         <p14:reveal/>
       </p:transition>
     </mc:Choice>
-    <mc:Fallback xmlns="">
+    <mc:Fallback>
       <p:transition>
         <p:fade/>
       </p:transition>
@@ -36094,7 +35806,7 @@
 </file>
 
 <file path=ppt/slides/slide7.xml><?xml version="1.0" encoding="utf-8"?>
-<p:sld xmlns:a="http://schemas.openxmlformats.org/drawingml/2006/main" xmlns:r="http://schemas.openxmlformats.org/officeDocument/2006/relationships" xmlns:p="http://schemas.openxmlformats.org/presentationml/2006/main" show="0">
+<p:sld xmlns:a="http://schemas.openxmlformats.org/drawingml/2006/main" xmlns:r="http://schemas.openxmlformats.org/officeDocument/2006/relationships" xmlns:p="http://schemas.openxmlformats.org/presentationml/2006/main">
   <p:cSld>
     <p:spTree>
       <p:nvGrpSpPr>
@@ -36717,13 +36429,13 @@
   <p:clrMapOvr>
     <a:masterClrMapping/>
   </p:clrMapOvr>
-  <mc:AlternateContent xmlns:mc="http://schemas.openxmlformats.org/markup-compatibility/2006" xmlns:p14="http://schemas.microsoft.com/office/powerpoint/2010/main">
-    <mc:Choice Requires="p14">
+  <mc:AlternateContent xmlns:mc="http://schemas.openxmlformats.org/markup-compatibility/2006">
+    <mc:Choice xmlns:p14="http://schemas.microsoft.com/office/powerpoint/2010/main" Requires="p14">
       <p:transition>
         <p14:reveal/>
       </p:transition>
     </mc:Choice>
-    <mc:Fallback xmlns="">
+    <mc:Fallback>
       <p:transition>
         <p:fade/>
       </p:transition>
@@ -37325,7 +37037,7 @@
 </file>
 
 <file path=ppt/slides/slide8.xml><?xml version="1.0" encoding="utf-8"?>
-<p:sld xmlns:a="http://schemas.openxmlformats.org/drawingml/2006/main" xmlns:r="http://schemas.openxmlformats.org/officeDocument/2006/relationships" xmlns:p="http://schemas.openxmlformats.org/presentationml/2006/main" show="0">
+<p:sld xmlns:a="http://schemas.openxmlformats.org/drawingml/2006/main" xmlns:r="http://schemas.openxmlformats.org/officeDocument/2006/relationships" xmlns:p="http://schemas.openxmlformats.org/presentationml/2006/main">
   <p:cSld>
     <p:spTree>
       <p:nvGrpSpPr>
@@ -38066,13 +37778,13 @@
   <p:clrMapOvr>
     <a:masterClrMapping/>
   </p:clrMapOvr>
-  <mc:AlternateContent xmlns:mc="http://schemas.openxmlformats.org/markup-compatibility/2006" xmlns:p14="http://schemas.microsoft.com/office/powerpoint/2010/main">
-    <mc:Choice Requires="p14">
+  <mc:AlternateContent xmlns:mc="http://schemas.openxmlformats.org/markup-compatibility/2006">
+    <mc:Choice xmlns:p14="http://schemas.microsoft.com/office/powerpoint/2010/main" Requires="p14">
       <p:transition>
         <p14:reveal/>
       </p:transition>
     </mc:Choice>
-    <mc:Fallback xmlns="">
+    <mc:Fallback>
       <p:transition>
         <p:fade/>
       </p:transition>
@@ -38089,7 +37801,7 @@
 </file>
 
 <file path=ppt/slides/slide9.xml><?xml version="1.0" encoding="utf-8"?>
-<p:sld xmlns:a="http://schemas.openxmlformats.org/drawingml/2006/main" xmlns:r="http://schemas.openxmlformats.org/officeDocument/2006/relationships" xmlns:p="http://schemas.openxmlformats.org/presentationml/2006/main" show="0">
+<p:sld xmlns:a="http://schemas.openxmlformats.org/drawingml/2006/main" xmlns:r="http://schemas.openxmlformats.org/officeDocument/2006/relationships" xmlns:p="http://schemas.openxmlformats.org/presentationml/2006/main">
   <p:cSld>
     <p:spTree>
       <p:nvGrpSpPr>
@@ -38489,13 +38201,13 @@
   <p:clrMapOvr>
     <a:masterClrMapping/>
   </p:clrMapOvr>
-  <mc:AlternateContent xmlns:mc="http://schemas.openxmlformats.org/markup-compatibility/2006" xmlns:p14="http://schemas.microsoft.com/office/powerpoint/2010/main">
-    <mc:Choice Requires="p14">
+  <mc:AlternateContent xmlns:mc="http://schemas.openxmlformats.org/markup-compatibility/2006">
+    <mc:Choice xmlns:p14="http://schemas.microsoft.com/office/powerpoint/2010/main" Requires="p14">
       <p:transition>
         <p14:reveal/>
       </p:transition>
     </mc:Choice>
-    <mc:Fallback xmlns="">
+    <mc:Fallback>
       <p:transition>
         <p:fade/>
       </p:transition>
